--- a/Extended Campuses/EC CSS HTML Presentation.pptx
+++ b/Extended Campuses/EC CSS HTML Presentation.pptx
@@ -5919,13 +5919,34 @@
           <a:p>
             <a:r>
               <a:rPr lang="en-US" dirty="0" smtClean="0"/>
-              <a:t>Best Practices</a:t>
-            </a:r>
-          </a:p>
-          <a:p>
-            <a:r>
-              <a:rPr lang="en-US" dirty="0" smtClean="0"/>
-              <a:t>Where to Start?</a:t>
+              <a:t>Best </a:t>
+            </a:r>
+            <a:r>
+              <a:rPr lang="en-US" dirty="0" smtClean="0"/>
+              <a:t>Practices</a:t>
+            </a:r>
+          </a:p>
+          <a:p>
+            <a:r>
+              <a:rPr lang="en-US" dirty="0" smtClean="0"/>
+              <a:t>Resources</a:t>
+            </a:r>
+            <a:endParaRPr lang="en-US" dirty="0" smtClean="0"/>
+          </a:p>
+          <a:p>
+            <a:r>
+              <a:rPr lang="en-US" dirty="0" smtClean="0"/>
+              <a:t>Where </a:t>
+            </a:r>
+            <a:r>
+              <a:rPr lang="en-US" dirty="0" smtClean="0"/>
+              <a:t>to Start?</a:t>
+            </a:r>
+          </a:p>
+          <a:p>
+            <a:r>
+              <a:rPr lang="en-US" dirty="0" smtClean="0"/>
+              <a:t>Questions</a:t>
             </a:r>
             <a:endParaRPr lang="en-US" dirty="0"/>
           </a:p>

--- a/Extended Campuses/EC CSS HTML Presentation.pptx
+++ b/Extended Campuses/EC CSS HTML Presentation.pptx
@@ -5,17 +5,21 @@
     <p:sldMasterId id="2147483648" r:id="rId1"/>
   </p:sldMasterIdLst>
   <p:notesMasterIdLst>
-    <p:notesMasterId r:id="rId7"/>
+    <p:notesMasterId r:id="rId11"/>
   </p:notesMasterIdLst>
   <p:handoutMasterIdLst>
-    <p:handoutMasterId r:id="rId8"/>
+    <p:handoutMasterId r:id="rId12"/>
   </p:handoutMasterIdLst>
   <p:sldIdLst>
     <p:sldId id="586" r:id="rId2"/>
     <p:sldId id="582" r:id="rId3"/>
     <p:sldId id="587" r:id="rId4"/>
     <p:sldId id="588" r:id="rId5"/>
-    <p:sldId id="589" r:id="rId6"/>
+    <p:sldId id="593" r:id="rId6"/>
+    <p:sldId id="590" r:id="rId7"/>
+    <p:sldId id="591" r:id="rId8"/>
+    <p:sldId id="592" r:id="rId9"/>
+    <p:sldId id="589" r:id="rId10"/>
   </p:sldIdLst>
   <p:sldSz cx="9144000" cy="6858000" type="screen4x3"/>
   <p:notesSz cx="7010400" cy="9296400"/>
@@ -5919,11 +5923,7 @@
           <a:p>
             <a:r>
               <a:rPr lang="en-US" dirty="0" smtClean="0"/>
-              <a:t>Best </a:t>
-            </a:r>
-            <a:r>
-              <a:rPr lang="en-US" dirty="0" smtClean="0"/>
-              <a:t>Practices</a:t>
+              <a:t>Best Practices</a:t>
             </a:r>
           </a:p>
           <a:p>
@@ -5931,16 +5931,11 @@
               <a:rPr lang="en-US" dirty="0" smtClean="0"/>
               <a:t>Resources</a:t>
             </a:r>
-            <a:endParaRPr lang="en-US" dirty="0" smtClean="0"/>
-          </a:p>
-          <a:p>
-            <a:r>
-              <a:rPr lang="en-US" dirty="0" smtClean="0"/>
-              <a:t>Where </a:t>
-            </a:r>
-            <a:r>
-              <a:rPr lang="en-US" dirty="0" smtClean="0"/>
-              <a:t>to Start?</a:t>
+          </a:p>
+          <a:p>
+            <a:r>
+              <a:rPr lang="en-US" dirty="0" smtClean="0"/>
+              <a:t>Where to Start?</a:t>
             </a:r>
           </a:p>
           <a:p>
@@ -6004,7 +5999,23 @@
           <a:bodyPr/>
           <a:lstStyle/>
           <a:p>
-            <a:endParaRPr lang="en-US"/>
+            <a:r>
+              <a:rPr lang="en-US" dirty="0"/>
+              <a:t>Why </a:t>
+            </a:r>
+            <a:r>
+              <a:rPr lang="en-US" dirty="0" smtClean="0"/>
+              <a:t>Learn </a:t>
+            </a:r>
+            <a:r>
+              <a:rPr lang="en-US" dirty="0"/>
+              <a:t>the Basics</a:t>
+            </a:r>
+            <a:r>
+              <a:rPr lang="en-US" dirty="0" smtClean="0"/>
+              <a:t>? (1 of 1)</a:t>
+            </a:r>
+            <a:endParaRPr lang="en-US" dirty="0"/>
           </a:p>
         </p:txBody>
       </p:sp>
@@ -6023,7 +6034,8 @@
           <a:bodyPr/>
           <a:lstStyle/>
           <a:p>
-            <a:endParaRPr lang="en-US"/>
+            <a:pPr lvl="1"/>
+            <a:endParaRPr lang="en-US" dirty="0"/>
           </a:p>
         </p:txBody>
       </p:sp>
@@ -6093,6 +6105,442 @@
           <a:chExt cx="0" cy="0"/>
         </a:xfrm>
       </p:grpSpPr>
+      <p:sp>
+        <p:nvSpPr>
+          <p:cNvPr id="2" name="Title 1"/>
+          <p:cNvSpPr>
+            <a:spLocks noGrp="1"/>
+          </p:cNvSpPr>
+          <p:nvPr>
+            <p:ph type="title"/>
+          </p:nvPr>
+        </p:nvSpPr>
+        <p:spPr/>
+        <p:txBody>
+          <a:bodyPr/>
+          <a:lstStyle/>
+          <a:p>
+            <a:r>
+              <a:rPr lang="en-US" dirty="0"/>
+              <a:t>Best Practices</a:t>
+            </a:r>
+          </a:p>
+        </p:txBody>
+      </p:sp>
+      <p:sp>
+        <p:nvSpPr>
+          <p:cNvPr id="3" name="Content Placeholder 2"/>
+          <p:cNvSpPr>
+            <a:spLocks noGrp="1"/>
+          </p:cNvSpPr>
+          <p:nvPr>
+            <p:ph idx="1"/>
+          </p:nvPr>
+        </p:nvSpPr>
+        <p:spPr/>
+        <p:txBody>
+          <a:bodyPr/>
+          <a:lstStyle/>
+          <a:p>
+            <a:endParaRPr lang="en-US" dirty="0" smtClean="0"/>
+          </a:p>
+        </p:txBody>
+      </p:sp>
+    </p:spTree>
+    <p:extLst>
+      <p:ext uri="{BB962C8B-B14F-4D97-AF65-F5344CB8AC3E}">
+        <p14:creationId xmlns:p14="http://schemas.microsoft.com/office/powerpoint/2010/main" val="4149530722"/>
+      </p:ext>
+    </p:extLst>
+  </p:cSld>
+  <p:clrMapOvr>
+    <a:masterClrMapping/>
+  </p:clrMapOvr>
+  <p:timing>
+    <p:tnLst>
+      <p:par>
+        <p:cTn id="1" dur="indefinite" restart="never" nodeType="tmRoot"/>
+      </p:par>
+    </p:tnLst>
+  </p:timing>
+</p:sld>
+</file>
+
+<file path=ppt/slides/slide6.xml><?xml version="1.0" encoding="utf-8"?>
+<p:sld xmlns:a="http://schemas.openxmlformats.org/drawingml/2006/main" xmlns:r="http://schemas.openxmlformats.org/officeDocument/2006/relationships" xmlns:p="http://schemas.openxmlformats.org/presentationml/2006/main">
+  <p:cSld>
+    <p:spTree>
+      <p:nvGrpSpPr>
+        <p:cNvPr id="1" name=""/>
+        <p:cNvGrpSpPr/>
+        <p:nvPr/>
+      </p:nvGrpSpPr>
+      <p:grpSpPr>
+        <a:xfrm>
+          <a:off x="0" y="0"/>
+          <a:ext cx="0" cy="0"/>
+          <a:chOff x="0" y="0"/>
+          <a:chExt cx="0" cy="0"/>
+        </a:xfrm>
+      </p:grpSpPr>
+      <p:sp>
+        <p:nvSpPr>
+          <p:cNvPr id="2" name="Title 1"/>
+          <p:cNvSpPr>
+            <a:spLocks noGrp="1"/>
+          </p:cNvSpPr>
+          <p:nvPr>
+            <p:ph type="title"/>
+          </p:nvPr>
+        </p:nvSpPr>
+        <p:spPr/>
+        <p:txBody>
+          <a:bodyPr/>
+          <a:lstStyle/>
+          <a:p>
+            <a:r>
+              <a:rPr lang="en-US" dirty="0" smtClean="0"/>
+              <a:t>Best Practices (1 of 1)</a:t>
+            </a:r>
+            <a:endParaRPr lang="en-US" dirty="0"/>
+          </a:p>
+        </p:txBody>
+      </p:sp>
+      <p:sp>
+        <p:nvSpPr>
+          <p:cNvPr id="3" name="Content Placeholder 2"/>
+          <p:cNvSpPr>
+            <a:spLocks noGrp="1"/>
+          </p:cNvSpPr>
+          <p:nvPr>
+            <p:ph idx="1"/>
+          </p:nvPr>
+        </p:nvSpPr>
+        <p:spPr/>
+        <p:txBody>
+          <a:bodyPr/>
+          <a:lstStyle/>
+          <a:p>
+            <a:pPr lvl="1"/>
+            <a:endParaRPr lang="en-US" dirty="0"/>
+          </a:p>
+        </p:txBody>
+      </p:sp>
+      <p:sp>
+        <p:nvSpPr>
+          <p:cNvPr id="4" name="Slide Number Placeholder 3"/>
+          <p:cNvSpPr>
+            <a:spLocks noGrp="1"/>
+          </p:cNvSpPr>
+          <p:nvPr>
+            <p:ph type="sldNum" sz="quarter" idx="12"/>
+          </p:nvPr>
+        </p:nvSpPr>
+        <p:spPr/>
+        <p:txBody>
+          <a:bodyPr/>
+          <a:lstStyle/>
+          <a:p>
+            <a:pPr>
+              <a:defRPr/>
+            </a:pPr>
+            <a:fld id="{3464530E-D695-45C9-AFB6-E411BBE0972A}" type="slidenum">
+              <a:rPr lang="en-US" smtClean="0"/>
+              <a:pPr>
+                <a:defRPr/>
+              </a:pPr>
+              <a:t>6</a:t>
+            </a:fld>
+            <a:endParaRPr lang="en-US"/>
+          </a:p>
+        </p:txBody>
+      </p:sp>
+    </p:spTree>
+    <p:extLst>
+      <p:ext uri="{BB962C8B-B14F-4D97-AF65-F5344CB8AC3E}">
+        <p14:creationId xmlns:p14="http://schemas.microsoft.com/office/powerpoint/2010/main" val="2764385548"/>
+      </p:ext>
+    </p:extLst>
+  </p:cSld>
+  <p:clrMapOvr>
+    <a:masterClrMapping/>
+  </p:clrMapOvr>
+  <p:timing>
+    <p:tnLst>
+      <p:par>
+        <p:cTn id="1" dur="indefinite" restart="never" nodeType="tmRoot"/>
+      </p:par>
+    </p:tnLst>
+  </p:timing>
+</p:sld>
+</file>
+
+<file path=ppt/slides/slide7.xml><?xml version="1.0" encoding="utf-8"?>
+<p:sld xmlns:a="http://schemas.openxmlformats.org/drawingml/2006/main" xmlns:r="http://schemas.openxmlformats.org/officeDocument/2006/relationships" xmlns:p="http://schemas.openxmlformats.org/presentationml/2006/main">
+  <p:cSld>
+    <p:spTree>
+      <p:nvGrpSpPr>
+        <p:cNvPr id="1" name=""/>
+        <p:cNvGrpSpPr/>
+        <p:nvPr/>
+      </p:nvGrpSpPr>
+      <p:grpSpPr>
+        <a:xfrm>
+          <a:off x="0" y="0"/>
+          <a:ext cx="0" cy="0"/>
+          <a:chOff x="0" y="0"/>
+          <a:chExt cx="0" cy="0"/>
+        </a:xfrm>
+      </p:grpSpPr>
+      <p:sp>
+        <p:nvSpPr>
+          <p:cNvPr id="2" name="Title 1"/>
+          <p:cNvSpPr>
+            <a:spLocks noGrp="1"/>
+          </p:cNvSpPr>
+          <p:nvPr>
+            <p:ph type="title"/>
+          </p:nvPr>
+        </p:nvSpPr>
+        <p:spPr/>
+        <p:txBody>
+          <a:bodyPr/>
+          <a:lstStyle/>
+          <a:p>
+            <a:endParaRPr lang="en-US" dirty="0"/>
+          </a:p>
+        </p:txBody>
+      </p:sp>
+      <p:sp>
+        <p:nvSpPr>
+          <p:cNvPr id="3" name="Content Placeholder 2"/>
+          <p:cNvSpPr>
+            <a:spLocks noGrp="1"/>
+          </p:cNvSpPr>
+          <p:nvPr>
+            <p:ph idx="1"/>
+          </p:nvPr>
+        </p:nvSpPr>
+        <p:spPr/>
+        <p:txBody>
+          <a:bodyPr/>
+          <a:lstStyle/>
+          <a:p>
+            <a:pPr lvl="1"/>
+            <a:endParaRPr lang="en-US" dirty="0"/>
+          </a:p>
+        </p:txBody>
+      </p:sp>
+      <p:sp>
+        <p:nvSpPr>
+          <p:cNvPr id="4" name="Slide Number Placeholder 3"/>
+          <p:cNvSpPr>
+            <a:spLocks noGrp="1"/>
+          </p:cNvSpPr>
+          <p:nvPr>
+            <p:ph type="sldNum" sz="quarter" idx="12"/>
+          </p:nvPr>
+        </p:nvSpPr>
+        <p:spPr/>
+        <p:txBody>
+          <a:bodyPr/>
+          <a:lstStyle/>
+          <a:p>
+            <a:pPr>
+              <a:defRPr/>
+            </a:pPr>
+            <a:fld id="{3464530E-D695-45C9-AFB6-E411BBE0972A}" type="slidenum">
+              <a:rPr lang="en-US" smtClean="0"/>
+              <a:pPr>
+                <a:defRPr/>
+              </a:pPr>
+              <a:t>7</a:t>
+            </a:fld>
+            <a:endParaRPr lang="en-US"/>
+          </a:p>
+        </p:txBody>
+      </p:sp>
+    </p:spTree>
+    <p:extLst>
+      <p:ext uri="{BB962C8B-B14F-4D97-AF65-F5344CB8AC3E}">
+        <p14:creationId xmlns:p14="http://schemas.microsoft.com/office/powerpoint/2010/main" val="364972038"/>
+      </p:ext>
+    </p:extLst>
+  </p:cSld>
+  <p:clrMapOvr>
+    <a:masterClrMapping/>
+  </p:clrMapOvr>
+  <p:timing>
+    <p:tnLst>
+      <p:par>
+        <p:cTn id="1" dur="indefinite" restart="never" nodeType="tmRoot"/>
+      </p:par>
+    </p:tnLst>
+  </p:timing>
+</p:sld>
+</file>
+
+<file path=ppt/slides/slide8.xml><?xml version="1.0" encoding="utf-8"?>
+<p:sld xmlns:a="http://schemas.openxmlformats.org/drawingml/2006/main" xmlns:r="http://schemas.openxmlformats.org/officeDocument/2006/relationships" xmlns:p="http://schemas.openxmlformats.org/presentationml/2006/main">
+  <p:cSld>
+    <p:spTree>
+      <p:nvGrpSpPr>
+        <p:cNvPr id="1" name=""/>
+        <p:cNvGrpSpPr/>
+        <p:nvPr/>
+      </p:nvGrpSpPr>
+      <p:grpSpPr>
+        <a:xfrm>
+          <a:off x="0" y="0"/>
+          <a:ext cx="0" cy="0"/>
+          <a:chOff x="0" y="0"/>
+          <a:chExt cx="0" cy="0"/>
+        </a:xfrm>
+      </p:grpSpPr>
+      <p:sp>
+        <p:nvSpPr>
+          <p:cNvPr id="2" name="Title 1"/>
+          <p:cNvSpPr>
+            <a:spLocks noGrp="1"/>
+          </p:cNvSpPr>
+          <p:nvPr>
+            <p:ph type="title"/>
+          </p:nvPr>
+        </p:nvSpPr>
+        <p:spPr/>
+        <p:txBody>
+          <a:bodyPr/>
+          <a:lstStyle/>
+          <a:p>
+            <a:endParaRPr lang="en-US" dirty="0"/>
+          </a:p>
+        </p:txBody>
+      </p:sp>
+      <p:sp>
+        <p:nvSpPr>
+          <p:cNvPr id="3" name="Content Placeholder 2"/>
+          <p:cNvSpPr>
+            <a:spLocks noGrp="1"/>
+          </p:cNvSpPr>
+          <p:nvPr>
+            <p:ph idx="1"/>
+          </p:nvPr>
+        </p:nvSpPr>
+        <p:spPr/>
+        <p:txBody>
+          <a:bodyPr/>
+          <a:lstStyle/>
+          <a:p>
+            <a:pPr lvl="1"/>
+            <a:endParaRPr lang="en-US" dirty="0"/>
+          </a:p>
+        </p:txBody>
+      </p:sp>
+      <p:sp>
+        <p:nvSpPr>
+          <p:cNvPr id="4" name="Slide Number Placeholder 3"/>
+          <p:cNvSpPr>
+            <a:spLocks noGrp="1"/>
+          </p:cNvSpPr>
+          <p:nvPr>
+            <p:ph type="sldNum" sz="quarter" idx="12"/>
+          </p:nvPr>
+        </p:nvSpPr>
+        <p:spPr/>
+        <p:txBody>
+          <a:bodyPr/>
+          <a:lstStyle/>
+          <a:p>
+            <a:pPr>
+              <a:defRPr/>
+            </a:pPr>
+            <a:fld id="{3464530E-D695-45C9-AFB6-E411BBE0972A}" type="slidenum">
+              <a:rPr lang="en-US" smtClean="0"/>
+              <a:pPr>
+                <a:defRPr/>
+              </a:pPr>
+              <a:t>8</a:t>
+            </a:fld>
+            <a:endParaRPr lang="en-US"/>
+          </a:p>
+        </p:txBody>
+      </p:sp>
+    </p:spTree>
+    <p:extLst>
+      <p:ext uri="{BB962C8B-B14F-4D97-AF65-F5344CB8AC3E}">
+        <p14:creationId xmlns:p14="http://schemas.microsoft.com/office/powerpoint/2010/main" val="424963474"/>
+      </p:ext>
+    </p:extLst>
+  </p:cSld>
+  <p:clrMapOvr>
+    <a:masterClrMapping/>
+  </p:clrMapOvr>
+  <p:timing>
+    <p:tnLst>
+      <p:par>
+        <p:cTn id="1" dur="indefinite" restart="never" nodeType="tmRoot"/>
+      </p:par>
+    </p:tnLst>
+  </p:timing>
+</p:sld>
+</file>
+
+<file path=ppt/slides/slide9.xml><?xml version="1.0" encoding="utf-8"?>
+<p:sld xmlns:a="http://schemas.openxmlformats.org/drawingml/2006/main" xmlns:r="http://schemas.openxmlformats.org/officeDocument/2006/relationships" xmlns:p="http://schemas.openxmlformats.org/presentationml/2006/main">
+  <p:cSld>
+    <p:spTree>
+      <p:nvGrpSpPr>
+        <p:cNvPr id="1" name=""/>
+        <p:cNvGrpSpPr/>
+        <p:nvPr/>
+      </p:nvGrpSpPr>
+      <p:grpSpPr>
+        <a:xfrm>
+          <a:off x="0" y="0"/>
+          <a:ext cx="0" cy="0"/>
+          <a:chOff x="0" y="0"/>
+          <a:chExt cx="0" cy="0"/>
+        </a:xfrm>
+      </p:grpSpPr>
+      <p:sp>
+        <p:nvSpPr>
+          <p:cNvPr id="2" name="TextBox 1"/>
+          <p:cNvSpPr txBox="1"/>
+          <p:nvPr/>
+        </p:nvSpPr>
+        <p:spPr>
+          <a:xfrm>
+            <a:off x="2743199" y="2998840"/>
+            <a:ext cx="3657601" cy="769441"/>
+          </a:xfrm>
+          <a:prstGeom prst="rect">
+            <a:avLst/>
+          </a:prstGeom>
+          <a:noFill/>
+        </p:spPr>
+        <p:txBody>
+          <a:bodyPr wrap="square" rtlCol="0">
+            <a:spAutoFit/>
+          </a:bodyPr>
+          <a:lstStyle/>
+          <a:p>
+            <a:pPr algn="ctr"/>
+            <a:r>
+              <a:rPr lang="en-US" sz="4400" dirty="0" smtClean="0">
+                <a:solidFill>
+                  <a:schemeClr val="bg1"/>
+                </a:solidFill>
+              </a:rPr>
+              <a:t>Questions?</a:t>
+            </a:r>
+            <a:endParaRPr lang="en-US" sz="4400" dirty="0">
+              <a:solidFill>
+                <a:schemeClr val="bg1"/>
+              </a:solidFill>
+            </a:endParaRPr>
+          </a:p>
+        </p:txBody>
+      </p:sp>
     </p:spTree>
     <p:extLst>
       <p:ext uri="{BB962C8B-B14F-4D97-AF65-F5344CB8AC3E}">

--- a/Extended Campuses/EC CSS HTML Presentation.pptx
+++ b/Extended Campuses/EC CSS HTML Presentation.pptx
@@ -5,21 +5,20 @@
     <p:sldMasterId id="2147483648" r:id="rId1"/>
   </p:sldMasterIdLst>
   <p:notesMasterIdLst>
-    <p:notesMasterId r:id="rId11"/>
+    <p:notesMasterId r:id="rId10"/>
   </p:notesMasterIdLst>
   <p:handoutMasterIdLst>
-    <p:handoutMasterId r:id="rId12"/>
+    <p:handoutMasterId r:id="rId11"/>
   </p:handoutMasterIdLst>
   <p:sldIdLst>
     <p:sldId id="586" r:id="rId2"/>
-    <p:sldId id="582" r:id="rId3"/>
-    <p:sldId id="587" r:id="rId4"/>
-    <p:sldId id="588" r:id="rId5"/>
-    <p:sldId id="593" r:id="rId6"/>
-    <p:sldId id="590" r:id="rId7"/>
-    <p:sldId id="591" r:id="rId8"/>
-    <p:sldId id="592" r:id="rId9"/>
-    <p:sldId id="589" r:id="rId10"/>
+    <p:sldId id="587" r:id="rId3"/>
+    <p:sldId id="595" r:id="rId4"/>
+    <p:sldId id="593" r:id="rId5"/>
+    <p:sldId id="597" r:id="rId6"/>
+    <p:sldId id="594" r:id="rId7"/>
+    <p:sldId id="596" r:id="rId8"/>
+    <p:sldId id="589" r:id="rId9"/>
   </p:sldIdLst>
   <p:sldSz cx="9144000" cy="6858000" type="screen4x3"/>
   <p:notesSz cx="7010400" cy="9296400"/>
@@ -5833,7 +5832,7 @@
             <a:spLocks noGrp="1"/>
           </p:cNvSpPr>
           <p:nvPr>
-            <p:ph type="ctrTitle"/>
+            <p:ph type="title"/>
           </p:nvPr>
         </p:nvSpPr>
         <p:spPr/>
@@ -5841,11 +5840,77 @@
           <a:bodyPr/>
           <a:lstStyle/>
           <a:p>
-            <a:endParaRPr lang="en-US"/>
+            <a:r>
+              <a:rPr lang="en-US" dirty="0" smtClean="0"/>
+              <a:t>Contents</a:t>
+            </a:r>
+            <a:endParaRPr lang="en-US" dirty="0"/>
+          </a:p>
+        </p:txBody>
+      </p:sp>
+      <p:sp>
+        <p:nvSpPr>
+          <p:cNvPr id="3" name="Content Placeholder 2"/>
+          <p:cNvSpPr>
+            <a:spLocks noGrp="1"/>
+          </p:cNvSpPr>
+          <p:nvPr>
+            <p:ph idx="1"/>
+          </p:nvPr>
+        </p:nvSpPr>
+        <p:spPr/>
+        <p:txBody>
+          <a:bodyPr/>
+          <a:lstStyle/>
+          <a:p>
+            <a:r>
+              <a:rPr lang="en-US" dirty="0" smtClean="0"/>
+              <a:t>Why Learn the Basics</a:t>
+            </a:r>
+            <a:r>
+              <a:rPr lang="en-US" dirty="0" smtClean="0"/>
+              <a:t>?</a:t>
+            </a:r>
+          </a:p>
+          <a:p>
+            <a:r>
+              <a:rPr lang="en-US" dirty="0" smtClean="0"/>
+              <a:t>Resources</a:t>
+            </a:r>
+            <a:endParaRPr lang="en-US" dirty="0" smtClean="0"/>
+          </a:p>
+          <a:p>
+            <a:r>
+              <a:rPr lang="en-US" dirty="0" smtClean="0"/>
+              <a:t>Best Practices</a:t>
+            </a:r>
+            <a:endParaRPr lang="en-US" u="sng" dirty="0" smtClean="0"/>
+          </a:p>
+          <a:p>
+            <a:r>
+              <a:rPr lang="en-US" dirty="0" smtClean="0"/>
+              <a:t>Where </a:t>
+            </a:r>
+            <a:r>
+              <a:rPr lang="en-US" dirty="0" smtClean="0"/>
+              <a:t>to Start?</a:t>
+            </a:r>
+          </a:p>
+          <a:p>
+            <a:r>
+              <a:rPr lang="en-US" dirty="0" smtClean="0"/>
+              <a:t>Questions</a:t>
+            </a:r>
+            <a:endParaRPr lang="en-US" dirty="0"/>
           </a:p>
         </p:txBody>
       </p:sp>
     </p:spTree>
+    <p:extLst>
+      <p:ext uri="{BB962C8B-B14F-4D97-AF65-F5344CB8AC3E}">
+        <p14:creationId xmlns:p14="http://schemas.microsoft.com/office/powerpoint/2010/main" val="2122838285"/>
+      </p:ext>
+    </p:extLst>
   </p:cSld>
   <p:clrMapOvr>
     <a:masterClrMapping/>
@@ -5893,8 +5958,12 @@
           <a:lstStyle/>
           <a:p>
             <a:r>
-              <a:rPr lang="en-US" dirty="0" smtClean="0"/>
-              <a:t>Contents</a:t>
+              <a:rPr lang="en-US" dirty="0"/>
+              <a:t>Why Learn the Basics</a:t>
+            </a:r>
+            <a:r>
+              <a:rPr lang="en-US" dirty="0" smtClean="0"/>
+              <a:t>?</a:t>
             </a:r>
             <a:endParaRPr lang="en-US" dirty="0"/>
           </a:p>
@@ -5916,41 +5985,106 @@
           <a:lstStyle/>
           <a:p>
             <a:r>
-              <a:rPr lang="en-US" dirty="0" smtClean="0"/>
-              <a:t>Why Learn the Basics?</a:t>
-            </a:r>
-          </a:p>
-          <a:p>
-            <a:r>
-              <a:rPr lang="en-US" dirty="0" smtClean="0"/>
-              <a:t>Best Practices</a:t>
-            </a:r>
-          </a:p>
-          <a:p>
-            <a:r>
-              <a:rPr lang="en-US" dirty="0" smtClean="0"/>
-              <a:t>Resources</a:t>
-            </a:r>
-          </a:p>
-          <a:p>
-            <a:r>
-              <a:rPr lang="en-US" dirty="0" smtClean="0"/>
-              <a:t>Where to Start?</a:t>
-            </a:r>
-          </a:p>
-          <a:p>
-            <a:r>
-              <a:rPr lang="en-US" dirty="0" smtClean="0"/>
-              <a:t>Questions</a:t>
-            </a:r>
-            <a:endParaRPr lang="en-US" dirty="0"/>
-          </a:p>
-        </p:txBody>
-      </p:sp>
+              <a:rPr lang="en-US" dirty="0"/>
+              <a:t>You might not be able to use a pre-establish CSS framework</a:t>
+            </a:r>
+          </a:p>
+          <a:p>
+            <a:pPr lvl="1"/>
+            <a:r>
+              <a:rPr lang="en-US" dirty="0"/>
+              <a:t>Avoid copyright or legal issues</a:t>
+            </a:r>
+          </a:p>
+          <a:p>
+            <a:pPr lvl="1"/>
+            <a:r>
+              <a:rPr lang="en-US" dirty="0"/>
+              <a:t>Strict In-House coding standards</a:t>
+            </a:r>
+          </a:p>
+          <a:p>
+            <a:r>
+              <a:rPr lang="en-US" dirty="0"/>
+              <a:t>Understanding the basics will allow:</a:t>
+            </a:r>
+          </a:p>
+          <a:p>
+            <a:pPr lvl="1"/>
+            <a:r>
+              <a:rPr lang="en-US" dirty="0"/>
+              <a:t>You to create custom styling</a:t>
+            </a:r>
+          </a:p>
+          <a:p>
+            <a:pPr lvl="1"/>
+            <a:r>
+              <a:rPr lang="en-US" dirty="0"/>
+              <a:t>Build upon existing CSS frameworks</a:t>
+            </a:r>
+          </a:p>
+          <a:p>
+            <a:pPr lvl="1"/>
+            <a:r>
+              <a:rPr lang="en-US" dirty="0"/>
+              <a:t>Debug issues in conflicting styles</a:t>
+            </a:r>
+          </a:p>
+          <a:p>
+            <a:endParaRPr lang="en-US" dirty="0" smtClean="0"/>
+          </a:p>
+        </p:txBody>
+      </p:sp>
+      <p:pic>
+        <p:nvPicPr>
+          <p:cNvPr id="2050" name="Picture 2" descr="https://i.ytimg.com/vi/BKorP55Aqvg/maxresdefault.jpg"/>
+          <p:cNvPicPr>
+            <a:picLocks noChangeAspect="1" noChangeArrowheads="1"/>
+          </p:cNvPicPr>
+          <p:nvPr/>
+        </p:nvPicPr>
+        <p:blipFill>
+          <a:blip r:embed="rId2" cstate="print">
+            <a:extLst>
+              <a:ext uri="{28A0092B-C50C-407E-A947-70E740481C1C}">
+                <a14:useLocalDpi xmlns:a14="http://schemas.microsoft.com/office/drawing/2010/main" val="0"/>
+              </a:ext>
+            </a:extLst>
+          </a:blip>
+          <a:srcRect/>
+          <a:stretch>
+            <a:fillRect/>
+          </a:stretch>
+        </p:blipFill>
+        <p:spPr bwMode="auto">
+          <a:xfrm>
+            <a:off x="5259114" y="4388681"/>
+            <a:ext cx="3503885" cy="1970935"/>
+          </a:xfrm>
+          <a:prstGeom prst="rect">
+            <a:avLst/>
+          </a:prstGeom>
+          <a:noFill/>
+          <a:ln w="38100">
+            <a:solidFill>
+              <a:schemeClr val="tx1"/>
+            </a:solidFill>
+          </a:ln>
+          <a:extLst>
+            <a:ext uri="{909E8E84-426E-40DD-AFC4-6F175D3DCCD1}">
+              <a14:hiddenFill xmlns:a14="http://schemas.microsoft.com/office/drawing/2010/main">
+                <a:solidFill>
+                  <a:srgbClr val="FFFFFF"/>
+                </a:solidFill>
+              </a14:hiddenFill>
+            </a:ext>
+          </a:extLst>
+        </p:spPr>
+      </p:pic>
     </p:spTree>
     <p:extLst>
       <p:ext uri="{BB962C8B-B14F-4D97-AF65-F5344CB8AC3E}">
-        <p14:creationId xmlns:p14="http://schemas.microsoft.com/office/powerpoint/2010/main" val="2122838285"/>
+        <p14:creationId xmlns:p14="http://schemas.microsoft.com/office/powerpoint/2010/main" val="1705512803"/>
       </p:ext>
     </p:extLst>
   </p:cSld>
@@ -6000,20 +6134,8 @@
           <a:lstStyle/>
           <a:p>
             <a:r>
-              <a:rPr lang="en-US" dirty="0"/>
-              <a:t>Why </a:t>
-            </a:r>
-            <a:r>
-              <a:rPr lang="en-US" dirty="0" smtClean="0"/>
-              <a:t>Learn </a:t>
-            </a:r>
-            <a:r>
-              <a:rPr lang="en-US" dirty="0"/>
-              <a:t>the Basics</a:t>
-            </a:r>
-            <a:r>
-              <a:rPr lang="en-US" dirty="0" smtClean="0"/>
-              <a:t>? (1 of 1)</a:t>
+              <a:rPr lang="en-US" dirty="0" smtClean="0"/>
+              <a:t>Resources</a:t>
             </a:r>
             <a:endParaRPr lang="en-US" dirty="0"/>
           </a:p>
@@ -6034,44 +6156,107 @@
           <a:bodyPr/>
           <a:lstStyle/>
           <a:p>
+            <a:r>
+              <a:rPr lang="en-US" dirty="0" smtClean="0"/>
+              <a:t>W3 Schools</a:t>
+            </a:r>
+          </a:p>
+          <a:p>
             <a:pPr lvl="1"/>
-            <a:endParaRPr lang="en-US" dirty="0"/>
-          </a:p>
-        </p:txBody>
-      </p:sp>
-      <p:sp>
-        <p:nvSpPr>
-          <p:cNvPr id="4" name="Slide Number Placeholder 3"/>
-          <p:cNvSpPr>
-            <a:spLocks noGrp="1"/>
-          </p:cNvSpPr>
-          <p:nvPr>
-            <p:ph type="sldNum" sz="quarter" idx="12"/>
-          </p:nvPr>
-        </p:nvSpPr>
-        <p:spPr/>
-        <p:txBody>
-          <a:bodyPr/>
-          <a:lstStyle/>
-          <a:p>
-            <a:pPr>
-              <a:defRPr/>
-            </a:pPr>
-            <a:fld id="{3464530E-D695-45C9-AFB6-E411BBE0972A}" type="slidenum">
-              <a:rPr lang="en-US" smtClean="0"/>
-              <a:pPr>
-                <a:defRPr/>
-              </a:pPr>
-              <a:t>4</a:t>
-            </a:fld>
-            <a:endParaRPr lang="en-US"/>
-          </a:p>
-        </p:txBody>
-      </p:sp>
+            <a:r>
+              <a:rPr lang="en-US" dirty="0" smtClean="0"/>
+              <a:t>XHTML (more on this in a bit)</a:t>
+            </a:r>
+          </a:p>
+          <a:p>
+            <a:r>
+              <a:rPr lang="en-US" dirty="0" smtClean="0"/>
+              <a:t>Web Searches</a:t>
+            </a:r>
+          </a:p>
+          <a:p>
+            <a:pPr lvl="1"/>
+            <a:r>
+              <a:rPr lang="en-US" dirty="0" smtClean="0"/>
+              <a:t>Google</a:t>
+            </a:r>
+          </a:p>
+          <a:p>
+            <a:pPr lvl="1"/>
+            <a:r>
+              <a:rPr lang="en-US" dirty="0" smtClean="0"/>
+              <a:t>Yahoo</a:t>
+            </a:r>
+          </a:p>
+          <a:p>
+            <a:pPr lvl="1"/>
+            <a:r>
+              <a:rPr lang="en-US" dirty="0" smtClean="0"/>
+              <a:t>Ask Jeeves</a:t>
+            </a:r>
+          </a:p>
+          <a:p>
+            <a:pPr lvl="1"/>
+            <a:r>
+              <a:rPr lang="en-US" dirty="0" smtClean="0"/>
+              <a:t>Alta Vista</a:t>
+            </a:r>
+          </a:p>
+          <a:p>
+            <a:endParaRPr lang="en-US" dirty="0" smtClean="0"/>
+          </a:p>
+        </p:txBody>
+      </p:sp>
+      <p:pic>
+        <p:nvPicPr>
+          <p:cNvPr id="1026" name="Picture 2" descr="http://b.fastcompany.net/multisite_files/fastcompany/imagecache/1280/poster/2014/01/3024894-poster-p-1-google-the-guy.jpg"/>
+          <p:cNvPicPr>
+            <a:picLocks noChangeAspect="1" noChangeArrowheads="1"/>
+          </p:cNvPicPr>
+          <p:nvPr/>
+        </p:nvPicPr>
+        <p:blipFill>
+          <a:blip r:embed="rId2" cstate="print">
+            <a:extLst>
+              <a:ext uri="{28A0092B-C50C-407E-A947-70E740481C1C}">
+                <a14:useLocalDpi xmlns:a14="http://schemas.microsoft.com/office/drawing/2010/main" val="0"/>
+              </a:ext>
+            </a:extLst>
+          </a:blip>
+          <a:srcRect/>
+          <a:stretch>
+            <a:fillRect/>
+          </a:stretch>
+        </p:blipFill>
+        <p:spPr bwMode="auto">
+          <a:xfrm>
+            <a:off x="4658598" y="4050890"/>
+            <a:ext cx="4104401" cy="2308726"/>
+          </a:xfrm>
+          <a:prstGeom prst="rect">
+            <a:avLst/>
+          </a:prstGeom>
+          <a:noFill/>
+          <a:ln w="38100">
+            <a:solidFill>
+              <a:schemeClr val="tx1"/>
+            </a:solidFill>
+          </a:ln>
+          <a:extLst>
+            <a:ext uri="{909E8E84-426E-40DD-AFC4-6F175D3DCCD1}">
+              <a14:hiddenFill xmlns:a14="http://schemas.microsoft.com/office/drawing/2010/main">
+                <a:solidFill>
+                  <a:srgbClr val="FFFFFF"/>
+                </a:solidFill>
+              </a14:hiddenFill>
+            </a:ext>
+          </a:extLst>
+        </p:spPr>
+      </p:pic>
     </p:spTree>
     <p:extLst>
       <p:ext uri="{BB962C8B-B14F-4D97-AF65-F5344CB8AC3E}">
-        <p14:creationId xmlns:p14="http://schemas.microsoft.com/office/powerpoint/2010/main" val="1711156059"/>
+        <p14:creationId xmlns:p14="http://schemas.microsoft.com/office/powerpoint/2010/main" val="4149530722"/>
       </p:ext>
     </p:extLst>
   </p:cSld>
@@ -6121,9 +6306,10 @@
           <a:lstStyle/>
           <a:p>
             <a:r>
-              <a:rPr lang="en-US" dirty="0"/>
-              <a:t>Best Practices</a:t>
-            </a:r>
+              <a:rPr lang="en-US" dirty="0" smtClean="0"/>
+              <a:t>Resources (Cont.)</a:t>
+            </a:r>
+            <a:endParaRPr lang="en-US" dirty="0"/>
           </a:p>
         </p:txBody>
       </p:sp>
@@ -6142,6 +6328,49 @@
           <a:bodyPr/>
           <a:lstStyle/>
           <a:p>
+            <a:r>
+              <a:rPr lang="en-US" dirty="0" smtClean="0"/>
+              <a:t>Design</a:t>
+            </a:r>
+          </a:p>
+          <a:p>
+            <a:pPr lvl="1"/>
+            <a:r>
+              <a:rPr lang="en-US" dirty="0" smtClean="0"/>
+              <a:t>Book: The Design of Everyday Things</a:t>
+            </a:r>
+          </a:p>
+          <a:p>
+            <a:pPr lvl="2"/>
+            <a:r>
+              <a:rPr lang="en-US" dirty="0" smtClean="0"/>
+              <a:t>Don Norman</a:t>
+            </a:r>
+          </a:p>
+          <a:p>
+            <a:pPr lvl="1"/>
+            <a:r>
+              <a:rPr lang="en-US" dirty="0" smtClean="0"/>
+              <a:t>Typography</a:t>
+            </a:r>
+          </a:p>
+          <a:p>
+            <a:pPr lvl="1"/>
+            <a:r>
+              <a:rPr lang="en-US" dirty="0" smtClean="0"/>
+              <a:t>Color Theory</a:t>
+            </a:r>
+          </a:p>
+          <a:p>
+            <a:pPr lvl="1"/>
+            <a:r>
+              <a:rPr lang="en-US" smtClean="0"/>
+              <a:t>Advance </a:t>
+            </a:r>
+            <a:r>
+              <a:rPr lang="en-US" dirty="0" smtClean="0"/>
+              <a:t>User Interface </a:t>
+            </a:r>
             <a:endParaRPr lang="en-US" dirty="0" smtClean="0"/>
           </a:p>
         </p:txBody>
@@ -6149,7 +6378,7 @@
     </p:spTree>
     <p:extLst>
       <p:ext uri="{BB962C8B-B14F-4D97-AF65-F5344CB8AC3E}">
-        <p14:creationId xmlns:p14="http://schemas.microsoft.com/office/powerpoint/2010/main" val="4149530722"/>
+        <p14:creationId xmlns:p14="http://schemas.microsoft.com/office/powerpoint/2010/main" val="3167485665"/>
       </p:ext>
     </p:extLst>
   </p:cSld>
@@ -6199,10 +6428,9 @@
           <a:lstStyle/>
           <a:p>
             <a:r>
-              <a:rPr lang="en-US" dirty="0" smtClean="0"/>
-              <a:t>Best Practices (1 of 1)</a:t>
-            </a:r>
-            <a:endParaRPr lang="en-US" dirty="0"/>
+              <a:rPr lang="en-US" dirty="0"/>
+              <a:t>Best Practices</a:t>
+            </a:r>
           </a:p>
         </p:txBody>
       </p:sp>
@@ -6221,44 +6449,14 @@
           <a:bodyPr/>
           <a:lstStyle/>
           <a:p>
-            <a:pPr lvl="1"/>
-            <a:endParaRPr lang="en-US" dirty="0"/>
-          </a:p>
-        </p:txBody>
-      </p:sp>
-      <p:sp>
-        <p:nvSpPr>
-          <p:cNvPr id="4" name="Slide Number Placeholder 3"/>
-          <p:cNvSpPr>
-            <a:spLocks noGrp="1"/>
-          </p:cNvSpPr>
-          <p:nvPr>
-            <p:ph type="sldNum" sz="quarter" idx="12"/>
-          </p:nvPr>
-        </p:nvSpPr>
-        <p:spPr/>
-        <p:txBody>
-          <a:bodyPr/>
-          <a:lstStyle/>
-          <a:p>
-            <a:pPr>
-              <a:defRPr/>
-            </a:pPr>
-            <a:fld id="{3464530E-D695-45C9-AFB6-E411BBE0972A}" type="slidenum">
-              <a:rPr lang="en-US" smtClean="0"/>
-              <a:pPr>
-                <a:defRPr/>
-              </a:pPr>
-              <a:t>6</a:t>
-            </a:fld>
-            <a:endParaRPr lang="en-US"/>
+            <a:endParaRPr lang="en-US" dirty="0" smtClean="0"/>
           </a:p>
         </p:txBody>
       </p:sp>
     </p:spTree>
     <p:extLst>
       <p:ext uri="{BB962C8B-B14F-4D97-AF65-F5344CB8AC3E}">
-        <p14:creationId xmlns:p14="http://schemas.microsoft.com/office/powerpoint/2010/main" val="2764385548"/>
+        <p14:creationId xmlns:p14="http://schemas.microsoft.com/office/powerpoint/2010/main" val="2736868352"/>
       </p:ext>
     </p:extLst>
   </p:cSld>
@@ -6307,6 +6505,10 @@
           <a:bodyPr/>
           <a:lstStyle/>
           <a:p>
+            <a:r>
+              <a:rPr lang="en-US" dirty="0" smtClean="0"/>
+              <a:t>Where To Start?</a:t>
+            </a:r>
             <a:endParaRPr lang="en-US" dirty="0"/>
           </a:p>
         </p:txBody>
@@ -6326,44 +6528,14 @@
           <a:bodyPr/>
           <a:lstStyle/>
           <a:p>
-            <a:pPr lvl="1"/>
-            <a:endParaRPr lang="en-US" dirty="0"/>
-          </a:p>
-        </p:txBody>
-      </p:sp>
-      <p:sp>
-        <p:nvSpPr>
-          <p:cNvPr id="4" name="Slide Number Placeholder 3"/>
-          <p:cNvSpPr>
-            <a:spLocks noGrp="1"/>
-          </p:cNvSpPr>
-          <p:nvPr>
-            <p:ph type="sldNum" sz="quarter" idx="12"/>
-          </p:nvPr>
-        </p:nvSpPr>
-        <p:spPr/>
-        <p:txBody>
-          <a:bodyPr/>
-          <a:lstStyle/>
-          <a:p>
-            <a:pPr>
-              <a:defRPr/>
-            </a:pPr>
-            <a:fld id="{3464530E-D695-45C9-AFB6-E411BBE0972A}" type="slidenum">
-              <a:rPr lang="en-US" smtClean="0"/>
-              <a:pPr>
-                <a:defRPr/>
-              </a:pPr>
-              <a:t>7</a:t>
-            </a:fld>
-            <a:endParaRPr lang="en-US"/>
+            <a:endParaRPr lang="en-US" dirty="0" smtClean="0"/>
           </a:p>
         </p:txBody>
       </p:sp>
     </p:spTree>
     <p:extLst>
       <p:ext uri="{BB962C8B-B14F-4D97-AF65-F5344CB8AC3E}">
-        <p14:creationId xmlns:p14="http://schemas.microsoft.com/office/powerpoint/2010/main" val="364972038"/>
+        <p14:creationId xmlns:p14="http://schemas.microsoft.com/office/powerpoint/2010/main" val="1182900409"/>
       </p:ext>
     </p:extLst>
   </p:cSld>
@@ -6381,111 +6553,6 @@
 </file>
 
 <file path=ppt/slides/slide8.xml><?xml version="1.0" encoding="utf-8"?>
-<p:sld xmlns:a="http://schemas.openxmlformats.org/drawingml/2006/main" xmlns:r="http://schemas.openxmlformats.org/officeDocument/2006/relationships" xmlns:p="http://schemas.openxmlformats.org/presentationml/2006/main">
-  <p:cSld>
-    <p:spTree>
-      <p:nvGrpSpPr>
-        <p:cNvPr id="1" name=""/>
-        <p:cNvGrpSpPr/>
-        <p:nvPr/>
-      </p:nvGrpSpPr>
-      <p:grpSpPr>
-        <a:xfrm>
-          <a:off x="0" y="0"/>
-          <a:ext cx="0" cy="0"/>
-          <a:chOff x="0" y="0"/>
-          <a:chExt cx="0" cy="0"/>
-        </a:xfrm>
-      </p:grpSpPr>
-      <p:sp>
-        <p:nvSpPr>
-          <p:cNvPr id="2" name="Title 1"/>
-          <p:cNvSpPr>
-            <a:spLocks noGrp="1"/>
-          </p:cNvSpPr>
-          <p:nvPr>
-            <p:ph type="title"/>
-          </p:nvPr>
-        </p:nvSpPr>
-        <p:spPr/>
-        <p:txBody>
-          <a:bodyPr/>
-          <a:lstStyle/>
-          <a:p>
-            <a:endParaRPr lang="en-US" dirty="0"/>
-          </a:p>
-        </p:txBody>
-      </p:sp>
-      <p:sp>
-        <p:nvSpPr>
-          <p:cNvPr id="3" name="Content Placeholder 2"/>
-          <p:cNvSpPr>
-            <a:spLocks noGrp="1"/>
-          </p:cNvSpPr>
-          <p:nvPr>
-            <p:ph idx="1"/>
-          </p:nvPr>
-        </p:nvSpPr>
-        <p:spPr/>
-        <p:txBody>
-          <a:bodyPr/>
-          <a:lstStyle/>
-          <a:p>
-            <a:pPr lvl="1"/>
-            <a:endParaRPr lang="en-US" dirty="0"/>
-          </a:p>
-        </p:txBody>
-      </p:sp>
-      <p:sp>
-        <p:nvSpPr>
-          <p:cNvPr id="4" name="Slide Number Placeholder 3"/>
-          <p:cNvSpPr>
-            <a:spLocks noGrp="1"/>
-          </p:cNvSpPr>
-          <p:nvPr>
-            <p:ph type="sldNum" sz="quarter" idx="12"/>
-          </p:nvPr>
-        </p:nvSpPr>
-        <p:spPr/>
-        <p:txBody>
-          <a:bodyPr/>
-          <a:lstStyle/>
-          <a:p>
-            <a:pPr>
-              <a:defRPr/>
-            </a:pPr>
-            <a:fld id="{3464530E-D695-45C9-AFB6-E411BBE0972A}" type="slidenum">
-              <a:rPr lang="en-US" smtClean="0"/>
-              <a:pPr>
-                <a:defRPr/>
-              </a:pPr>
-              <a:t>8</a:t>
-            </a:fld>
-            <a:endParaRPr lang="en-US"/>
-          </a:p>
-        </p:txBody>
-      </p:sp>
-    </p:spTree>
-    <p:extLst>
-      <p:ext uri="{BB962C8B-B14F-4D97-AF65-F5344CB8AC3E}">
-        <p14:creationId xmlns:p14="http://schemas.microsoft.com/office/powerpoint/2010/main" val="424963474"/>
-      </p:ext>
-    </p:extLst>
-  </p:cSld>
-  <p:clrMapOvr>
-    <a:masterClrMapping/>
-  </p:clrMapOvr>
-  <p:timing>
-    <p:tnLst>
-      <p:par>
-        <p:cTn id="1" dur="indefinite" restart="never" nodeType="tmRoot"/>
-      </p:par>
-    </p:tnLst>
-  </p:timing>
-</p:sld>
-</file>
-
-<file path=ppt/slides/slide9.xml><?xml version="1.0" encoding="utf-8"?>
 <p:sld xmlns:a="http://schemas.openxmlformats.org/drawingml/2006/main" xmlns:r="http://schemas.openxmlformats.org/officeDocument/2006/relationships" xmlns:p="http://schemas.openxmlformats.org/presentationml/2006/main">
   <p:cSld>
     <p:spTree>

--- a/Extended Campuses/EC CSS HTML Presentation.pptx
+++ b/Extended Campuses/EC CSS HTML Presentation.pptx
@@ -6364,12 +6364,8 @@
           <a:p>
             <a:pPr lvl="1"/>
             <a:r>
-              <a:rPr lang="en-US" smtClean="0"/>
-              <a:t>Advance </a:t>
-            </a:r>
-            <a:r>
-              <a:rPr lang="en-US" dirty="0" smtClean="0"/>
-              <a:t>User Interface </a:t>
+              <a:rPr lang="en-US" dirty="0" smtClean="0"/>
+              <a:t>Advance User Interface </a:t>
             </a:r>
             <a:endParaRPr lang="en-US" dirty="0" smtClean="0"/>
           </a:p>

--- a/Extended Campuses/EC CSS HTML Presentation.pptx
+++ b/Extended Campuses/EC CSS HTML Presentation.pptx
@@ -5,10 +5,10 @@
     <p:sldMasterId id="2147483648" r:id="rId1"/>
   </p:sldMasterIdLst>
   <p:notesMasterIdLst>
-    <p:notesMasterId r:id="rId10"/>
+    <p:notesMasterId r:id="rId12"/>
   </p:notesMasterIdLst>
   <p:handoutMasterIdLst>
-    <p:handoutMasterId r:id="rId11"/>
+    <p:handoutMasterId r:id="rId13"/>
   </p:handoutMasterIdLst>
   <p:sldIdLst>
     <p:sldId id="586" r:id="rId2"/>
@@ -18,7 +18,9 @@
     <p:sldId id="597" r:id="rId6"/>
     <p:sldId id="594" r:id="rId7"/>
     <p:sldId id="596" r:id="rId8"/>
-    <p:sldId id="589" r:id="rId9"/>
+    <p:sldId id="598" r:id="rId9"/>
+    <p:sldId id="599" r:id="rId10"/>
+    <p:sldId id="589" r:id="rId11"/>
   </p:sldIdLst>
   <p:sldSz cx="9144000" cy="6858000" type="screen4x3"/>
   <p:notesSz cx="7010400" cy="9296400"/>
@@ -149,7 +151,7 @@
   </p:defaultTextStyle>
   <p:extLst>
     <p:ext uri="{EFAFB233-063F-42B5-8137-9DF3F51BA10A}">
-      <p15:sldGuideLst xmlns:p15="http://schemas.microsoft.com/office/powerpoint/2012/main">
+      <p15:sldGuideLst xmlns:p15="http://schemas.microsoft.com/office/powerpoint/2012/main" xmlns="">
         <p15:guide id="1" orient="horz" pos="2160">
           <p15:clr>
             <a:srgbClr val="A4A3A4"/>
@@ -405,7 +407,7 @@
     </p:spTree>
     <p:extLst>
       <p:ext uri="{BB962C8B-B14F-4D97-AF65-F5344CB8AC3E}">
-        <p14:creationId xmlns:p14="http://schemas.microsoft.com/office/powerpoint/2010/main" val="1000645787"/>
+        <p14:creationId xmlns:p14="http://schemas.microsoft.com/office/powerpoint/2010/main" xmlns="" val="1000645787"/>
       </p:ext>
     </p:extLst>
   </p:cSld>
@@ -752,7 +754,7 @@
     </p:spTree>
     <p:extLst>
       <p:ext uri="{BB962C8B-B14F-4D97-AF65-F5344CB8AC3E}">
-        <p14:creationId xmlns:p14="http://schemas.microsoft.com/office/powerpoint/2010/main" val="2675668869"/>
+        <p14:creationId xmlns:p14="http://schemas.microsoft.com/office/powerpoint/2010/main" xmlns="" val="2675668869"/>
       </p:ext>
     </p:extLst>
   </p:cSld>
@@ -1059,7 +1061,7 @@
           <a:blip r:embed="rId2" cstate="print">
             <a:extLst>
               <a:ext uri="{28A0092B-C50C-407E-A947-70E740481C1C}">
-                <a14:useLocalDpi xmlns:a14="http://schemas.microsoft.com/office/drawing/2010/main" val="0"/>
+                <a14:useLocalDpi xmlns:a14="http://schemas.microsoft.com/office/drawing/2010/main" xmlns="" val="0"/>
               </a:ext>
             </a:extLst>
           </a:blip>
@@ -1612,7 +1614,7 @@
     </p:spTree>
     <p:extLst>
       <p:ext uri="{BB962C8B-B14F-4D97-AF65-F5344CB8AC3E}">
-        <p14:creationId xmlns:p14="http://schemas.microsoft.com/office/powerpoint/2010/main" val="2714295850"/>
+        <p14:creationId xmlns:p14="http://schemas.microsoft.com/office/powerpoint/2010/main" xmlns="" val="2714295850"/>
       </p:ext>
     </p:extLst>
   </p:cSld>
@@ -1840,7 +1842,7 @@
           <a:blip r:embed="rId2" cstate="print">
             <a:extLst>
               <a:ext uri="{28A0092B-C50C-407E-A947-70E740481C1C}">
-                <a14:useLocalDpi xmlns:a14="http://schemas.microsoft.com/office/drawing/2010/main" val="0"/>
+                <a14:useLocalDpi xmlns:a14="http://schemas.microsoft.com/office/drawing/2010/main" xmlns="" val="0"/>
               </a:ext>
             </a:extLst>
           </a:blip>
@@ -1990,7 +1992,7 @@
           <a:blip r:embed="rId2" cstate="print">
             <a:extLst>
               <a:ext uri="{28A0092B-C50C-407E-A947-70E740481C1C}">
-                <a14:useLocalDpi xmlns:a14="http://schemas.microsoft.com/office/drawing/2010/main" val="0"/>
+                <a14:useLocalDpi xmlns:a14="http://schemas.microsoft.com/office/drawing/2010/main" xmlns="" val="0"/>
               </a:ext>
             </a:extLst>
           </a:blip>
@@ -2631,7 +2633,7 @@
           <a:blip r:embed="rId2" cstate="print">
             <a:extLst>
               <a:ext uri="{28A0092B-C50C-407E-A947-70E740481C1C}">
-                <a14:useLocalDpi xmlns:a14="http://schemas.microsoft.com/office/drawing/2010/main" val="0"/>
+                <a14:useLocalDpi xmlns:a14="http://schemas.microsoft.com/office/drawing/2010/main" xmlns="" val="0"/>
               </a:ext>
             </a:extLst>
           </a:blip>
@@ -3026,7 +3028,7 @@
     </p:spTree>
     <p:extLst>
       <p:ext uri="{BB962C8B-B14F-4D97-AF65-F5344CB8AC3E}">
-        <p14:creationId xmlns:p14="http://schemas.microsoft.com/office/powerpoint/2010/main" val="728163518"/>
+        <p14:creationId xmlns:p14="http://schemas.microsoft.com/office/powerpoint/2010/main" xmlns="" val="728163518"/>
       </p:ext>
     </p:extLst>
   </p:cSld>
@@ -5729,7 +5731,15 @@
           <a:p>
             <a:r>
               <a:rPr lang="en-US" dirty="0" smtClean="0"/>
-              <a:t>CSS and html – guide to basics</a:t>
+              <a:t>CSS </a:t>
+            </a:r>
+            <a:r>
+              <a:rPr lang="en-US" dirty="0" smtClean="0"/>
+              <a:t>and DESIGN </a:t>
+            </a:r>
+            <a:r>
+              <a:rPr lang="en-US" dirty="0" smtClean="0"/>
+              <a:t>– guide to basics</a:t>
             </a:r>
             <a:endParaRPr lang="en-US" dirty="0"/>
           </a:p>
@@ -5794,6 +5804,82 @@
         </p:style>
       </p:cxnSp>
     </p:spTree>
+  </p:cSld>
+  <p:clrMapOvr>
+    <a:masterClrMapping/>
+  </p:clrMapOvr>
+  <p:timing>
+    <p:tnLst>
+      <p:par>
+        <p:cTn id="1" dur="indefinite" restart="never" nodeType="tmRoot"/>
+      </p:par>
+    </p:tnLst>
+  </p:timing>
+</p:sld>
+</file>
+
+<file path=ppt/slides/slide10.xml><?xml version="1.0" encoding="utf-8"?>
+<p:sld xmlns:a="http://schemas.openxmlformats.org/drawingml/2006/main" xmlns:r="http://schemas.openxmlformats.org/officeDocument/2006/relationships" xmlns:p="http://schemas.openxmlformats.org/presentationml/2006/main">
+  <p:cSld>
+    <p:spTree>
+      <p:nvGrpSpPr>
+        <p:cNvPr id="1" name=""/>
+        <p:cNvGrpSpPr/>
+        <p:nvPr/>
+      </p:nvGrpSpPr>
+      <p:grpSpPr>
+        <a:xfrm>
+          <a:off x="0" y="0"/>
+          <a:ext cx="0" cy="0"/>
+          <a:chOff x="0" y="0"/>
+          <a:chExt cx="0" cy="0"/>
+        </a:xfrm>
+      </p:grpSpPr>
+      <p:sp>
+        <p:nvSpPr>
+          <p:cNvPr id="2" name="TextBox 1"/>
+          <p:cNvSpPr txBox="1"/>
+          <p:nvPr/>
+        </p:nvSpPr>
+        <p:spPr>
+          <a:xfrm>
+            <a:off x="2743199" y="2998840"/>
+            <a:ext cx="3657601" cy="769441"/>
+          </a:xfrm>
+          <a:prstGeom prst="rect">
+            <a:avLst/>
+          </a:prstGeom>
+          <a:noFill/>
+        </p:spPr>
+        <p:txBody>
+          <a:bodyPr wrap="square" rtlCol="0">
+            <a:spAutoFit/>
+          </a:bodyPr>
+          <a:lstStyle/>
+          <a:p>
+            <a:pPr algn="ctr"/>
+            <a:r>
+              <a:rPr lang="en-US" sz="4400" dirty="0" smtClean="0">
+                <a:solidFill>
+                  <a:schemeClr val="bg1"/>
+                </a:solidFill>
+              </a:rPr>
+              <a:t>Questions?</a:t>
+            </a:r>
+            <a:endParaRPr lang="en-US" sz="4400" dirty="0">
+              <a:solidFill>
+                <a:schemeClr val="bg1"/>
+              </a:solidFill>
+            </a:endParaRPr>
+          </a:p>
+        </p:txBody>
+      </p:sp>
+    </p:spTree>
+    <p:extLst>
+      <p:ext uri="{BB962C8B-B14F-4D97-AF65-F5344CB8AC3E}">
+        <p14:creationId xmlns:p14="http://schemas.microsoft.com/office/powerpoint/2010/main" xmlns="" val="1208765411"/>
+      </p:ext>
+    </p:extLst>
   </p:cSld>
   <p:clrMapOvr>
     <a:masterClrMapping/>
@@ -5865,11 +5951,7 @@
           <a:p>
             <a:r>
               <a:rPr lang="en-US" dirty="0" smtClean="0"/>
-              <a:t>Why Learn the Basics</a:t>
-            </a:r>
-            <a:r>
-              <a:rPr lang="en-US" dirty="0" smtClean="0"/>
-              <a:t>?</a:t>
+              <a:t>Why Learn the Basics?</a:t>
             </a:r>
           </a:p>
           <a:p>
@@ -5877,7 +5959,6 @@
               <a:rPr lang="en-US" dirty="0" smtClean="0"/>
               <a:t>Resources</a:t>
             </a:r>
-            <a:endParaRPr lang="en-US" dirty="0" smtClean="0"/>
           </a:p>
           <a:p>
             <a:r>
@@ -5889,11 +5970,7 @@
           <a:p>
             <a:r>
               <a:rPr lang="en-US" dirty="0" smtClean="0"/>
-              <a:t>Where </a:t>
-            </a:r>
-            <a:r>
-              <a:rPr lang="en-US" dirty="0" smtClean="0"/>
-              <a:t>to Start?</a:t>
+              <a:t>Where to Start?</a:t>
             </a:r>
           </a:p>
           <a:p>
@@ -5908,7 +5985,7 @@
     </p:spTree>
     <p:extLst>
       <p:ext uri="{BB962C8B-B14F-4D97-AF65-F5344CB8AC3E}">
-        <p14:creationId xmlns:p14="http://schemas.microsoft.com/office/powerpoint/2010/main" val="2122838285"/>
+        <p14:creationId xmlns:p14="http://schemas.microsoft.com/office/powerpoint/2010/main" xmlns="" val="2122838285"/>
       </p:ext>
     </p:extLst>
   </p:cSld>
@@ -6047,7 +6124,7 @@
           <a:blip r:embed="rId2" cstate="print">
             <a:extLst>
               <a:ext uri="{28A0092B-C50C-407E-A947-70E740481C1C}">
-                <a14:useLocalDpi xmlns:a14="http://schemas.microsoft.com/office/drawing/2010/main" val="0"/>
+                <a14:useLocalDpi xmlns:a14="http://schemas.microsoft.com/office/drawing/2010/main" xmlns="" val="0"/>
               </a:ext>
             </a:extLst>
           </a:blip>
@@ -6072,7 +6149,7 @@
           </a:ln>
           <a:extLst>
             <a:ext uri="{909E8E84-426E-40DD-AFC4-6F175D3DCCD1}">
-              <a14:hiddenFill xmlns:a14="http://schemas.microsoft.com/office/drawing/2010/main">
+              <a14:hiddenFill xmlns:a14="http://schemas.microsoft.com/office/drawing/2010/main" xmlns="">
                 <a:solidFill>
                   <a:srgbClr val="FFFFFF"/>
                 </a:solidFill>
@@ -6084,7 +6161,7 @@
     </p:spTree>
     <p:extLst>
       <p:ext uri="{BB962C8B-B14F-4D97-AF65-F5344CB8AC3E}">
-        <p14:creationId xmlns:p14="http://schemas.microsoft.com/office/powerpoint/2010/main" val="1705512803"/>
+        <p14:creationId xmlns:p14="http://schemas.microsoft.com/office/powerpoint/2010/main" xmlns="" val="1705512803"/>
       </p:ext>
     </p:extLst>
   </p:cSld>
@@ -6219,7 +6296,7 @@
           <a:blip r:embed="rId2" cstate="print">
             <a:extLst>
               <a:ext uri="{28A0092B-C50C-407E-A947-70E740481C1C}">
-                <a14:useLocalDpi xmlns:a14="http://schemas.microsoft.com/office/drawing/2010/main" val="0"/>
+                <a14:useLocalDpi xmlns:a14="http://schemas.microsoft.com/office/drawing/2010/main" xmlns="" val="0"/>
               </a:ext>
             </a:extLst>
           </a:blip>
@@ -6244,7 +6321,7 @@
           </a:ln>
           <a:extLst>
             <a:ext uri="{909E8E84-426E-40DD-AFC4-6F175D3DCCD1}">
-              <a14:hiddenFill xmlns:a14="http://schemas.microsoft.com/office/drawing/2010/main">
+              <a14:hiddenFill xmlns:a14="http://schemas.microsoft.com/office/drawing/2010/main" xmlns="">
                 <a:solidFill>
                   <a:srgbClr val="FFFFFF"/>
                 </a:solidFill>
@@ -6256,7 +6333,7 @@
     </p:spTree>
     <p:extLst>
       <p:ext uri="{BB962C8B-B14F-4D97-AF65-F5344CB8AC3E}">
-        <p14:creationId xmlns:p14="http://schemas.microsoft.com/office/powerpoint/2010/main" val="4149530722"/>
+        <p14:creationId xmlns:p14="http://schemas.microsoft.com/office/powerpoint/2010/main" xmlns="" val="4149530722"/>
       </p:ext>
     </p:extLst>
   </p:cSld>
@@ -6344,37 +6421,113 @@
             <a:pPr lvl="2"/>
             <a:r>
               <a:rPr lang="en-US" dirty="0" smtClean="0"/>
-              <a:t>Don Norman</a:t>
+              <a:t>Don </a:t>
+            </a:r>
+            <a:r>
+              <a:rPr lang="en-US" dirty="0" smtClean="0"/>
+              <a:t>Norman</a:t>
             </a:r>
           </a:p>
           <a:p>
             <a:pPr lvl="1"/>
             <a:r>
               <a:rPr lang="en-US" dirty="0" smtClean="0"/>
-              <a:t>Typography</a:t>
-            </a:r>
+              <a:t>Book: Don’t Make Me Think</a:t>
+            </a:r>
+          </a:p>
+          <a:p>
+            <a:pPr lvl="2"/>
+            <a:r>
+              <a:rPr lang="en-US" dirty="0" smtClean="0"/>
+              <a:t>Steve Krug</a:t>
+            </a:r>
+            <a:endParaRPr lang="en-US" dirty="0" smtClean="0"/>
           </a:p>
           <a:p>
             <a:pPr lvl="1"/>
             <a:r>
               <a:rPr lang="en-US" dirty="0" smtClean="0"/>
-              <a:t>Color Theory</a:t>
-            </a:r>
+              <a:t>Class: Typography</a:t>
+            </a:r>
+            <a:endParaRPr lang="en-US" dirty="0" smtClean="0"/>
           </a:p>
           <a:p>
             <a:pPr lvl="1"/>
             <a:r>
               <a:rPr lang="en-US" dirty="0" smtClean="0"/>
-              <a:t>Advance User Interface </a:t>
-            </a:r>
-            <a:endParaRPr lang="en-US" dirty="0" smtClean="0"/>
+              <a:t>Class: Advance </a:t>
+            </a:r>
+            <a:r>
+              <a:rPr lang="en-US" dirty="0" smtClean="0"/>
+              <a:t>User Interface </a:t>
+            </a:r>
+          </a:p>
+        </p:txBody>
+      </p:sp>
+      <p:sp>
+        <p:nvSpPr>
+          <p:cNvPr id="5122" name="AutoShape 2" descr="Image result for book don't make me think"/>
+          <p:cNvSpPr>
+            <a:spLocks noChangeAspect="1" noChangeArrowheads="1"/>
+          </p:cNvSpPr>
+          <p:nvPr/>
+        </p:nvSpPr>
+        <p:spPr bwMode="auto">
+          <a:xfrm>
+            <a:off x="155575" y="-144463"/>
+            <a:ext cx="304800" cy="304801"/>
+          </a:xfrm>
+          <a:prstGeom prst="rect">
+            <a:avLst/>
+          </a:prstGeom>
+          <a:noFill/>
+        </p:spPr>
+        <p:txBody>
+          <a:bodyPr vert="horz" wrap="square" lIns="91440" tIns="45720" rIns="91440" bIns="45720" numCol="1" anchor="t" anchorCtr="0" compatLnSpc="1">
+            <a:prstTxWarp prst="textNoShape">
+              <a:avLst/>
+            </a:prstTxWarp>
+          </a:bodyPr>
+          <a:lstStyle/>
+          <a:p>
+            <a:endParaRPr lang="en-US"/>
+          </a:p>
+        </p:txBody>
+      </p:sp>
+      <p:sp>
+        <p:nvSpPr>
+          <p:cNvPr id="5124" name="AutoShape 4" descr="Image result for book don't make me think"/>
+          <p:cNvSpPr>
+            <a:spLocks noChangeAspect="1" noChangeArrowheads="1"/>
+          </p:cNvSpPr>
+          <p:nvPr/>
+        </p:nvSpPr>
+        <p:spPr bwMode="auto">
+          <a:xfrm>
+            <a:off x="155575" y="-144463"/>
+            <a:ext cx="304800" cy="304801"/>
+          </a:xfrm>
+          <a:prstGeom prst="rect">
+            <a:avLst/>
+          </a:prstGeom>
+          <a:noFill/>
+        </p:spPr>
+        <p:txBody>
+          <a:bodyPr vert="horz" wrap="square" lIns="91440" tIns="45720" rIns="91440" bIns="45720" numCol="1" anchor="t" anchorCtr="0" compatLnSpc="1">
+            <a:prstTxWarp prst="textNoShape">
+              <a:avLst/>
+            </a:prstTxWarp>
+          </a:bodyPr>
+          <a:lstStyle/>
+          <a:p>
+            <a:endParaRPr lang="en-US"/>
           </a:p>
         </p:txBody>
       </p:sp>
     </p:spTree>
     <p:extLst>
       <p:ext uri="{BB962C8B-B14F-4D97-AF65-F5344CB8AC3E}">
-        <p14:creationId xmlns:p14="http://schemas.microsoft.com/office/powerpoint/2010/main" val="3167485665"/>
+        <p14:creationId xmlns:p14="http://schemas.microsoft.com/office/powerpoint/2010/main" xmlns="" val="3167485665"/>
       </p:ext>
     </p:extLst>
   </p:cSld>
@@ -6452,7 +6605,7 @@
     </p:spTree>
     <p:extLst>
       <p:ext uri="{BB962C8B-B14F-4D97-AF65-F5344CB8AC3E}">
-        <p14:creationId xmlns:p14="http://schemas.microsoft.com/office/powerpoint/2010/main" val="2736868352"/>
+        <p14:creationId xmlns:p14="http://schemas.microsoft.com/office/powerpoint/2010/main" xmlns="" val="2736868352"/>
       </p:ext>
     </p:extLst>
   </p:cSld>
@@ -6503,7 +6656,7 @@
           <a:p>
             <a:r>
               <a:rPr lang="en-US" dirty="0" smtClean="0"/>
-              <a:t>Where To Start?</a:t>
+              <a:t>Basics (1 of 3)</a:t>
             </a:r>
             <a:endParaRPr lang="en-US" dirty="0"/>
           </a:p>
@@ -6524,6 +6677,142 @@
           <a:bodyPr/>
           <a:lstStyle/>
           <a:p>
+            <a:r>
+              <a:rPr lang="en-US" dirty="0" smtClean="0"/>
+              <a:t>Calling CSS</a:t>
+            </a:r>
+          </a:p>
+          <a:p>
+            <a:pPr lvl="1"/>
+            <a:r>
+              <a:rPr lang="en-US" dirty="0" smtClean="0"/>
+              <a:t>External File</a:t>
+            </a:r>
+          </a:p>
+          <a:p>
+            <a:pPr lvl="2"/>
+            <a:r>
+              <a:rPr lang="en-US" dirty="0" smtClean="0"/>
+              <a:t>&lt;head&gt;</a:t>
+            </a:r>
+            <a:br>
+              <a:rPr lang="en-US" dirty="0" smtClean="0"/>
+            </a:br>
+            <a:r>
+              <a:rPr lang="en-US" dirty="0" smtClean="0"/>
+              <a:t>&lt;link </a:t>
+            </a:r>
+            <a:r>
+              <a:rPr lang="en-US" dirty="0" err="1" smtClean="0"/>
+              <a:t>rel</a:t>
+            </a:r>
+            <a:r>
+              <a:rPr lang="en-US" dirty="0" smtClean="0"/>
+              <a:t>="</a:t>
+            </a:r>
+            <a:r>
+              <a:rPr lang="en-US" dirty="0" err="1" smtClean="0"/>
+              <a:t>stylesheet</a:t>
+            </a:r>
+            <a:r>
+              <a:rPr lang="en-US" dirty="0" smtClean="0"/>
+              <a:t>" type="text/</a:t>
+            </a:r>
+            <a:r>
+              <a:rPr lang="en-US" dirty="0" err="1" smtClean="0"/>
+              <a:t>css</a:t>
+            </a:r>
+            <a:r>
+              <a:rPr lang="en-US" dirty="0" smtClean="0"/>
+              <a:t>" </a:t>
+            </a:r>
+            <a:r>
+              <a:rPr lang="en-US" dirty="0" err="1" smtClean="0"/>
+              <a:t>href</a:t>
+            </a:r>
+            <a:r>
+              <a:rPr lang="en-US" dirty="0" smtClean="0"/>
+              <a:t>=“style.css</a:t>
+            </a:r>
+            <a:r>
+              <a:rPr lang="en-US" dirty="0" smtClean="0"/>
+              <a:t>"&gt;</a:t>
+            </a:r>
+            <a:br>
+              <a:rPr lang="en-US" dirty="0" smtClean="0"/>
+            </a:br>
+            <a:r>
+              <a:rPr lang="en-US" dirty="0" smtClean="0"/>
+              <a:t>&lt;/head</a:t>
+            </a:r>
+            <a:r>
+              <a:rPr lang="en-US" dirty="0" smtClean="0"/>
+              <a:t>&gt;</a:t>
+            </a:r>
+          </a:p>
+          <a:p>
+            <a:pPr lvl="1"/>
+            <a:r>
+              <a:rPr lang="en-US" dirty="0" smtClean="0"/>
+              <a:t>Internal</a:t>
+            </a:r>
+          </a:p>
+          <a:p>
+            <a:pPr lvl="2"/>
+            <a:r>
+              <a:rPr lang="en-US" dirty="0" smtClean="0"/>
+              <a:t>&lt;head&gt;</a:t>
+            </a:r>
+            <a:br>
+              <a:rPr lang="en-US" dirty="0" smtClean="0"/>
+            </a:br>
+            <a:r>
+              <a:rPr lang="en-US" dirty="0" smtClean="0"/>
+              <a:t>&lt;style&gt;</a:t>
+            </a:r>
+            <a:br>
+              <a:rPr lang="en-US" dirty="0" smtClean="0"/>
+            </a:br>
+            <a:r>
+              <a:rPr lang="en-US" dirty="0" smtClean="0"/>
+              <a:t>	.</a:t>
+            </a:r>
+            <a:r>
+              <a:rPr lang="en-US" dirty="0" err="1" smtClean="0"/>
+              <a:t>classname</a:t>
+            </a:r>
+            <a:r>
+              <a:rPr lang="en-US" dirty="0" smtClean="0"/>
+              <a:t> { }</a:t>
+            </a:r>
+            <a:br>
+              <a:rPr lang="en-US" dirty="0" smtClean="0"/>
+            </a:br>
+            <a:r>
+              <a:rPr lang="en-US" dirty="0" smtClean="0"/>
+              <a:t>&lt;/style&gt;</a:t>
+            </a:r>
+            <a:br>
+              <a:rPr lang="en-US" dirty="0" smtClean="0"/>
+            </a:br>
+            <a:r>
+              <a:rPr lang="en-US" dirty="0" smtClean="0"/>
+              <a:t>&lt;/head&gt;</a:t>
+            </a:r>
+          </a:p>
+          <a:p>
+            <a:pPr lvl="1"/>
+            <a:r>
+              <a:rPr lang="en-US" dirty="0" smtClean="0"/>
+              <a:t>Inline</a:t>
+            </a:r>
+          </a:p>
+          <a:p>
+            <a:pPr lvl="2"/>
+            <a:r>
+              <a:rPr lang="en-US" dirty="0" smtClean="0"/>
+              <a:t>&lt;div style=“display: block;”&gt;&lt;/div&gt;</a:t>
+            </a:r>
             <a:endParaRPr lang="en-US" dirty="0" smtClean="0"/>
           </a:p>
         </p:txBody>
@@ -6531,7 +6820,7 @@
     </p:spTree>
     <p:extLst>
       <p:ext uri="{BB962C8B-B14F-4D97-AF65-F5344CB8AC3E}">
-        <p14:creationId xmlns:p14="http://schemas.microsoft.com/office/powerpoint/2010/main" val="1182900409"/>
+        <p14:creationId xmlns:p14="http://schemas.microsoft.com/office/powerpoint/2010/main" xmlns="" val="1182900409"/>
       </p:ext>
     </p:extLst>
   </p:cSld>
@@ -6567,47 +6856,256 @@
       </p:grpSpPr>
       <p:sp>
         <p:nvSpPr>
-          <p:cNvPr id="2" name="TextBox 1"/>
-          <p:cNvSpPr txBox="1"/>
-          <p:nvPr/>
-        </p:nvSpPr>
-        <p:spPr>
-          <a:xfrm>
-            <a:off x="2743199" y="2998840"/>
-            <a:ext cx="3657601" cy="769441"/>
-          </a:xfrm>
-          <a:prstGeom prst="rect">
-            <a:avLst/>
-          </a:prstGeom>
-          <a:noFill/>
-        </p:spPr>
-        <p:txBody>
-          <a:bodyPr wrap="square" rtlCol="0">
-            <a:spAutoFit/>
-          </a:bodyPr>
+          <p:cNvPr id="2" name="Title 1"/>
+          <p:cNvSpPr>
+            <a:spLocks noGrp="1"/>
+          </p:cNvSpPr>
+          <p:nvPr>
+            <p:ph type="title"/>
+          </p:nvPr>
+        </p:nvSpPr>
+        <p:spPr/>
+        <p:txBody>
+          <a:bodyPr/>
           <a:lstStyle/>
           <a:p>
-            <a:pPr algn="ctr"/>
-            <a:r>
-              <a:rPr lang="en-US" sz="4400" dirty="0" smtClean="0">
-                <a:solidFill>
-                  <a:schemeClr val="bg1"/>
-                </a:solidFill>
-              </a:rPr>
-              <a:t>Questions?</a:t>
-            </a:r>
-            <a:endParaRPr lang="en-US" sz="4400" dirty="0">
-              <a:solidFill>
-                <a:schemeClr val="bg1"/>
-              </a:solidFill>
-            </a:endParaRPr>
+            <a:r>
+              <a:rPr lang="en-US" dirty="0" smtClean="0"/>
+              <a:t>Basics (2 of 3)</a:t>
+            </a:r>
+            <a:endParaRPr lang="en-US" dirty="0"/>
+          </a:p>
+        </p:txBody>
+      </p:sp>
+      <p:sp>
+        <p:nvSpPr>
+          <p:cNvPr id="3" name="Content Placeholder 2"/>
+          <p:cNvSpPr>
+            <a:spLocks noGrp="1"/>
+          </p:cNvSpPr>
+          <p:nvPr>
+            <p:ph idx="1"/>
+          </p:nvPr>
+        </p:nvSpPr>
+        <p:spPr/>
+        <p:txBody>
+          <a:bodyPr/>
+          <a:lstStyle/>
+          <a:p>
+            <a:r>
+              <a:rPr lang="en-US" dirty="0" smtClean="0"/>
+              <a:t>Selectors</a:t>
+            </a:r>
+          </a:p>
+          <a:p>
+            <a:pPr lvl="1"/>
+            <a:r>
+              <a:rPr lang="en-US" dirty="0" smtClean="0"/>
+              <a:t>General - &lt;div&gt;</a:t>
+            </a:r>
+          </a:p>
+          <a:p>
+            <a:pPr lvl="2"/>
+            <a:r>
+              <a:rPr lang="en-US" dirty="0" smtClean="0"/>
+              <a:t>d</a:t>
+            </a:r>
+            <a:r>
+              <a:rPr lang="en-US" dirty="0" smtClean="0"/>
+              <a:t>iv { }</a:t>
+            </a:r>
+          </a:p>
+          <a:p>
+            <a:pPr lvl="1"/>
+            <a:r>
+              <a:rPr lang="en-US" dirty="0" smtClean="0"/>
+              <a:t>Class - </a:t>
+            </a:r>
+            <a:r>
+              <a:rPr lang="en-US" dirty="0" smtClean="0"/>
+              <a:t>&lt;div class=“</a:t>
+            </a:r>
+            <a:r>
+              <a:rPr lang="en-US" dirty="0" err="1" smtClean="0"/>
+              <a:t>myClass</a:t>
+            </a:r>
+            <a:r>
+              <a:rPr lang="en-US" dirty="0" smtClean="0"/>
+              <a:t>”&gt;&lt;/div&gt;</a:t>
+            </a:r>
+          </a:p>
+          <a:p>
+            <a:pPr lvl="2"/>
+            <a:r>
+              <a:rPr lang="en-US" dirty="0" smtClean="0"/>
+              <a:t>.</a:t>
+            </a:r>
+            <a:r>
+              <a:rPr lang="en-US" dirty="0" err="1" smtClean="0"/>
+              <a:t>myClass</a:t>
+            </a:r>
+            <a:r>
+              <a:rPr lang="en-US" dirty="0" smtClean="0"/>
+              <a:t> { }</a:t>
+            </a:r>
+          </a:p>
+          <a:p>
+            <a:pPr lvl="1"/>
+            <a:r>
+              <a:rPr lang="en-US" dirty="0" smtClean="0"/>
+              <a:t>ID - &lt;div id=“</a:t>
+            </a:r>
+            <a:r>
+              <a:rPr lang="en-US" dirty="0" err="1" smtClean="0"/>
+              <a:t>myID</a:t>
+            </a:r>
+            <a:r>
+              <a:rPr lang="en-US" dirty="0" smtClean="0"/>
+              <a:t>”&gt;&lt;/div&gt;</a:t>
+            </a:r>
+          </a:p>
+          <a:p>
+            <a:pPr lvl="2"/>
+            <a:r>
+              <a:rPr lang="en-US" dirty="0" smtClean="0"/>
+              <a:t>#</a:t>
+            </a:r>
+            <a:r>
+              <a:rPr lang="en-US" dirty="0" err="1" smtClean="0"/>
+              <a:t>myID</a:t>
+            </a:r>
+            <a:r>
+              <a:rPr lang="en-US" dirty="0" smtClean="0"/>
+              <a:t> { }</a:t>
+            </a:r>
+          </a:p>
+          <a:p>
+            <a:r>
+              <a:rPr lang="en-US" dirty="0" smtClean="0"/>
+              <a:t>Media Queries</a:t>
+            </a:r>
+          </a:p>
+          <a:p>
+            <a:pPr lvl="1"/>
+            <a:r>
+              <a:rPr lang="en-US" dirty="0" smtClean="0"/>
+              <a:t>Screen Size</a:t>
+            </a:r>
+          </a:p>
+          <a:p>
+            <a:pPr lvl="2"/>
+            <a:r>
+              <a:rPr lang="en-US" dirty="0" smtClean="0"/>
+              <a:t>@media screen and (min-width: 979px) { }</a:t>
+            </a:r>
+          </a:p>
+          <a:p>
+            <a:pPr lvl="1"/>
+            <a:r>
+              <a:rPr lang="en-US" dirty="0" smtClean="0"/>
+              <a:t>Print view</a:t>
+            </a:r>
+          </a:p>
+          <a:p>
+            <a:pPr lvl="2"/>
+            <a:r>
+              <a:rPr lang="en-US" dirty="0" smtClean="0"/>
+              <a:t>@media print { }</a:t>
+            </a:r>
+            <a:endParaRPr lang="en-US" dirty="0" smtClean="0"/>
           </a:p>
         </p:txBody>
       </p:sp>
     </p:spTree>
     <p:extLst>
       <p:ext uri="{BB962C8B-B14F-4D97-AF65-F5344CB8AC3E}">
-        <p14:creationId xmlns:p14="http://schemas.microsoft.com/office/powerpoint/2010/main" val="1208765411"/>
+        <p14:creationId xmlns:p14="http://schemas.microsoft.com/office/powerpoint/2010/main" xmlns="" val="2736868352"/>
+      </p:ext>
+    </p:extLst>
+  </p:cSld>
+  <p:clrMapOvr>
+    <a:masterClrMapping/>
+  </p:clrMapOvr>
+  <p:timing>
+    <p:tnLst>
+      <p:par>
+        <p:cTn id="1" dur="indefinite" restart="never" nodeType="tmRoot"/>
+      </p:par>
+    </p:tnLst>
+  </p:timing>
+</p:sld>
+</file>
+
+<file path=ppt/slides/slide9.xml><?xml version="1.0" encoding="utf-8"?>
+<p:sld xmlns:a="http://schemas.openxmlformats.org/drawingml/2006/main" xmlns:r="http://schemas.openxmlformats.org/officeDocument/2006/relationships" xmlns:p="http://schemas.openxmlformats.org/presentationml/2006/main">
+  <p:cSld>
+    <p:spTree>
+      <p:nvGrpSpPr>
+        <p:cNvPr id="1" name=""/>
+        <p:cNvGrpSpPr/>
+        <p:nvPr/>
+      </p:nvGrpSpPr>
+      <p:grpSpPr>
+        <a:xfrm>
+          <a:off x="0" y="0"/>
+          <a:ext cx="0" cy="0"/>
+          <a:chOff x="0" y="0"/>
+          <a:chExt cx="0" cy="0"/>
+        </a:xfrm>
+      </p:grpSpPr>
+      <p:sp>
+        <p:nvSpPr>
+          <p:cNvPr id="2" name="Title 1"/>
+          <p:cNvSpPr>
+            <a:spLocks noGrp="1"/>
+          </p:cNvSpPr>
+          <p:nvPr>
+            <p:ph type="title"/>
+          </p:nvPr>
+        </p:nvSpPr>
+        <p:spPr/>
+        <p:txBody>
+          <a:bodyPr/>
+          <a:lstStyle/>
+          <a:p>
+            <a:r>
+              <a:rPr lang="en-US" dirty="0" smtClean="0"/>
+              <a:t>Basics (3 of 3)</a:t>
+            </a:r>
+            <a:endParaRPr lang="en-US" dirty="0"/>
+          </a:p>
+        </p:txBody>
+      </p:sp>
+      <p:sp>
+        <p:nvSpPr>
+          <p:cNvPr id="3" name="Content Placeholder 2"/>
+          <p:cNvSpPr>
+            <a:spLocks noGrp="1"/>
+          </p:cNvSpPr>
+          <p:nvPr>
+            <p:ph idx="1"/>
+          </p:nvPr>
+        </p:nvSpPr>
+        <p:spPr/>
+        <p:txBody>
+          <a:bodyPr/>
+          <a:lstStyle/>
+          <a:p>
+            <a:r>
+              <a:rPr lang="en-US" dirty="0" smtClean="0"/>
+              <a:t>Event CSS</a:t>
+            </a:r>
+          </a:p>
+          <a:p>
+            <a:pPr lvl="1"/>
+            <a:endParaRPr lang="en-US" dirty="0" smtClean="0"/>
+          </a:p>
+        </p:txBody>
+      </p:sp>
+    </p:spTree>
+    <p:extLst>
+      <p:ext uri="{BB962C8B-B14F-4D97-AF65-F5344CB8AC3E}">
+        <p14:creationId xmlns:p14="http://schemas.microsoft.com/office/powerpoint/2010/main" xmlns="" val="2736868352"/>
       </p:ext>
     </p:extLst>
   </p:cSld>

--- a/Extended Campuses/EC CSS HTML Presentation.pptx
+++ b/Extended Campuses/EC CSS HTML Presentation.pptx
@@ -5,10 +5,10 @@
     <p:sldMasterId id="2147483648" r:id="rId1"/>
   </p:sldMasterIdLst>
   <p:notesMasterIdLst>
-    <p:notesMasterId r:id="rId12"/>
+    <p:notesMasterId r:id="rId14"/>
   </p:notesMasterIdLst>
   <p:handoutMasterIdLst>
-    <p:handoutMasterId r:id="rId13"/>
+    <p:handoutMasterId r:id="rId15"/>
   </p:handoutMasterIdLst>
   <p:sldIdLst>
     <p:sldId id="586" r:id="rId2"/>
@@ -17,10 +17,12 @@
     <p:sldId id="593" r:id="rId5"/>
     <p:sldId id="597" r:id="rId6"/>
     <p:sldId id="594" r:id="rId7"/>
-    <p:sldId id="596" r:id="rId8"/>
-    <p:sldId id="598" r:id="rId9"/>
-    <p:sldId id="599" r:id="rId10"/>
-    <p:sldId id="589" r:id="rId11"/>
+    <p:sldId id="600" r:id="rId8"/>
+    <p:sldId id="601" r:id="rId9"/>
+    <p:sldId id="596" r:id="rId10"/>
+    <p:sldId id="598" r:id="rId11"/>
+    <p:sldId id="599" r:id="rId12"/>
+    <p:sldId id="589" r:id="rId13"/>
   </p:sldIdLst>
   <p:sldSz cx="9144000" cy="6858000" type="screen4x3"/>
   <p:notesSz cx="7010400" cy="9296400"/>
@@ -5837,6 +5839,291 @@
       </p:grpSpPr>
       <p:sp>
         <p:nvSpPr>
+          <p:cNvPr id="2" name="Title 1"/>
+          <p:cNvSpPr>
+            <a:spLocks noGrp="1"/>
+          </p:cNvSpPr>
+          <p:nvPr>
+            <p:ph type="title"/>
+          </p:nvPr>
+        </p:nvSpPr>
+        <p:spPr/>
+        <p:txBody>
+          <a:bodyPr/>
+          <a:lstStyle/>
+          <a:p>
+            <a:r>
+              <a:rPr lang="en-US" dirty="0" smtClean="0"/>
+              <a:t>Basics (2 of 3)</a:t>
+            </a:r>
+            <a:endParaRPr lang="en-US" dirty="0"/>
+          </a:p>
+        </p:txBody>
+      </p:sp>
+      <p:sp>
+        <p:nvSpPr>
+          <p:cNvPr id="3" name="Content Placeholder 2"/>
+          <p:cNvSpPr>
+            <a:spLocks noGrp="1"/>
+          </p:cNvSpPr>
+          <p:nvPr>
+            <p:ph idx="1"/>
+          </p:nvPr>
+        </p:nvSpPr>
+        <p:spPr/>
+        <p:txBody>
+          <a:bodyPr/>
+          <a:lstStyle/>
+          <a:p>
+            <a:r>
+              <a:rPr lang="en-US" dirty="0" smtClean="0"/>
+              <a:t>Selectors</a:t>
+            </a:r>
+          </a:p>
+          <a:p>
+            <a:pPr lvl="1"/>
+            <a:r>
+              <a:rPr lang="en-US" dirty="0" smtClean="0"/>
+              <a:t>General - &lt;div&gt;</a:t>
+            </a:r>
+          </a:p>
+          <a:p>
+            <a:pPr lvl="2"/>
+            <a:r>
+              <a:rPr lang="en-US" dirty="0" smtClean="0"/>
+              <a:t>d</a:t>
+            </a:r>
+            <a:r>
+              <a:rPr lang="en-US" dirty="0" smtClean="0"/>
+              <a:t>iv { }</a:t>
+            </a:r>
+          </a:p>
+          <a:p>
+            <a:pPr lvl="1"/>
+            <a:r>
+              <a:rPr lang="en-US" dirty="0" smtClean="0"/>
+              <a:t>Class - </a:t>
+            </a:r>
+            <a:r>
+              <a:rPr lang="en-US" dirty="0" smtClean="0"/>
+              <a:t>&lt;div class=“</a:t>
+            </a:r>
+            <a:r>
+              <a:rPr lang="en-US" dirty="0" err="1" smtClean="0"/>
+              <a:t>myClass</a:t>
+            </a:r>
+            <a:r>
+              <a:rPr lang="en-US" dirty="0" smtClean="0"/>
+              <a:t>”&gt;&lt;/div&gt;</a:t>
+            </a:r>
+          </a:p>
+          <a:p>
+            <a:pPr lvl="2"/>
+            <a:r>
+              <a:rPr lang="en-US" dirty="0" smtClean="0"/>
+              <a:t>.</a:t>
+            </a:r>
+            <a:r>
+              <a:rPr lang="en-US" dirty="0" err="1" smtClean="0"/>
+              <a:t>myClass</a:t>
+            </a:r>
+            <a:r>
+              <a:rPr lang="en-US" dirty="0" smtClean="0"/>
+              <a:t> { }</a:t>
+            </a:r>
+          </a:p>
+          <a:p>
+            <a:pPr lvl="1"/>
+            <a:r>
+              <a:rPr lang="en-US" dirty="0" smtClean="0"/>
+              <a:t>ID - &lt;div id=“</a:t>
+            </a:r>
+            <a:r>
+              <a:rPr lang="en-US" dirty="0" err="1" smtClean="0"/>
+              <a:t>myID</a:t>
+            </a:r>
+            <a:r>
+              <a:rPr lang="en-US" dirty="0" smtClean="0"/>
+              <a:t>”&gt;&lt;/div&gt;</a:t>
+            </a:r>
+          </a:p>
+          <a:p>
+            <a:pPr lvl="2"/>
+            <a:r>
+              <a:rPr lang="en-US" dirty="0" smtClean="0"/>
+              <a:t>#</a:t>
+            </a:r>
+            <a:r>
+              <a:rPr lang="en-US" dirty="0" err="1" smtClean="0"/>
+              <a:t>myID</a:t>
+            </a:r>
+            <a:r>
+              <a:rPr lang="en-US" dirty="0" smtClean="0"/>
+              <a:t> { }</a:t>
+            </a:r>
+          </a:p>
+          <a:p>
+            <a:r>
+              <a:rPr lang="en-US" dirty="0" smtClean="0"/>
+              <a:t>Media Queries</a:t>
+            </a:r>
+          </a:p>
+          <a:p>
+            <a:pPr lvl="1"/>
+            <a:r>
+              <a:rPr lang="en-US" dirty="0" smtClean="0"/>
+              <a:t>Screen Size</a:t>
+            </a:r>
+          </a:p>
+          <a:p>
+            <a:pPr lvl="2"/>
+            <a:r>
+              <a:rPr lang="en-US" dirty="0" smtClean="0"/>
+              <a:t>@media screen and (min-width: 979px) { }</a:t>
+            </a:r>
+          </a:p>
+          <a:p>
+            <a:pPr lvl="1"/>
+            <a:r>
+              <a:rPr lang="en-US" dirty="0" smtClean="0"/>
+              <a:t>Print view</a:t>
+            </a:r>
+          </a:p>
+          <a:p>
+            <a:pPr lvl="2"/>
+            <a:r>
+              <a:rPr lang="en-US" dirty="0" smtClean="0"/>
+              <a:t>@media print { }</a:t>
+            </a:r>
+            <a:endParaRPr lang="en-US" dirty="0" smtClean="0"/>
+          </a:p>
+        </p:txBody>
+      </p:sp>
+    </p:spTree>
+    <p:extLst>
+      <p:ext uri="{BB962C8B-B14F-4D97-AF65-F5344CB8AC3E}">
+        <p14:creationId xmlns:p14="http://schemas.microsoft.com/office/powerpoint/2010/main" xmlns="" val="2736868352"/>
+      </p:ext>
+    </p:extLst>
+  </p:cSld>
+  <p:clrMapOvr>
+    <a:masterClrMapping/>
+  </p:clrMapOvr>
+  <p:timing>
+    <p:tnLst>
+      <p:par>
+        <p:cTn id="1" dur="indefinite" restart="never" nodeType="tmRoot"/>
+      </p:par>
+    </p:tnLst>
+  </p:timing>
+</p:sld>
+</file>
+
+<file path=ppt/slides/slide11.xml><?xml version="1.0" encoding="utf-8"?>
+<p:sld xmlns:a="http://schemas.openxmlformats.org/drawingml/2006/main" xmlns:r="http://schemas.openxmlformats.org/officeDocument/2006/relationships" xmlns:p="http://schemas.openxmlformats.org/presentationml/2006/main">
+  <p:cSld>
+    <p:spTree>
+      <p:nvGrpSpPr>
+        <p:cNvPr id="1" name=""/>
+        <p:cNvGrpSpPr/>
+        <p:nvPr/>
+      </p:nvGrpSpPr>
+      <p:grpSpPr>
+        <a:xfrm>
+          <a:off x="0" y="0"/>
+          <a:ext cx="0" cy="0"/>
+          <a:chOff x="0" y="0"/>
+          <a:chExt cx="0" cy="0"/>
+        </a:xfrm>
+      </p:grpSpPr>
+      <p:sp>
+        <p:nvSpPr>
+          <p:cNvPr id="2" name="Title 1"/>
+          <p:cNvSpPr>
+            <a:spLocks noGrp="1"/>
+          </p:cNvSpPr>
+          <p:nvPr>
+            <p:ph type="title"/>
+          </p:nvPr>
+        </p:nvSpPr>
+        <p:spPr/>
+        <p:txBody>
+          <a:bodyPr/>
+          <a:lstStyle/>
+          <a:p>
+            <a:r>
+              <a:rPr lang="en-US" dirty="0" smtClean="0"/>
+              <a:t>Basics (3 of 3)</a:t>
+            </a:r>
+            <a:endParaRPr lang="en-US" dirty="0"/>
+          </a:p>
+        </p:txBody>
+      </p:sp>
+      <p:sp>
+        <p:nvSpPr>
+          <p:cNvPr id="3" name="Content Placeholder 2"/>
+          <p:cNvSpPr>
+            <a:spLocks noGrp="1"/>
+          </p:cNvSpPr>
+          <p:nvPr>
+            <p:ph idx="1"/>
+          </p:nvPr>
+        </p:nvSpPr>
+        <p:spPr/>
+        <p:txBody>
+          <a:bodyPr/>
+          <a:lstStyle/>
+          <a:p>
+            <a:r>
+              <a:rPr lang="en-US" dirty="0" smtClean="0"/>
+              <a:t>Event CSS</a:t>
+            </a:r>
+          </a:p>
+          <a:p>
+            <a:pPr lvl="1"/>
+            <a:endParaRPr lang="en-US" dirty="0" smtClean="0"/>
+          </a:p>
+        </p:txBody>
+      </p:sp>
+    </p:spTree>
+    <p:extLst>
+      <p:ext uri="{BB962C8B-B14F-4D97-AF65-F5344CB8AC3E}">
+        <p14:creationId xmlns:p14="http://schemas.microsoft.com/office/powerpoint/2010/main" xmlns="" val="2736868352"/>
+      </p:ext>
+    </p:extLst>
+  </p:cSld>
+  <p:clrMapOvr>
+    <a:masterClrMapping/>
+  </p:clrMapOvr>
+  <p:timing>
+    <p:tnLst>
+      <p:par>
+        <p:cTn id="1" dur="indefinite" restart="never" nodeType="tmRoot"/>
+      </p:par>
+    </p:tnLst>
+  </p:timing>
+</p:sld>
+</file>
+
+<file path=ppt/slides/slide12.xml><?xml version="1.0" encoding="utf-8"?>
+<p:sld xmlns:a="http://schemas.openxmlformats.org/drawingml/2006/main" xmlns:r="http://schemas.openxmlformats.org/officeDocument/2006/relationships" xmlns:p="http://schemas.openxmlformats.org/presentationml/2006/main">
+  <p:cSld>
+    <p:spTree>
+      <p:nvGrpSpPr>
+        <p:cNvPr id="1" name=""/>
+        <p:cNvGrpSpPr/>
+        <p:nvPr/>
+      </p:nvGrpSpPr>
+      <p:grpSpPr>
+        <a:xfrm>
+          <a:off x="0" y="0"/>
+          <a:ext cx="0" cy="0"/>
+          <a:chOff x="0" y="0"/>
+          <a:chExt cx="0" cy="0"/>
+        </a:xfrm>
+      </p:grpSpPr>
+      <p:sp>
+        <p:nvSpPr>
           <p:cNvPr id="2" name="TextBox 1"/>
           <p:cNvSpPr txBox="1"/>
           <p:nvPr/>
@@ -6654,11 +6941,7 @@
           <a:bodyPr/>
           <a:lstStyle/>
           <a:p>
-            <a:r>
-              <a:rPr lang="en-US" dirty="0" smtClean="0"/>
-              <a:t>Basics (1 of 3)</a:t>
-            </a:r>
-            <a:endParaRPr lang="en-US" dirty="0"/>
+            <a:endParaRPr lang="en-US"/>
           </a:p>
         </p:txBody>
       </p:sp>
@@ -6679,161 +6962,51 @@
           <a:p>
             <a:r>
               <a:rPr lang="en-US" dirty="0" smtClean="0"/>
-              <a:t>Calling CSS</a:t>
-            </a:r>
-          </a:p>
-          <a:p>
-            <a:pPr lvl="1"/>
-            <a:r>
-              <a:rPr lang="en-US" dirty="0" smtClean="0"/>
-              <a:t>External File</a:t>
-            </a:r>
-          </a:p>
-          <a:p>
-            <a:pPr lvl="2"/>
-            <a:r>
-              <a:rPr lang="en-US" dirty="0" smtClean="0"/>
-              <a:t>&lt;head&gt;</a:t>
-            </a:r>
-            <a:br>
-              <a:rPr lang="en-US" dirty="0" smtClean="0"/>
-            </a:br>
-            <a:r>
-              <a:rPr lang="en-US" dirty="0" smtClean="0"/>
-              <a:t>&lt;link </a:t>
-            </a:r>
-            <a:r>
-              <a:rPr lang="en-US" dirty="0" err="1" smtClean="0"/>
-              <a:t>rel</a:t>
-            </a:r>
-            <a:r>
-              <a:rPr lang="en-US" dirty="0" smtClean="0"/>
-              <a:t>="</a:t>
-            </a:r>
-            <a:r>
-              <a:rPr lang="en-US" dirty="0" err="1" smtClean="0"/>
-              <a:t>stylesheet</a:t>
-            </a:r>
-            <a:r>
-              <a:rPr lang="en-US" dirty="0" smtClean="0"/>
-              <a:t>" type="text/</a:t>
-            </a:r>
-            <a:r>
-              <a:rPr lang="en-US" dirty="0" err="1" smtClean="0"/>
-              <a:t>css</a:t>
-            </a:r>
-            <a:r>
-              <a:rPr lang="en-US" dirty="0" smtClean="0"/>
-              <a:t>" </a:t>
-            </a:r>
-            <a:r>
-              <a:rPr lang="en-US" dirty="0" err="1" smtClean="0"/>
-              <a:t>href</a:t>
-            </a:r>
-            <a:r>
-              <a:rPr lang="en-US" dirty="0" smtClean="0"/>
-              <a:t>=“style.css</a:t>
-            </a:r>
-            <a:r>
-              <a:rPr lang="en-US" dirty="0" smtClean="0"/>
-              <a:t>"&gt;</a:t>
-            </a:r>
-            <a:br>
-              <a:rPr lang="en-US" dirty="0" smtClean="0"/>
-            </a:br>
-            <a:r>
-              <a:rPr lang="en-US" dirty="0" smtClean="0"/>
-              <a:t>&lt;/head</a:t>
-            </a:r>
-            <a:r>
-              <a:rPr lang="en-US" dirty="0" smtClean="0"/>
-              <a:t>&gt;</a:t>
-            </a:r>
-          </a:p>
-          <a:p>
-            <a:pPr lvl="1"/>
-            <a:r>
-              <a:rPr lang="en-US" dirty="0" smtClean="0"/>
-              <a:t>Internal</a:t>
-            </a:r>
-          </a:p>
-          <a:p>
-            <a:pPr lvl="2"/>
-            <a:r>
-              <a:rPr lang="en-US" dirty="0" smtClean="0"/>
-              <a:t>&lt;head&gt;</a:t>
-            </a:r>
-            <a:br>
-              <a:rPr lang="en-US" dirty="0" smtClean="0"/>
-            </a:br>
-            <a:r>
-              <a:rPr lang="en-US" dirty="0" smtClean="0"/>
-              <a:t>&lt;style&gt;</a:t>
-            </a:r>
-            <a:br>
-              <a:rPr lang="en-US" dirty="0" smtClean="0"/>
-            </a:br>
-            <a:r>
-              <a:rPr lang="en-US" dirty="0" smtClean="0"/>
-              <a:t>	.</a:t>
-            </a:r>
-            <a:r>
-              <a:rPr lang="en-US" dirty="0" err="1" smtClean="0"/>
-              <a:t>classname</a:t>
-            </a:r>
-            <a:r>
-              <a:rPr lang="en-US" dirty="0" smtClean="0"/>
-              <a:t> { }</a:t>
-            </a:r>
-            <a:br>
-              <a:rPr lang="en-US" dirty="0" smtClean="0"/>
-            </a:br>
-            <a:r>
-              <a:rPr lang="en-US" dirty="0" smtClean="0"/>
-              <a:t>&lt;/style&gt;</a:t>
-            </a:r>
-            <a:br>
-              <a:rPr lang="en-US" dirty="0" smtClean="0"/>
-            </a:br>
-            <a:r>
-              <a:rPr lang="en-US" dirty="0" smtClean="0"/>
-              <a:t>&lt;/head&gt;</a:t>
-            </a:r>
-          </a:p>
-          <a:p>
-            <a:pPr lvl="1"/>
-            <a:r>
-              <a:rPr lang="en-US" dirty="0" smtClean="0"/>
-              <a:t>Inline</a:t>
-            </a:r>
-          </a:p>
-          <a:p>
-            <a:pPr lvl="2"/>
-            <a:r>
-              <a:rPr lang="en-US" dirty="0" smtClean="0"/>
-              <a:t>&lt;div style=“display: block;”&gt;&lt;/div&gt;</a:t>
-            </a:r>
-            <a:endParaRPr lang="en-US" dirty="0" smtClean="0"/>
-          </a:p>
-        </p:txBody>
-      </p:sp>
+              <a:t>http://www.sphere.bc.ca/test/sruniverse.html</a:t>
+            </a:r>
+            <a:endParaRPr lang="en-US" dirty="0"/>
+          </a:p>
+        </p:txBody>
+      </p:sp>
+      <p:pic>
+        <p:nvPicPr>
+          <p:cNvPr id="26627" name="Picture 3"/>
+          <p:cNvPicPr>
+            <a:picLocks noChangeAspect="1" noChangeArrowheads="1"/>
+          </p:cNvPicPr>
+          <p:nvPr/>
+        </p:nvPicPr>
+        <p:blipFill>
+          <a:blip r:embed="rId2" cstate="print"/>
+          <a:srcRect/>
+          <a:stretch>
+            <a:fillRect/>
+          </a:stretch>
+        </p:blipFill>
+        <p:spPr bwMode="auto">
+          <a:xfrm>
+            <a:off x="1820007" y="1860015"/>
+            <a:ext cx="6901962" cy="4322055"/>
+          </a:xfrm>
+          <a:prstGeom prst="rect">
+            <a:avLst/>
+          </a:prstGeom>
+          <a:noFill/>
+          <a:ln w="38100">
+            <a:solidFill>
+              <a:schemeClr val="tx1"/>
+            </a:solidFill>
+            <a:miter lim="800000"/>
+            <a:headEnd/>
+            <a:tailEnd/>
+          </a:ln>
+        </p:spPr>
+      </p:pic>
     </p:spTree>
-    <p:extLst>
-      <p:ext uri="{BB962C8B-B14F-4D97-AF65-F5344CB8AC3E}">
-        <p14:creationId xmlns:p14="http://schemas.microsoft.com/office/powerpoint/2010/main" xmlns="" val="1182900409"/>
-      </p:ext>
-    </p:extLst>
   </p:cSld>
   <p:clrMapOvr>
     <a:masterClrMapping/>
   </p:clrMapOvr>
-  <p:timing>
-    <p:tnLst>
-      <p:par>
-        <p:cTn id="1" dur="indefinite" restart="never" nodeType="tmRoot"/>
-      </p:par>
-    </p:tnLst>
-  </p:timing>
 </p:sld>
 </file>
 
@@ -6869,11 +7042,7 @@
           <a:bodyPr/>
           <a:lstStyle/>
           <a:p>
-            <a:r>
-              <a:rPr lang="en-US" dirty="0" smtClean="0"/>
-              <a:t>Basics (2 of 3)</a:t>
-            </a:r>
-            <a:endParaRPr lang="en-US" dirty="0"/>
+            <a:endParaRPr lang="en-US"/>
           </a:p>
         </p:txBody>
       </p:sp>
@@ -6894,145 +7063,95 @@
           <a:p>
             <a:r>
               <a:rPr lang="en-US" dirty="0" smtClean="0"/>
-              <a:t>Selectors</a:t>
-            </a:r>
-          </a:p>
-          <a:p>
-            <a:pPr lvl="1"/>
-            <a:r>
-              <a:rPr lang="en-US" dirty="0" smtClean="0"/>
-              <a:t>General - &lt;div&gt;</a:t>
-            </a:r>
-          </a:p>
-          <a:p>
-            <a:pPr lvl="2"/>
-            <a:r>
-              <a:rPr lang="en-US" dirty="0" smtClean="0"/>
-              <a:t>d</a:t>
-            </a:r>
-            <a:r>
-              <a:rPr lang="en-US" dirty="0" smtClean="0"/>
-              <a:t>iv { }</a:t>
-            </a:r>
-          </a:p>
-          <a:p>
-            <a:pPr lvl="1"/>
-            <a:r>
-              <a:rPr lang="en-US" dirty="0" smtClean="0"/>
-              <a:t>Class - </a:t>
-            </a:r>
-            <a:r>
-              <a:rPr lang="en-US" dirty="0" smtClean="0"/>
-              <a:t>&lt;div class=“</a:t>
-            </a:r>
-            <a:r>
-              <a:rPr lang="en-US" dirty="0" err="1" smtClean="0"/>
-              <a:t>myClass</a:t>
-            </a:r>
-            <a:r>
-              <a:rPr lang="en-US" dirty="0" smtClean="0"/>
-              <a:t>”&gt;&lt;/div&gt;</a:t>
-            </a:r>
-          </a:p>
-          <a:p>
-            <a:pPr lvl="2"/>
-            <a:r>
-              <a:rPr lang="en-US" dirty="0" smtClean="0"/>
-              <a:t>.</a:t>
-            </a:r>
-            <a:r>
-              <a:rPr lang="en-US" dirty="0" err="1" smtClean="0"/>
-              <a:t>myClass</a:t>
-            </a:r>
-            <a:r>
-              <a:rPr lang="en-US" dirty="0" smtClean="0"/>
-              <a:t> { }</a:t>
-            </a:r>
-          </a:p>
-          <a:p>
-            <a:pPr lvl="1"/>
-            <a:r>
-              <a:rPr lang="en-US" dirty="0" smtClean="0"/>
-              <a:t>ID - &lt;div id=“</a:t>
-            </a:r>
-            <a:r>
-              <a:rPr lang="en-US" dirty="0" err="1" smtClean="0"/>
-              <a:t>myID</a:t>
-            </a:r>
-            <a:r>
-              <a:rPr lang="en-US" dirty="0" smtClean="0"/>
-              <a:t>”&gt;&lt;/div&gt;</a:t>
-            </a:r>
-          </a:p>
-          <a:p>
-            <a:pPr lvl="2"/>
-            <a:r>
-              <a:rPr lang="en-US" dirty="0" smtClean="0"/>
-              <a:t>#</a:t>
-            </a:r>
-            <a:r>
-              <a:rPr lang="en-US" dirty="0" err="1" smtClean="0"/>
-              <a:t>myID</a:t>
-            </a:r>
-            <a:r>
-              <a:rPr lang="en-US" dirty="0" smtClean="0"/>
-              <a:t> { }</a:t>
-            </a:r>
-          </a:p>
-          <a:p>
-            <a:r>
-              <a:rPr lang="en-US" dirty="0" smtClean="0"/>
-              <a:t>Media Queries</a:t>
-            </a:r>
-          </a:p>
-          <a:p>
-            <a:pPr lvl="1"/>
-            <a:r>
-              <a:rPr lang="en-US" dirty="0" smtClean="0"/>
-              <a:t>Screen Size</a:t>
-            </a:r>
-          </a:p>
-          <a:p>
-            <a:pPr lvl="2"/>
-            <a:r>
-              <a:rPr lang="en-US" dirty="0" smtClean="0"/>
-              <a:t>@media screen and (min-width: 979px) { }</a:t>
-            </a:r>
-          </a:p>
-          <a:p>
-            <a:pPr lvl="1"/>
-            <a:r>
-              <a:rPr lang="en-US" dirty="0" smtClean="0"/>
-              <a:t>Print view</a:t>
-            </a:r>
-          </a:p>
-          <a:p>
-            <a:pPr lvl="2"/>
-            <a:r>
-              <a:rPr lang="en-US" dirty="0" smtClean="0"/>
-              <a:t>@media print { }</a:t>
-            </a:r>
+              <a:t>https://www.dropbox.com</a:t>
+            </a:r>
+            <a:r>
+              <a:rPr lang="en-US" dirty="0" smtClean="0"/>
+              <a:t>/</a:t>
+            </a:r>
+            <a:br>
+              <a:rPr lang="en-US" dirty="0" smtClean="0"/>
+            </a:br>
             <a:endParaRPr lang="en-US" dirty="0" smtClean="0"/>
           </a:p>
-        </p:txBody>
-      </p:sp>
+          <a:p>
+            <a:endParaRPr lang="en-US" dirty="0" smtClean="0"/>
+          </a:p>
+          <a:p>
+            <a:endParaRPr lang="en-US" dirty="0" smtClean="0"/>
+          </a:p>
+          <a:p>
+            <a:endParaRPr lang="en-US" dirty="0" smtClean="0"/>
+          </a:p>
+          <a:p>
+            <a:endParaRPr lang="en-US" dirty="0" smtClean="0"/>
+          </a:p>
+          <a:p>
+            <a:endParaRPr lang="en-US" dirty="0" smtClean="0"/>
+          </a:p>
+          <a:p>
+            <a:endParaRPr lang="en-US" dirty="0" smtClean="0"/>
+          </a:p>
+          <a:p>
+            <a:endParaRPr lang="en-US" dirty="0" smtClean="0"/>
+          </a:p>
+          <a:p>
+            <a:endParaRPr lang="en-US" dirty="0" smtClean="0"/>
+          </a:p>
+          <a:p>
+            <a:endParaRPr lang="en-US" dirty="0" smtClean="0"/>
+          </a:p>
+          <a:p>
+            <a:endParaRPr lang="en-US" dirty="0" smtClean="0"/>
+          </a:p>
+          <a:p>
+            <a:r>
+              <a:rPr lang="en-US" dirty="0" smtClean="0"/>
+              <a:t>https://4rsmokehouse.com/</a:t>
+            </a:r>
+            <a:endParaRPr lang="en-US" dirty="0"/>
+          </a:p>
+        </p:txBody>
+      </p:sp>
+      <p:pic>
+        <p:nvPicPr>
+          <p:cNvPr id="27650" name="Picture 2"/>
+          <p:cNvPicPr>
+            <a:picLocks noChangeAspect="1" noChangeArrowheads="1"/>
+          </p:cNvPicPr>
+          <p:nvPr/>
+        </p:nvPicPr>
+        <p:blipFill>
+          <a:blip r:embed="rId2" cstate="print"/>
+          <a:srcRect/>
+          <a:stretch>
+            <a:fillRect/>
+          </a:stretch>
+        </p:blipFill>
+        <p:spPr bwMode="auto">
+          <a:xfrm>
+            <a:off x="1835768" y="1785669"/>
+            <a:ext cx="6661251" cy="4129884"/>
+          </a:xfrm>
+          <a:prstGeom prst="rect">
+            <a:avLst/>
+          </a:prstGeom>
+          <a:noFill/>
+          <a:ln w="38100">
+            <a:solidFill>
+              <a:schemeClr val="tx1"/>
+            </a:solidFill>
+            <a:miter lim="800000"/>
+            <a:headEnd/>
+            <a:tailEnd/>
+          </a:ln>
+        </p:spPr>
+      </p:pic>
     </p:spTree>
-    <p:extLst>
-      <p:ext uri="{BB962C8B-B14F-4D97-AF65-F5344CB8AC3E}">
-        <p14:creationId xmlns:p14="http://schemas.microsoft.com/office/powerpoint/2010/main" xmlns="" val="2736868352"/>
-      </p:ext>
-    </p:extLst>
   </p:cSld>
   <p:clrMapOvr>
     <a:masterClrMapping/>
   </p:clrMapOvr>
-  <p:timing>
-    <p:tnLst>
-      <p:par>
-        <p:cTn id="1" dur="indefinite" restart="never" nodeType="tmRoot"/>
-      </p:par>
-    </p:tnLst>
-  </p:timing>
 </p:sld>
 </file>
 
@@ -7070,7 +7189,7 @@
           <a:p>
             <a:r>
               <a:rPr lang="en-US" dirty="0" smtClean="0"/>
-              <a:t>Basics (3 of 3)</a:t>
+              <a:t>Basics (1 of 3)</a:t>
             </a:r>
             <a:endParaRPr lang="en-US" dirty="0"/>
           </a:p>
@@ -7093,11 +7212,140 @@
           <a:p>
             <a:r>
               <a:rPr lang="en-US" dirty="0" smtClean="0"/>
-              <a:t>Event CSS</a:t>
+              <a:t>Calling CSS</a:t>
             </a:r>
           </a:p>
           <a:p>
             <a:pPr lvl="1"/>
+            <a:r>
+              <a:rPr lang="en-US" dirty="0" smtClean="0"/>
+              <a:t>External File</a:t>
+            </a:r>
+          </a:p>
+          <a:p>
+            <a:pPr lvl="2"/>
+            <a:r>
+              <a:rPr lang="en-US" dirty="0" smtClean="0"/>
+              <a:t>&lt;head&gt;</a:t>
+            </a:r>
+            <a:br>
+              <a:rPr lang="en-US" dirty="0" smtClean="0"/>
+            </a:br>
+            <a:r>
+              <a:rPr lang="en-US" dirty="0" smtClean="0"/>
+              <a:t>&lt;link </a:t>
+            </a:r>
+            <a:r>
+              <a:rPr lang="en-US" dirty="0" err="1" smtClean="0"/>
+              <a:t>rel</a:t>
+            </a:r>
+            <a:r>
+              <a:rPr lang="en-US" dirty="0" smtClean="0"/>
+              <a:t>="</a:t>
+            </a:r>
+            <a:r>
+              <a:rPr lang="en-US" dirty="0" err="1" smtClean="0"/>
+              <a:t>stylesheet</a:t>
+            </a:r>
+            <a:r>
+              <a:rPr lang="en-US" dirty="0" smtClean="0"/>
+              <a:t>" type="text/</a:t>
+            </a:r>
+            <a:r>
+              <a:rPr lang="en-US" dirty="0" err="1" smtClean="0"/>
+              <a:t>css</a:t>
+            </a:r>
+            <a:r>
+              <a:rPr lang="en-US" dirty="0" smtClean="0"/>
+              <a:t>" </a:t>
+            </a:r>
+            <a:r>
+              <a:rPr lang="en-US" dirty="0" err="1" smtClean="0"/>
+              <a:t>href</a:t>
+            </a:r>
+            <a:r>
+              <a:rPr lang="en-US" dirty="0" smtClean="0"/>
+              <a:t>=“style.css</a:t>
+            </a:r>
+            <a:r>
+              <a:rPr lang="en-US" dirty="0" smtClean="0"/>
+              <a:t>"&gt;</a:t>
+            </a:r>
+            <a:br>
+              <a:rPr lang="en-US" dirty="0" smtClean="0"/>
+            </a:br>
+            <a:r>
+              <a:rPr lang="en-US" dirty="0" smtClean="0"/>
+              <a:t>&lt;/head</a:t>
+            </a:r>
+            <a:r>
+              <a:rPr lang="en-US" dirty="0" smtClean="0"/>
+              <a:t>&gt;</a:t>
+            </a:r>
+          </a:p>
+          <a:p>
+            <a:pPr lvl="1"/>
+            <a:r>
+              <a:rPr lang="en-US" dirty="0" smtClean="0"/>
+              <a:t>Internal</a:t>
+            </a:r>
+          </a:p>
+          <a:p>
+            <a:pPr lvl="2"/>
+            <a:r>
+              <a:rPr lang="en-US" dirty="0" smtClean="0"/>
+              <a:t>&lt;head&gt;</a:t>
+            </a:r>
+            <a:br>
+              <a:rPr lang="en-US" dirty="0" smtClean="0"/>
+            </a:br>
+            <a:r>
+              <a:rPr lang="en-US" dirty="0" smtClean="0"/>
+              <a:t>&lt;style&gt;</a:t>
+            </a:r>
+            <a:br>
+              <a:rPr lang="en-US" dirty="0" smtClean="0"/>
+            </a:br>
+            <a:r>
+              <a:rPr lang="en-US" dirty="0" smtClean="0"/>
+              <a:t>	.</a:t>
+            </a:r>
+            <a:r>
+              <a:rPr lang="en-US" dirty="0" err="1" smtClean="0"/>
+              <a:t>classname</a:t>
+            </a:r>
+            <a:r>
+              <a:rPr lang="en-US" dirty="0" smtClean="0"/>
+              <a:t> { }</a:t>
+            </a:r>
+            <a:br>
+              <a:rPr lang="en-US" dirty="0" smtClean="0"/>
+            </a:br>
+            <a:r>
+              <a:rPr lang="en-US" dirty="0" smtClean="0"/>
+              <a:t>&lt;/style&gt;</a:t>
+            </a:r>
+            <a:br>
+              <a:rPr lang="en-US" dirty="0" smtClean="0"/>
+            </a:br>
+            <a:r>
+              <a:rPr lang="en-US" dirty="0" smtClean="0"/>
+              <a:t>&lt;/head&gt;</a:t>
+            </a:r>
+          </a:p>
+          <a:p>
+            <a:pPr lvl="1"/>
+            <a:r>
+              <a:rPr lang="en-US" dirty="0" smtClean="0"/>
+              <a:t>Inline</a:t>
+            </a:r>
+          </a:p>
+          <a:p>
+            <a:pPr lvl="2"/>
+            <a:r>
+              <a:rPr lang="en-US" dirty="0" smtClean="0"/>
+              <a:t>&lt;div style=“display: block;”&gt;&lt;/div&gt;</a:t>
+            </a:r>
             <a:endParaRPr lang="en-US" dirty="0" smtClean="0"/>
           </a:p>
         </p:txBody>
@@ -7105,7 +7353,7 @@
     </p:spTree>
     <p:extLst>
       <p:ext uri="{BB962C8B-B14F-4D97-AF65-F5344CB8AC3E}">
-        <p14:creationId xmlns:p14="http://schemas.microsoft.com/office/powerpoint/2010/main" xmlns="" val="2736868352"/>
+        <p14:creationId xmlns:p14="http://schemas.microsoft.com/office/powerpoint/2010/main" xmlns="" val="1182900409"/>
       </p:ext>
     </p:extLst>
   </p:cSld>

--- a/Extended Campuses/EC CSS HTML Presentation.pptx
+++ b/Extended Campuses/EC CSS HTML Presentation.pptx
@@ -5,24 +5,25 @@
     <p:sldMasterId id="2147483648" r:id="rId1"/>
   </p:sldMasterIdLst>
   <p:notesMasterIdLst>
-    <p:notesMasterId r:id="rId14"/>
+    <p:notesMasterId r:id="rId15"/>
   </p:notesMasterIdLst>
   <p:handoutMasterIdLst>
-    <p:handoutMasterId r:id="rId15"/>
+    <p:handoutMasterId r:id="rId16"/>
   </p:handoutMasterIdLst>
   <p:sldIdLst>
     <p:sldId id="586" r:id="rId2"/>
-    <p:sldId id="587" r:id="rId3"/>
-    <p:sldId id="595" r:id="rId4"/>
-    <p:sldId id="593" r:id="rId5"/>
-    <p:sldId id="597" r:id="rId6"/>
-    <p:sldId id="594" r:id="rId7"/>
-    <p:sldId id="600" r:id="rId8"/>
-    <p:sldId id="601" r:id="rId9"/>
-    <p:sldId id="596" r:id="rId10"/>
-    <p:sldId id="598" r:id="rId11"/>
-    <p:sldId id="599" r:id="rId12"/>
-    <p:sldId id="589" r:id="rId13"/>
+    <p:sldId id="603" r:id="rId3"/>
+    <p:sldId id="587" r:id="rId4"/>
+    <p:sldId id="595" r:id="rId5"/>
+    <p:sldId id="593" r:id="rId6"/>
+    <p:sldId id="597" r:id="rId7"/>
+    <p:sldId id="594" r:id="rId8"/>
+    <p:sldId id="602" r:id="rId9"/>
+    <p:sldId id="604" r:id="rId10"/>
+    <p:sldId id="596" r:id="rId11"/>
+    <p:sldId id="598" r:id="rId12"/>
+    <p:sldId id="599" r:id="rId13"/>
+    <p:sldId id="589" r:id="rId14"/>
   </p:sldIdLst>
   <p:sldSz cx="9144000" cy="6858000" type="screen4x3"/>
   <p:notesSz cx="7010400" cy="9296400"/>
@@ -153,7 +154,7 @@
   </p:defaultTextStyle>
   <p:extLst>
     <p:ext uri="{EFAFB233-063F-42B5-8137-9DF3F51BA10A}">
-      <p15:sldGuideLst xmlns:p15="http://schemas.microsoft.com/office/powerpoint/2012/main" xmlns="">
+      <p15:sldGuideLst xmlns:p15="http://schemas.microsoft.com/office/powerpoint/2012/main">
         <p15:guide id="1" orient="horz" pos="2160">
           <p15:clr>
             <a:srgbClr val="A4A3A4"/>
@@ -409,7 +410,7 @@
     </p:spTree>
     <p:extLst>
       <p:ext uri="{BB962C8B-B14F-4D97-AF65-F5344CB8AC3E}">
-        <p14:creationId xmlns:p14="http://schemas.microsoft.com/office/powerpoint/2010/main" xmlns="" val="1000645787"/>
+        <p14:creationId xmlns:p14="http://schemas.microsoft.com/office/powerpoint/2010/main" val="1000645787"/>
       </p:ext>
     </p:extLst>
   </p:cSld>
@@ -756,7 +757,7 @@
     </p:spTree>
     <p:extLst>
       <p:ext uri="{BB962C8B-B14F-4D97-AF65-F5344CB8AC3E}">
-        <p14:creationId xmlns:p14="http://schemas.microsoft.com/office/powerpoint/2010/main" xmlns="" val="2675668869"/>
+        <p14:creationId xmlns:p14="http://schemas.microsoft.com/office/powerpoint/2010/main" val="2675668869"/>
       </p:ext>
     </p:extLst>
   </p:cSld>
@@ -1063,7 +1064,7 @@
           <a:blip r:embed="rId2" cstate="print">
             <a:extLst>
               <a:ext uri="{28A0092B-C50C-407E-A947-70E740481C1C}">
-                <a14:useLocalDpi xmlns:a14="http://schemas.microsoft.com/office/drawing/2010/main" xmlns="" val="0"/>
+                <a14:useLocalDpi xmlns:a14="http://schemas.microsoft.com/office/drawing/2010/main" val="0"/>
               </a:ext>
             </a:extLst>
           </a:blip>
@@ -1616,7 +1617,7 @@
     </p:spTree>
     <p:extLst>
       <p:ext uri="{BB962C8B-B14F-4D97-AF65-F5344CB8AC3E}">
-        <p14:creationId xmlns:p14="http://schemas.microsoft.com/office/powerpoint/2010/main" xmlns="" val="2714295850"/>
+        <p14:creationId xmlns:p14="http://schemas.microsoft.com/office/powerpoint/2010/main" val="2714295850"/>
       </p:ext>
     </p:extLst>
   </p:cSld>
@@ -1844,7 +1845,7 @@
           <a:blip r:embed="rId2" cstate="print">
             <a:extLst>
               <a:ext uri="{28A0092B-C50C-407E-A947-70E740481C1C}">
-                <a14:useLocalDpi xmlns:a14="http://schemas.microsoft.com/office/drawing/2010/main" xmlns="" val="0"/>
+                <a14:useLocalDpi xmlns:a14="http://schemas.microsoft.com/office/drawing/2010/main" val="0"/>
               </a:ext>
             </a:extLst>
           </a:blip>
@@ -1994,7 +1995,7 @@
           <a:blip r:embed="rId2" cstate="print">
             <a:extLst>
               <a:ext uri="{28A0092B-C50C-407E-A947-70E740481C1C}">
-                <a14:useLocalDpi xmlns:a14="http://schemas.microsoft.com/office/drawing/2010/main" xmlns="" val="0"/>
+                <a14:useLocalDpi xmlns:a14="http://schemas.microsoft.com/office/drawing/2010/main" val="0"/>
               </a:ext>
             </a:extLst>
           </a:blip>
@@ -2635,7 +2636,7 @@
           <a:blip r:embed="rId2" cstate="print">
             <a:extLst>
               <a:ext uri="{28A0092B-C50C-407E-A947-70E740481C1C}">
-                <a14:useLocalDpi xmlns:a14="http://schemas.microsoft.com/office/drawing/2010/main" xmlns="" val="0"/>
+                <a14:useLocalDpi xmlns:a14="http://schemas.microsoft.com/office/drawing/2010/main" val="0"/>
               </a:ext>
             </a:extLst>
           </a:blip>
@@ -3030,7 +3031,7 @@
     </p:spTree>
     <p:extLst>
       <p:ext uri="{BB962C8B-B14F-4D97-AF65-F5344CB8AC3E}">
-        <p14:creationId xmlns:p14="http://schemas.microsoft.com/office/powerpoint/2010/main" xmlns="" val="728163518"/>
+        <p14:creationId xmlns:p14="http://schemas.microsoft.com/office/powerpoint/2010/main" val="728163518"/>
       </p:ext>
     </p:extLst>
   </p:cSld>
@@ -5733,15 +5734,7 @@
           <a:p>
             <a:r>
               <a:rPr lang="en-US" dirty="0" smtClean="0"/>
-              <a:t>CSS </a:t>
-            </a:r>
-            <a:r>
-              <a:rPr lang="en-US" dirty="0" smtClean="0"/>
-              <a:t>and DESIGN </a:t>
-            </a:r>
-            <a:r>
-              <a:rPr lang="en-US" dirty="0" smtClean="0"/>
-              <a:t>– guide to basics</a:t>
+              <a:t>CSS and DESIGN – guide to basics</a:t>
             </a:r>
             <a:endParaRPr lang="en-US" dirty="0"/>
           </a:p>
@@ -5854,7 +5847,7 @@
           <a:p>
             <a:r>
               <a:rPr lang="en-US" dirty="0" smtClean="0"/>
-              <a:t>Basics (2 of 3)</a:t>
+              <a:t>Basics (1 of 3)</a:t>
             </a:r>
             <a:endParaRPr lang="en-US" dirty="0"/>
           </a:p>
@@ -5877,132 +5870,139 @@
           <a:p>
             <a:r>
               <a:rPr lang="en-US" dirty="0" smtClean="0"/>
-              <a:t>Selectors</a:t>
+              <a:t>Calling CSS</a:t>
             </a:r>
           </a:p>
           <a:p>
             <a:pPr lvl="1"/>
             <a:r>
               <a:rPr lang="en-US" dirty="0" smtClean="0"/>
-              <a:t>General - &lt;div&gt;</a:t>
+              <a:t>External File</a:t>
             </a:r>
           </a:p>
           <a:p>
             <a:pPr lvl="2"/>
             <a:r>
               <a:rPr lang="en-US" dirty="0" smtClean="0"/>
-              <a:t>d</a:t>
-            </a:r>
-            <a:r>
-              <a:rPr lang="en-US" dirty="0" smtClean="0"/>
-              <a:t>iv { }</a:t>
+              <a:t>&lt;head&gt;</a:t>
+            </a:r>
+            <a:br>
+              <a:rPr lang="en-US" dirty="0" smtClean="0"/>
+            </a:br>
+            <a:r>
+              <a:rPr lang="en-US" dirty="0" smtClean="0"/>
+              <a:t>&lt;link </a:t>
+            </a:r>
+            <a:r>
+              <a:rPr lang="en-US" dirty="0" err="1" smtClean="0"/>
+              <a:t>rel</a:t>
+            </a:r>
+            <a:r>
+              <a:rPr lang="en-US" dirty="0" smtClean="0"/>
+              <a:t>="</a:t>
+            </a:r>
+            <a:r>
+              <a:rPr lang="en-US" dirty="0" err="1" smtClean="0"/>
+              <a:t>stylesheet</a:t>
+            </a:r>
+            <a:r>
+              <a:rPr lang="en-US" dirty="0" smtClean="0"/>
+              <a:t>" type="text/</a:t>
+            </a:r>
+            <a:r>
+              <a:rPr lang="en-US" dirty="0" err="1" smtClean="0"/>
+              <a:t>css</a:t>
+            </a:r>
+            <a:r>
+              <a:rPr lang="en-US" dirty="0" smtClean="0"/>
+              <a:t>" </a:t>
+            </a:r>
+            <a:r>
+              <a:rPr lang="en-US" dirty="0" err="1" smtClean="0"/>
+              <a:t>href</a:t>
+            </a:r>
+            <a:r>
+              <a:rPr lang="en-US" dirty="0" smtClean="0"/>
+              <a:t>=“style.css"&gt;</a:t>
+            </a:r>
+            <a:br>
+              <a:rPr lang="en-US" dirty="0" smtClean="0"/>
+            </a:br>
+            <a:r>
+              <a:rPr lang="en-US" dirty="0" smtClean="0"/>
+              <a:t>&lt;/head&gt;</a:t>
             </a:r>
           </a:p>
           <a:p>
             <a:pPr lvl="1"/>
             <a:r>
               <a:rPr lang="en-US" dirty="0" smtClean="0"/>
-              <a:t>Class - </a:t>
-            </a:r>
-            <a:r>
-              <a:rPr lang="en-US" dirty="0" smtClean="0"/>
-              <a:t>&lt;div class=“</a:t>
+              <a:t>Internal</a:t>
+            </a:r>
+          </a:p>
+          <a:p>
+            <a:pPr lvl="2"/>
+            <a:r>
+              <a:rPr lang="en-US" dirty="0" smtClean="0"/>
+              <a:t>&lt;head&gt;</a:t>
+            </a:r>
+            <a:br>
+              <a:rPr lang="en-US" dirty="0" smtClean="0"/>
+            </a:br>
+            <a:r>
+              <a:rPr lang="en-US" dirty="0" smtClean="0"/>
+              <a:t>&lt;style&gt;</a:t>
+            </a:r>
+            <a:br>
+              <a:rPr lang="en-US" dirty="0" smtClean="0"/>
+            </a:br>
+            <a:r>
+              <a:rPr lang="en-US" dirty="0" smtClean="0"/>
+              <a:t>	.</a:t>
             </a:r>
             <a:r>
               <a:rPr lang="en-US" dirty="0" err="1" smtClean="0"/>
-              <a:t>myClass</a:t>
-            </a:r>
-            <a:r>
-              <a:rPr lang="en-US" dirty="0" smtClean="0"/>
-              <a:t>”&gt;&lt;/div&gt;</a:t>
+              <a:t>classname</a:t>
+            </a:r>
+            <a:r>
+              <a:rPr lang="en-US" dirty="0" smtClean="0"/>
+              <a:t> { }</a:t>
+            </a:r>
+            <a:br>
+              <a:rPr lang="en-US" dirty="0" smtClean="0"/>
+            </a:br>
+            <a:r>
+              <a:rPr lang="en-US" dirty="0" smtClean="0"/>
+              <a:t>&lt;/style&gt;</a:t>
+            </a:r>
+            <a:br>
+              <a:rPr lang="en-US" dirty="0" smtClean="0"/>
+            </a:br>
+            <a:r>
+              <a:rPr lang="en-US" dirty="0" smtClean="0"/>
+              <a:t>&lt;/head&gt;</a:t>
+            </a:r>
+          </a:p>
+          <a:p>
+            <a:pPr lvl="1"/>
+            <a:r>
+              <a:rPr lang="en-US" dirty="0" smtClean="0"/>
+              <a:t>Inline</a:t>
             </a:r>
           </a:p>
           <a:p>
             <a:pPr lvl="2"/>
             <a:r>
               <a:rPr lang="en-US" dirty="0" smtClean="0"/>
-              <a:t>.</a:t>
-            </a:r>
-            <a:r>
-              <a:rPr lang="en-US" dirty="0" err="1" smtClean="0"/>
-              <a:t>myClass</a:t>
-            </a:r>
-            <a:r>
-              <a:rPr lang="en-US" dirty="0" smtClean="0"/>
-              <a:t> { }</a:t>
-            </a:r>
-          </a:p>
-          <a:p>
-            <a:pPr lvl="1"/>
-            <a:r>
-              <a:rPr lang="en-US" dirty="0" smtClean="0"/>
-              <a:t>ID - &lt;div id=“</a:t>
-            </a:r>
-            <a:r>
-              <a:rPr lang="en-US" dirty="0" err="1" smtClean="0"/>
-              <a:t>myID</a:t>
-            </a:r>
-            <a:r>
-              <a:rPr lang="en-US" dirty="0" smtClean="0"/>
-              <a:t>”&gt;&lt;/div&gt;</a:t>
-            </a:r>
-          </a:p>
-          <a:p>
-            <a:pPr lvl="2"/>
-            <a:r>
-              <a:rPr lang="en-US" dirty="0" smtClean="0"/>
-              <a:t>#</a:t>
-            </a:r>
-            <a:r>
-              <a:rPr lang="en-US" dirty="0" err="1" smtClean="0"/>
-              <a:t>myID</a:t>
-            </a:r>
-            <a:r>
-              <a:rPr lang="en-US" dirty="0" smtClean="0"/>
-              <a:t> { }</a:t>
-            </a:r>
-          </a:p>
-          <a:p>
-            <a:r>
-              <a:rPr lang="en-US" dirty="0" smtClean="0"/>
-              <a:t>Media Queries</a:t>
-            </a:r>
-          </a:p>
-          <a:p>
-            <a:pPr lvl="1"/>
-            <a:r>
-              <a:rPr lang="en-US" dirty="0" smtClean="0"/>
-              <a:t>Screen Size</a:t>
-            </a:r>
-          </a:p>
-          <a:p>
-            <a:pPr lvl="2"/>
-            <a:r>
-              <a:rPr lang="en-US" dirty="0" smtClean="0"/>
-              <a:t>@media screen and (min-width: 979px) { }</a:t>
-            </a:r>
-          </a:p>
-          <a:p>
-            <a:pPr lvl="1"/>
-            <a:r>
-              <a:rPr lang="en-US" dirty="0" smtClean="0"/>
-              <a:t>Print view</a:t>
-            </a:r>
-          </a:p>
-          <a:p>
-            <a:pPr lvl="2"/>
-            <a:r>
-              <a:rPr lang="en-US" dirty="0" smtClean="0"/>
-              <a:t>@media print { }</a:t>
-            </a:r>
-            <a:endParaRPr lang="en-US" dirty="0" smtClean="0"/>
+              <a:t>&lt;div style=“display: block;”&gt;&lt;/div&gt;</a:t>
+            </a:r>
           </a:p>
         </p:txBody>
       </p:sp>
     </p:spTree>
     <p:extLst>
       <p:ext uri="{BB962C8B-B14F-4D97-AF65-F5344CB8AC3E}">
-        <p14:creationId xmlns:p14="http://schemas.microsoft.com/office/powerpoint/2010/main" xmlns="" val="2736868352"/>
+        <p14:creationId xmlns:p14="http://schemas.microsoft.com/office/powerpoint/2010/main" val="1182900409"/>
       </p:ext>
     </p:extLst>
   </p:cSld>
@@ -6053,7 +6053,7 @@
           <a:p>
             <a:r>
               <a:rPr lang="en-US" dirty="0" smtClean="0"/>
-              <a:t>Basics (3 of 3)</a:t>
+              <a:t>Basics (2 of 3)</a:t>
             </a:r>
             <a:endParaRPr lang="en-US" dirty="0"/>
           </a:p>
@@ -6076,19 +6076,123 @@
           <a:p>
             <a:r>
               <a:rPr lang="en-US" dirty="0" smtClean="0"/>
-              <a:t>Event CSS</a:t>
+              <a:t>Selectors</a:t>
             </a:r>
           </a:p>
           <a:p>
             <a:pPr lvl="1"/>
-            <a:endParaRPr lang="en-US" dirty="0" smtClean="0"/>
+            <a:r>
+              <a:rPr lang="en-US" dirty="0" smtClean="0"/>
+              <a:t>General - &lt;div&gt;</a:t>
+            </a:r>
+          </a:p>
+          <a:p>
+            <a:pPr lvl="2"/>
+            <a:r>
+              <a:rPr lang="en-US" dirty="0" smtClean="0"/>
+              <a:t>div { }</a:t>
+            </a:r>
+          </a:p>
+          <a:p>
+            <a:pPr lvl="1"/>
+            <a:r>
+              <a:rPr lang="en-US" dirty="0" smtClean="0"/>
+              <a:t>Class - &lt;div class=“</a:t>
+            </a:r>
+            <a:r>
+              <a:rPr lang="en-US" dirty="0" err="1" smtClean="0"/>
+              <a:t>myClass</a:t>
+            </a:r>
+            <a:r>
+              <a:rPr lang="en-US" dirty="0" smtClean="0"/>
+              <a:t>”&gt;&lt;/div&gt;</a:t>
+            </a:r>
+          </a:p>
+          <a:p>
+            <a:pPr lvl="2"/>
+            <a:r>
+              <a:rPr lang="en-US" dirty="0" smtClean="0"/>
+              <a:t>.</a:t>
+            </a:r>
+            <a:r>
+              <a:rPr lang="en-US" dirty="0" err="1" smtClean="0"/>
+              <a:t>myClass</a:t>
+            </a:r>
+            <a:r>
+              <a:rPr lang="en-US" dirty="0" smtClean="0"/>
+              <a:t> { }</a:t>
+            </a:r>
+          </a:p>
+          <a:p>
+            <a:pPr lvl="1"/>
+            <a:r>
+              <a:rPr lang="en-US" dirty="0" smtClean="0"/>
+              <a:t>ID - &lt;div id=“</a:t>
+            </a:r>
+            <a:r>
+              <a:rPr lang="en-US" dirty="0" err="1" smtClean="0"/>
+              <a:t>myID</a:t>
+            </a:r>
+            <a:r>
+              <a:rPr lang="en-US" dirty="0" smtClean="0"/>
+              <a:t>”&gt;&lt;/div&gt;</a:t>
+            </a:r>
+          </a:p>
+          <a:p>
+            <a:pPr lvl="2"/>
+            <a:r>
+              <a:rPr lang="en-US" dirty="0" smtClean="0"/>
+              <a:t>#</a:t>
+            </a:r>
+            <a:r>
+              <a:rPr lang="en-US" dirty="0" err="1" smtClean="0"/>
+              <a:t>myID</a:t>
+            </a:r>
+            <a:r>
+              <a:rPr lang="en-US" dirty="0" smtClean="0"/>
+              <a:t> { }</a:t>
+            </a:r>
+          </a:p>
+          <a:p>
+            <a:r>
+              <a:rPr lang="en-US" dirty="0" smtClean="0"/>
+              <a:t>Media Queries</a:t>
+            </a:r>
+          </a:p>
+          <a:p>
+            <a:pPr lvl="1"/>
+            <a:r>
+              <a:rPr lang="en-US" dirty="0" smtClean="0"/>
+              <a:t>Screen Size</a:t>
+            </a:r>
+          </a:p>
+          <a:p>
+            <a:pPr lvl="2"/>
+            <a:r>
+              <a:rPr lang="en-US" dirty="0" smtClean="0"/>
+              <a:t>@media screen and (min-width: 979px) { }</a:t>
+            </a:r>
+          </a:p>
+          <a:p>
+            <a:pPr lvl="1"/>
+            <a:r>
+              <a:rPr lang="en-US" dirty="0" smtClean="0"/>
+              <a:t>Print view</a:t>
+            </a:r>
+          </a:p>
+          <a:p>
+            <a:pPr lvl="2"/>
+            <a:r>
+              <a:rPr lang="en-US" dirty="0" smtClean="0"/>
+              <a:t>@media print { }</a:t>
+            </a:r>
           </a:p>
         </p:txBody>
       </p:sp>
     </p:spTree>
     <p:extLst>
       <p:ext uri="{BB962C8B-B14F-4D97-AF65-F5344CB8AC3E}">
-        <p14:creationId xmlns:p14="http://schemas.microsoft.com/office/powerpoint/2010/main" xmlns="" val="2736868352"/>
+        <p14:creationId xmlns:p14="http://schemas.microsoft.com/office/powerpoint/2010/main" val="2736868352"/>
       </p:ext>
     </p:extLst>
   </p:cSld>
@@ -6124,6 +6228,202 @@
       </p:grpSpPr>
       <p:sp>
         <p:nvSpPr>
+          <p:cNvPr id="2" name="Title 1"/>
+          <p:cNvSpPr>
+            <a:spLocks noGrp="1"/>
+          </p:cNvSpPr>
+          <p:nvPr>
+            <p:ph type="title"/>
+          </p:nvPr>
+        </p:nvSpPr>
+        <p:spPr/>
+        <p:txBody>
+          <a:bodyPr/>
+          <a:lstStyle/>
+          <a:p>
+            <a:r>
+              <a:rPr lang="en-US" dirty="0" smtClean="0"/>
+              <a:t>Basics (3 of 3)</a:t>
+            </a:r>
+            <a:endParaRPr lang="en-US" dirty="0"/>
+          </a:p>
+        </p:txBody>
+      </p:sp>
+      <p:sp>
+        <p:nvSpPr>
+          <p:cNvPr id="3" name="Content Placeholder 2"/>
+          <p:cNvSpPr>
+            <a:spLocks noGrp="1"/>
+          </p:cNvSpPr>
+          <p:nvPr>
+            <p:ph idx="1"/>
+          </p:nvPr>
+        </p:nvSpPr>
+        <p:spPr/>
+        <p:txBody>
+          <a:bodyPr/>
+          <a:lstStyle/>
+          <a:p>
+            <a:r>
+              <a:rPr lang="en-US" dirty="0" smtClean="0"/>
+              <a:t>Event </a:t>
+            </a:r>
+            <a:r>
+              <a:rPr lang="en-US" dirty="0" smtClean="0"/>
+              <a:t>CSS - .</a:t>
+            </a:r>
+            <a:r>
+              <a:rPr lang="en-US" dirty="0" err="1" smtClean="0"/>
+              <a:t>myClass</a:t>
+            </a:r>
+            <a:r>
+              <a:rPr lang="en-US" dirty="0" smtClean="0"/>
+              <a:t>:&lt;</a:t>
+            </a:r>
+            <a:r>
+              <a:rPr lang="en-US" dirty="0" err="1" smtClean="0"/>
+              <a:t>eventname</a:t>
+            </a:r>
+            <a:r>
+              <a:rPr lang="en-US" dirty="0" smtClean="0"/>
+              <a:t>&gt;</a:t>
+            </a:r>
+            <a:endParaRPr lang="en-US" dirty="0" smtClean="0"/>
+          </a:p>
+          <a:p>
+            <a:pPr lvl="1"/>
+            <a:r>
+              <a:rPr lang="en-US" dirty="0" smtClean="0"/>
+              <a:t>Hover </a:t>
+            </a:r>
+          </a:p>
+          <a:p>
+            <a:pPr lvl="1"/>
+            <a:r>
+              <a:rPr lang="en-US" dirty="0" smtClean="0"/>
+              <a:t>Active </a:t>
+            </a:r>
+          </a:p>
+          <a:p>
+            <a:pPr lvl="1"/>
+            <a:r>
+              <a:rPr lang="en-US" dirty="0" smtClean="0"/>
+              <a:t>Visited</a:t>
+            </a:r>
+          </a:p>
+          <a:p>
+            <a:pPr lvl="1"/>
+            <a:r>
+              <a:rPr lang="en-US" dirty="0" smtClean="0"/>
+              <a:t>Focus</a:t>
+            </a:r>
+          </a:p>
+          <a:p>
+            <a:r>
+              <a:rPr lang="en-US" dirty="0" smtClean="0"/>
+              <a:t>Attributes – Ex: &lt;a </a:t>
+            </a:r>
+            <a:r>
+              <a:rPr lang="en-US" dirty="0" err="1" smtClean="0"/>
+              <a:t>href</a:t>
+            </a:r>
+            <a:r>
+              <a:rPr lang="en-US" dirty="0" smtClean="0"/>
+              <a:t>=http://www.google.com&gt;</a:t>
+            </a:r>
+          </a:p>
+          <a:p>
+            <a:pPr lvl="1"/>
+            <a:r>
+              <a:rPr lang="en-US" dirty="0" smtClean="0"/>
+              <a:t>a[</a:t>
+            </a:r>
+            <a:r>
+              <a:rPr lang="en-US" dirty="0" err="1" smtClean="0"/>
+              <a:t>href</a:t>
+            </a:r>
+            <a:r>
+              <a:rPr lang="en-US" dirty="0" smtClean="0"/>
+              <a:t>]</a:t>
+            </a:r>
+          </a:p>
+          <a:p>
+            <a:pPr lvl="1"/>
+            <a:r>
+              <a:rPr lang="en-US" dirty="0" smtClean="0"/>
+              <a:t>a[</a:t>
+            </a:r>
+            <a:r>
+              <a:rPr lang="en-US" dirty="0" err="1" smtClean="0"/>
+              <a:t>href</a:t>
+            </a:r>
+            <a:r>
+              <a:rPr lang="en-US" dirty="0" smtClean="0"/>
+              <a:t>=http]</a:t>
+            </a:r>
+          </a:p>
+          <a:p>
+            <a:r>
+              <a:rPr lang="en-US" dirty="0" smtClean="0"/>
+              <a:t>Even More</a:t>
+            </a:r>
+          </a:p>
+          <a:p>
+            <a:pPr lvl="1"/>
+            <a:r>
+              <a:rPr lang="en-US" dirty="0"/>
+              <a:t>http://www.w3schools.com/cssref/css_selectors.asp</a:t>
+            </a:r>
+            <a:endParaRPr lang="en-US" dirty="0" smtClean="0"/>
+          </a:p>
+          <a:p>
+            <a:endParaRPr lang="en-US" dirty="0" smtClean="0"/>
+          </a:p>
+          <a:p>
+            <a:pPr lvl="1"/>
+            <a:endParaRPr lang="en-US" dirty="0" smtClean="0"/>
+          </a:p>
+        </p:txBody>
+      </p:sp>
+    </p:spTree>
+    <p:extLst>
+      <p:ext uri="{BB962C8B-B14F-4D97-AF65-F5344CB8AC3E}">
+        <p14:creationId xmlns:p14="http://schemas.microsoft.com/office/powerpoint/2010/main" val="2736868352"/>
+      </p:ext>
+    </p:extLst>
+  </p:cSld>
+  <p:clrMapOvr>
+    <a:masterClrMapping/>
+  </p:clrMapOvr>
+  <p:timing>
+    <p:tnLst>
+      <p:par>
+        <p:cTn id="1" dur="indefinite" restart="never" nodeType="tmRoot"/>
+      </p:par>
+    </p:tnLst>
+  </p:timing>
+</p:sld>
+</file>
+
+<file path=ppt/slides/slide13.xml><?xml version="1.0" encoding="utf-8"?>
+<p:sld xmlns:a="http://schemas.openxmlformats.org/drawingml/2006/main" xmlns:r="http://schemas.openxmlformats.org/officeDocument/2006/relationships" xmlns:p="http://schemas.openxmlformats.org/presentationml/2006/main">
+  <p:cSld>
+    <p:spTree>
+      <p:nvGrpSpPr>
+        <p:cNvPr id="1" name=""/>
+        <p:cNvGrpSpPr/>
+        <p:nvPr/>
+      </p:nvGrpSpPr>
+      <p:grpSpPr>
+        <a:xfrm>
+          <a:off x="0" y="0"/>
+          <a:ext cx="0" cy="0"/>
+          <a:chOff x="0" y="0"/>
+          <a:chExt cx="0" cy="0"/>
+        </a:xfrm>
+      </p:grpSpPr>
+      <p:sp>
+        <p:nvSpPr>
           <p:cNvPr id="2" name="TextBox 1"/>
           <p:cNvSpPr txBox="1"/>
           <p:nvPr/>
@@ -6164,7 +6464,7 @@
     </p:spTree>
     <p:extLst>
       <p:ext uri="{BB962C8B-B14F-4D97-AF65-F5344CB8AC3E}">
-        <p14:creationId xmlns:p14="http://schemas.microsoft.com/office/powerpoint/2010/main" xmlns="" val="1208765411"/>
+        <p14:creationId xmlns:p14="http://schemas.microsoft.com/office/powerpoint/2010/main" val="1208765411"/>
       </p:ext>
     </p:extLst>
   </p:cSld>
@@ -6215,7 +6515,7 @@
           <a:p>
             <a:r>
               <a:rPr lang="en-US" dirty="0" smtClean="0"/>
-              <a:t>Contents</a:t>
+              <a:t>Disclaimer</a:t>
             </a:r>
             <a:endParaRPr lang="en-US" dirty="0"/>
           </a:p>
@@ -6236,56 +6536,106 @@
           <a:bodyPr/>
           <a:lstStyle/>
           <a:p>
-            <a:r>
-              <a:rPr lang="en-US" dirty="0" smtClean="0"/>
-              <a:t>Why Learn the Basics?</a:t>
-            </a:r>
-          </a:p>
-          <a:p>
-            <a:r>
-              <a:rPr lang="en-US" dirty="0" smtClean="0"/>
-              <a:t>Resources</a:t>
-            </a:r>
-          </a:p>
-          <a:p>
-            <a:r>
-              <a:rPr lang="en-US" dirty="0" smtClean="0"/>
-              <a:t>Best Practices</a:t>
-            </a:r>
-            <a:endParaRPr lang="en-US" u="sng" dirty="0" smtClean="0"/>
-          </a:p>
-          <a:p>
-            <a:r>
-              <a:rPr lang="en-US" dirty="0" smtClean="0"/>
-              <a:t>Where to Start?</a:t>
-            </a:r>
-          </a:p>
-          <a:p>
-            <a:r>
-              <a:rPr lang="en-US" dirty="0" smtClean="0"/>
-              <a:t>Questions</a:t>
-            </a:r>
-            <a:endParaRPr lang="en-US" dirty="0"/>
+            <a:pPr marL="0" indent="0" algn="ctr">
+              <a:buNone/>
+            </a:pPr>
+            <a:endParaRPr lang="en-US" sz="3200" i="1" dirty="0"/>
+          </a:p>
+          <a:p>
+            <a:pPr marL="0" indent="0" algn="ctr">
+              <a:lnSpc>
+                <a:spcPct val="150000"/>
+              </a:lnSpc>
+              <a:buNone/>
+            </a:pPr>
+            <a:r>
+              <a:rPr lang="en-US" sz="3200" i="1" dirty="0" smtClean="0">
+                <a:solidFill>
+                  <a:srgbClr val="99CCCC"/>
+                </a:solidFill>
+              </a:rPr>
+              <a:t>“Beauty is in the eye of the beholder”</a:t>
+            </a:r>
+            <a:endParaRPr lang="en-US" sz="3200" i="1" dirty="0">
+              <a:solidFill>
+                <a:srgbClr val="99CCCC"/>
+              </a:solidFill>
+            </a:endParaRPr>
+          </a:p>
+          <a:p>
+            <a:pPr marL="0" indent="0" algn="ctr">
+              <a:lnSpc>
+                <a:spcPct val="150000"/>
+              </a:lnSpc>
+              <a:buNone/>
+            </a:pPr>
+            <a:r>
+              <a:rPr lang="en-US" sz="3200" dirty="0"/>
+              <a:t>&amp;</a:t>
+            </a:r>
+          </a:p>
+          <a:p>
+            <a:pPr marL="0" indent="0" algn="ctr">
+              <a:lnSpc>
+                <a:spcPct val="150000"/>
+              </a:lnSpc>
+              <a:buNone/>
+            </a:pPr>
+            <a:r>
+              <a:rPr lang="en-US" sz="3200" i="1" dirty="0" smtClean="0">
+                <a:solidFill>
+                  <a:srgbClr val="99CCCC"/>
+                </a:solidFill>
+              </a:rPr>
+              <a:t>“It depends”</a:t>
+            </a:r>
+            <a:endParaRPr lang="en-US" sz="3200" i="1" dirty="0">
+              <a:solidFill>
+                <a:srgbClr val="99CCCC"/>
+              </a:solidFill>
+            </a:endParaRPr>
+          </a:p>
+        </p:txBody>
+      </p:sp>
+      <p:sp>
+        <p:nvSpPr>
+          <p:cNvPr id="4" name="Slide Number Placeholder 3"/>
+          <p:cNvSpPr>
+            <a:spLocks noGrp="1"/>
+          </p:cNvSpPr>
+          <p:nvPr>
+            <p:ph type="sldNum" sz="quarter" idx="12"/>
+          </p:nvPr>
+        </p:nvSpPr>
+        <p:spPr/>
+        <p:txBody>
+          <a:bodyPr/>
+          <a:lstStyle/>
+          <a:p>
+            <a:pPr>
+              <a:defRPr/>
+            </a:pPr>
+            <a:fld id="{3464530E-D695-45C9-AFB6-E411BBE0972A}" type="slidenum">
+              <a:rPr lang="en-US" smtClean="0"/>
+              <a:pPr>
+                <a:defRPr/>
+              </a:pPr>
+              <a:t>2</a:t>
+            </a:fld>
+            <a:endParaRPr lang="en-US"/>
           </a:p>
         </p:txBody>
       </p:sp>
     </p:spTree>
     <p:extLst>
       <p:ext uri="{BB962C8B-B14F-4D97-AF65-F5344CB8AC3E}">
-        <p14:creationId xmlns:p14="http://schemas.microsoft.com/office/powerpoint/2010/main" xmlns="" val="2122838285"/>
+        <p14:creationId xmlns:p14="http://schemas.microsoft.com/office/powerpoint/2010/main" val="346339436"/>
       </p:ext>
     </p:extLst>
   </p:cSld>
   <p:clrMapOvr>
     <a:masterClrMapping/>
   </p:clrMapOvr>
-  <p:timing>
-    <p:tnLst>
-      <p:par>
-        <p:cTn id="1" dur="indefinite" restart="never" nodeType="tmRoot"/>
-      </p:par>
-    </p:tnLst>
-  </p:timing>
 </p:sld>
 </file>
 
@@ -6322,12 +6672,8 @@
           <a:lstStyle/>
           <a:p>
             <a:r>
-              <a:rPr lang="en-US" dirty="0"/>
-              <a:t>Why Learn the Basics</a:t>
-            </a:r>
-            <a:r>
-              <a:rPr lang="en-US" dirty="0" smtClean="0"/>
-              <a:t>?</a:t>
+              <a:rPr lang="en-US" dirty="0" smtClean="0"/>
+              <a:t>Contents</a:t>
             </a:r>
             <a:endParaRPr lang="en-US" dirty="0"/>
           </a:p>
@@ -6349,106 +6695,42 @@
           <a:lstStyle/>
           <a:p>
             <a:r>
-              <a:rPr lang="en-US" dirty="0"/>
-              <a:t>You might not be able to use a pre-establish CSS framework</a:t>
-            </a:r>
-          </a:p>
-          <a:p>
-            <a:pPr lvl="1"/>
-            <a:r>
-              <a:rPr lang="en-US" dirty="0"/>
-              <a:t>Avoid copyright or legal issues</a:t>
-            </a:r>
-          </a:p>
-          <a:p>
-            <a:pPr lvl="1"/>
-            <a:r>
-              <a:rPr lang="en-US" dirty="0"/>
-              <a:t>Strict In-House coding standards</a:t>
-            </a:r>
-          </a:p>
-          <a:p>
-            <a:r>
-              <a:rPr lang="en-US" dirty="0"/>
-              <a:t>Understanding the basics will allow:</a:t>
-            </a:r>
-          </a:p>
-          <a:p>
-            <a:pPr lvl="1"/>
-            <a:r>
-              <a:rPr lang="en-US" dirty="0"/>
-              <a:t>You to create custom styling</a:t>
-            </a:r>
-          </a:p>
-          <a:p>
-            <a:pPr lvl="1"/>
-            <a:r>
-              <a:rPr lang="en-US" dirty="0"/>
-              <a:t>Build upon existing CSS frameworks</a:t>
-            </a:r>
-          </a:p>
-          <a:p>
-            <a:pPr lvl="1"/>
-            <a:r>
-              <a:rPr lang="en-US" dirty="0"/>
-              <a:t>Debug issues in conflicting styles</a:t>
-            </a:r>
-          </a:p>
-          <a:p>
-            <a:endParaRPr lang="en-US" dirty="0" smtClean="0"/>
-          </a:p>
-        </p:txBody>
-      </p:sp>
-      <p:pic>
-        <p:nvPicPr>
-          <p:cNvPr id="2050" name="Picture 2" descr="https://i.ytimg.com/vi/BKorP55Aqvg/maxresdefault.jpg"/>
-          <p:cNvPicPr>
-            <a:picLocks noChangeAspect="1" noChangeArrowheads="1"/>
-          </p:cNvPicPr>
-          <p:nvPr/>
-        </p:nvPicPr>
-        <p:blipFill>
-          <a:blip r:embed="rId2" cstate="print">
-            <a:extLst>
-              <a:ext uri="{28A0092B-C50C-407E-A947-70E740481C1C}">
-                <a14:useLocalDpi xmlns:a14="http://schemas.microsoft.com/office/drawing/2010/main" xmlns="" val="0"/>
-              </a:ext>
-            </a:extLst>
-          </a:blip>
-          <a:srcRect/>
-          <a:stretch>
-            <a:fillRect/>
-          </a:stretch>
-        </p:blipFill>
-        <p:spPr bwMode="auto">
-          <a:xfrm>
-            <a:off x="5259114" y="4388681"/>
-            <a:ext cx="3503885" cy="1970935"/>
-          </a:xfrm>
-          <a:prstGeom prst="rect">
-            <a:avLst/>
-          </a:prstGeom>
-          <a:noFill/>
-          <a:ln w="38100">
-            <a:solidFill>
-              <a:schemeClr val="tx1"/>
-            </a:solidFill>
-          </a:ln>
-          <a:extLst>
-            <a:ext uri="{909E8E84-426E-40DD-AFC4-6F175D3DCCD1}">
-              <a14:hiddenFill xmlns:a14="http://schemas.microsoft.com/office/drawing/2010/main" xmlns="">
-                <a:solidFill>
-                  <a:srgbClr val="FFFFFF"/>
-                </a:solidFill>
-              </a14:hiddenFill>
-            </a:ext>
-          </a:extLst>
-        </p:spPr>
-      </p:pic>
+              <a:rPr lang="en-US" dirty="0" smtClean="0"/>
+              <a:t>Why Learn the Basics?</a:t>
+            </a:r>
+          </a:p>
+          <a:p>
+            <a:r>
+              <a:rPr lang="en-US" dirty="0" smtClean="0"/>
+              <a:t>Resources</a:t>
+            </a:r>
+          </a:p>
+          <a:p>
+            <a:r>
+              <a:rPr lang="en-US" dirty="0" smtClean="0"/>
+              <a:t>Best Practices</a:t>
+            </a:r>
+            <a:endParaRPr lang="en-US" u="sng" dirty="0" smtClean="0"/>
+          </a:p>
+          <a:p>
+            <a:r>
+              <a:rPr lang="en-US" dirty="0" smtClean="0"/>
+              <a:t>Where to Start?</a:t>
+            </a:r>
+          </a:p>
+          <a:p>
+            <a:r>
+              <a:rPr lang="en-US" dirty="0" smtClean="0"/>
+              <a:t>Questions</a:t>
+            </a:r>
+            <a:endParaRPr lang="en-US" dirty="0"/>
+          </a:p>
+        </p:txBody>
+      </p:sp>
     </p:spTree>
     <p:extLst>
       <p:ext uri="{BB962C8B-B14F-4D97-AF65-F5344CB8AC3E}">
-        <p14:creationId xmlns:p14="http://schemas.microsoft.com/office/powerpoint/2010/main" xmlns="" val="1705512803"/>
+        <p14:creationId xmlns:p14="http://schemas.microsoft.com/office/powerpoint/2010/main" val="2122838285"/>
       </p:ext>
     </p:extLst>
   </p:cSld>
@@ -6498,8 +6780,12 @@
           <a:lstStyle/>
           <a:p>
             <a:r>
-              <a:rPr lang="en-US" dirty="0" smtClean="0"/>
-              <a:t>Resources</a:t>
+              <a:rPr lang="en-US" dirty="0"/>
+              <a:t>Why Learn the Basics</a:t>
+            </a:r>
+            <a:r>
+              <a:rPr lang="en-US" dirty="0" smtClean="0"/>
+              <a:t>?</a:t>
             </a:r>
             <a:endParaRPr lang="en-US" dirty="0"/>
           </a:p>
@@ -6521,49 +6807,49 @@
           <a:lstStyle/>
           <a:p>
             <a:r>
-              <a:rPr lang="en-US" dirty="0" smtClean="0"/>
-              <a:t>W3 Schools</a:t>
+              <a:rPr lang="en-US" dirty="0"/>
+              <a:t>You might not be able to use a pre-establish CSS framework</a:t>
             </a:r>
           </a:p>
           <a:p>
             <a:pPr lvl="1"/>
             <a:r>
-              <a:rPr lang="en-US" dirty="0" smtClean="0"/>
-              <a:t>XHTML (more on this in a bit)</a:t>
-            </a:r>
-          </a:p>
-          <a:p>
-            <a:r>
-              <a:rPr lang="en-US" dirty="0" smtClean="0"/>
-              <a:t>Web Searches</a:t>
+              <a:rPr lang="en-US" dirty="0"/>
+              <a:t>Avoid copyright or legal issues</a:t>
             </a:r>
           </a:p>
           <a:p>
             <a:pPr lvl="1"/>
             <a:r>
-              <a:rPr lang="en-US" dirty="0" smtClean="0"/>
-              <a:t>Google</a:t>
+              <a:rPr lang="en-US" dirty="0"/>
+              <a:t>Strict In-House coding standards</a:t>
+            </a:r>
+          </a:p>
+          <a:p>
+            <a:r>
+              <a:rPr lang="en-US" dirty="0"/>
+              <a:t>Understanding the basics will allow:</a:t>
             </a:r>
           </a:p>
           <a:p>
             <a:pPr lvl="1"/>
             <a:r>
-              <a:rPr lang="en-US" dirty="0" smtClean="0"/>
-              <a:t>Yahoo</a:t>
+              <a:rPr lang="en-US" dirty="0"/>
+              <a:t>You to create custom styling</a:t>
             </a:r>
           </a:p>
           <a:p>
             <a:pPr lvl="1"/>
             <a:r>
-              <a:rPr lang="en-US" dirty="0" smtClean="0"/>
-              <a:t>Ask Jeeves</a:t>
+              <a:rPr lang="en-US" dirty="0"/>
+              <a:t>Build upon existing CSS frameworks</a:t>
             </a:r>
           </a:p>
           <a:p>
             <a:pPr lvl="1"/>
             <a:r>
-              <a:rPr lang="en-US" dirty="0" smtClean="0"/>
-              <a:t>Alta Vista</a:t>
+              <a:rPr lang="en-US" dirty="0"/>
+              <a:t>Debug issues in conflicting styles</a:t>
             </a:r>
           </a:p>
           <a:p>
@@ -6573,7 +6859,7 @@
       </p:sp>
       <p:pic>
         <p:nvPicPr>
-          <p:cNvPr id="1026" name="Picture 2" descr="http://b.fastcompany.net/multisite_files/fastcompany/imagecache/1280/poster/2014/01/3024894-poster-p-1-google-the-guy.jpg"/>
+          <p:cNvPr id="2050" name="Picture 2" descr="https://i.ytimg.com/vi/BKorP55Aqvg/maxresdefault.jpg"/>
           <p:cNvPicPr>
             <a:picLocks noChangeAspect="1" noChangeArrowheads="1"/>
           </p:cNvPicPr>
@@ -6583,7 +6869,7 @@
           <a:blip r:embed="rId2" cstate="print">
             <a:extLst>
               <a:ext uri="{28A0092B-C50C-407E-A947-70E740481C1C}">
-                <a14:useLocalDpi xmlns:a14="http://schemas.microsoft.com/office/drawing/2010/main" xmlns="" val="0"/>
+                <a14:useLocalDpi xmlns:a14="http://schemas.microsoft.com/office/drawing/2010/main" val="0"/>
               </a:ext>
             </a:extLst>
           </a:blip>
@@ -6594,8 +6880,8 @@
         </p:blipFill>
         <p:spPr bwMode="auto">
           <a:xfrm>
-            <a:off x="4658598" y="4050890"/>
-            <a:ext cx="4104401" cy="2308726"/>
+            <a:off x="5259114" y="4388681"/>
+            <a:ext cx="3503885" cy="1970935"/>
           </a:xfrm>
           <a:prstGeom prst="rect">
             <a:avLst/>
@@ -6608,7 +6894,7 @@
           </a:ln>
           <a:extLst>
             <a:ext uri="{909E8E84-426E-40DD-AFC4-6F175D3DCCD1}">
-              <a14:hiddenFill xmlns:a14="http://schemas.microsoft.com/office/drawing/2010/main" xmlns="">
+              <a14:hiddenFill xmlns:a14="http://schemas.microsoft.com/office/drawing/2010/main">
                 <a:solidFill>
                   <a:srgbClr val="FFFFFF"/>
                 </a:solidFill>
@@ -6620,7 +6906,7 @@
     </p:spTree>
     <p:extLst>
       <p:ext uri="{BB962C8B-B14F-4D97-AF65-F5344CB8AC3E}">
-        <p14:creationId xmlns:p14="http://schemas.microsoft.com/office/powerpoint/2010/main" xmlns="" val="4149530722"/>
+        <p14:creationId xmlns:p14="http://schemas.microsoft.com/office/powerpoint/2010/main" val="1705512803"/>
       </p:ext>
     </p:extLst>
   </p:cSld>
@@ -6671,7 +6957,7 @@
           <a:p>
             <a:r>
               <a:rPr lang="en-US" dirty="0" smtClean="0"/>
-              <a:t>Resources (Cont.)</a:t>
+              <a:t>Resources</a:t>
             </a:r>
             <a:endParaRPr lang="en-US" dirty="0"/>
           </a:p>
@@ -6694,127 +6980,105 @@
           <a:p>
             <a:r>
               <a:rPr lang="en-US" dirty="0" smtClean="0"/>
-              <a:t>Design</a:t>
+              <a:t>W3 Schools</a:t>
             </a:r>
           </a:p>
           <a:p>
             <a:pPr lvl="1"/>
             <a:r>
               <a:rPr lang="en-US" dirty="0" smtClean="0"/>
-              <a:t>Book: The Design of Everyday Things</a:t>
-            </a:r>
-          </a:p>
-          <a:p>
-            <a:pPr lvl="2"/>
-            <a:r>
-              <a:rPr lang="en-US" dirty="0" smtClean="0"/>
-              <a:t>Don </a:t>
-            </a:r>
-            <a:r>
-              <a:rPr lang="en-US" dirty="0" smtClean="0"/>
-              <a:t>Norman</a:t>
+              <a:t>XHTML (more on this in a bit)</a:t>
+            </a:r>
+          </a:p>
+          <a:p>
+            <a:r>
+              <a:rPr lang="en-US" dirty="0" smtClean="0"/>
+              <a:t>Web Searches</a:t>
             </a:r>
           </a:p>
           <a:p>
             <a:pPr lvl="1"/>
             <a:r>
               <a:rPr lang="en-US" dirty="0" smtClean="0"/>
-              <a:t>Book: Don’t Make Me Think</a:t>
-            </a:r>
-          </a:p>
-          <a:p>
-            <a:pPr lvl="2"/>
-            <a:r>
-              <a:rPr lang="en-US" dirty="0" smtClean="0"/>
-              <a:t>Steve Krug</a:t>
-            </a:r>
+              <a:t>Google</a:t>
+            </a:r>
+          </a:p>
+          <a:p>
+            <a:pPr lvl="1"/>
+            <a:r>
+              <a:rPr lang="en-US" dirty="0" smtClean="0"/>
+              <a:t>Yahoo</a:t>
+            </a:r>
+          </a:p>
+          <a:p>
+            <a:pPr lvl="1"/>
+            <a:r>
+              <a:rPr lang="en-US" dirty="0" smtClean="0"/>
+              <a:t>Ask Jeeves</a:t>
+            </a:r>
+          </a:p>
+          <a:p>
+            <a:pPr lvl="1"/>
+            <a:r>
+              <a:rPr lang="en-US" dirty="0" smtClean="0"/>
+              <a:t>Alta Vista</a:t>
+            </a:r>
+          </a:p>
+          <a:p>
             <a:endParaRPr lang="en-US" dirty="0" smtClean="0"/>
           </a:p>
-          <a:p>
-            <a:pPr lvl="1"/>
-            <a:r>
-              <a:rPr lang="en-US" dirty="0" smtClean="0"/>
-              <a:t>Class: Typography</a:t>
-            </a:r>
-            <a:endParaRPr lang="en-US" dirty="0" smtClean="0"/>
-          </a:p>
-          <a:p>
-            <a:pPr lvl="1"/>
-            <a:r>
-              <a:rPr lang="en-US" dirty="0" smtClean="0"/>
-              <a:t>Class: Advance </a:t>
-            </a:r>
-            <a:r>
-              <a:rPr lang="en-US" dirty="0" smtClean="0"/>
-              <a:t>User Interface </a:t>
-            </a:r>
-          </a:p>
-        </p:txBody>
-      </p:sp>
-      <p:sp>
-        <p:nvSpPr>
-          <p:cNvPr id="5122" name="AutoShape 2" descr="Image result for book don't make me think"/>
-          <p:cNvSpPr>
-            <a:spLocks noChangeAspect="1" noChangeArrowheads="1"/>
-          </p:cNvSpPr>
+        </p:txBody>
+      </p:sp>
+      <p:pic>
+        <p:nvPicPr>
+          <p:cNvPr id="1026" name="Picture 2" descr="http://b.fastcompany.net/multisite_files/fastcompany/imagecache/1280/poster/2014/01/3024894-poster-p-1-google-the-guy.jpg"/>
+          <p:cNvPicPr>
+            <a:picLocks noChangeAspect="1" noChangeArrowheads="1"/>
+          </p:cNvPicPr>
           <p:nvPr/>
-        </p:nvSpPr>
+        </p:nvPicPr>
+        <p:blipFill>
+          <a:blip r:embed="rId2" cstate="print">
+            <a:extLst>
+              <a:ext uri="{28A0092B-C50C-407E-A947-70E740481C1C}">
+                <a14:useLocalDpi xmlns:a14="http://schemas.microsoft.com/office/drawing/2010/main" val="0"/>
+              </a:ext>
+            </a:extLst>
+          </a:blip>
+          <a:srcRect/>
+          <a:stretch>
+            <a:fillRect/>
+          </a:stretch>
+        </p:blipFill>
         <p:spPr bwMode="auto">
           <a:xfrm>
-            <a:off x="155575" y="-144463"/>
-            <a:ext cx="304800" cy="304801"/>
+            <a:off x="4658598" y="4050890"/>
+            <a:ext cx="4104401" cy="2308726"/>
           </a:xfrm>
           <a:prstGeom prst="rect">
             <a:avLst/>
           </a:prstGeom>
           <a:noFill/>
-        </p:spPr>
-        <p:txBody>
-          <a:bodyPr vert="horz" wrap="square" lIns="91440" tIns="45720" rIns="91440" bIns="45720" numCol="1" anchor="t" anchorCtr="0" compatLnSpc="1">
-            <a:prstTxWarp prst="textNoShape">
-              <a:avLst/>
-            </a:prstTxWarp>
-          </a:bodyPr>
-          <a:lstStyle/>
-          <a:p>
-            <a:endParaRPr lang="en-US"/>
-          </a:p>
-        </p:txBody>
-      </p:sp>
-      <p:sp>
-        <p:nvSpPr>
-          <p:cNvPr id="5124" name="AutoShape 4" descr="Image result for book don't make me think"/>
-          <p:cNvSpPr>
-            <a:spLocks noChangeAspect="1" noChangeArrowheads="1"/>
-          </p:cNvSpPr>
-          <p:nvPr/>
-        </p:nvSpPr>
-        <p:spPr bwMode="auto">
-          <a:xfrm>
-            <a:off x="155575" y="-144463"/>
-            <a:ext cx="304800" cy="304801"/>
-          </a:xfrm>
-          <a:prstGeom prst="rect">
-            <a:avLst/>
-          </a:prstGeom>
-          <a:noFill/>
-        </p:spPr>
-        <p:txBody>
-          <a:bodyPr vert="horz" wrap="square" lIns="91440" tIns="45720" rIns="91440" bIns="45720" numCol="1" anchor="t" anchorCtr="0" compatLnSpc="1">
-            <a:prstTxWarp prst="textNoShape">
-              <a:avLst/>
-            </a:prstTxWarp>
-          </a:bodyPr>
-          <a:lstStyle/>
-          <a:p>
-            <a:endParaRPr lang="en-US"/>
-          </a:p>
-        </p:txBody>
-      </p:sp>
+          <a:ln w="38100">
+            <a:solidFill>
+              <a:schemeClr val="tx1"/>
+            </a:solidFill>
+          </a:ln>
+          <a:extLst>
+            <a:ext uri="{909E8E84-426E-40DD-AFC4-6F175D3DCCD1}">
+              <a14:hiddenFill xmlns:a14="http://schemas.microsoft.com/office/drawing/2010/main">
+                <a:solidFill>
+                  <a:srgbClr val="FFFFFF"/>
+                </a:solidFill>
+              </a14:hiddenFill>
+            </a:ext>
+          </a:extLst>
+        </p:spPr>
+      </p:pic>
     </p:spTree>
     <p:extLst>
       <p:ext uri="{BB962C8B-B14F-4D97-AF65-F5344CB8AC3E}">
-        <p14:creationId xmlns:p14="http://schemas.microsoft.com/office/powerpoint/2010/main" xmlns="" val="3167485665"/>
+        <p14:creationId xmlns:p14="http://schemas.microsoft.com/office/powerpoint/2010/main" val="4149530722"/>
       </p:ext>
     </p:extLst>
   </p:cSld>
@@ -6864,9 +7128,10 @@
           <a:lstStyle/>
           <a:p>
             <a:r>
-              <a:rPr lang="en-US" dirty="0"/>
-              <a:t>Best Practices</a:t>
-            </a:r>
+              <a:rPr lang="en-US" dirty="0" smtClean="0"/>
+              <a:t>Resources (Cont.)</a:t>
+            </a:r>
+            <a:endParaRPr lang="en-US" dirty="0"/>
           </a:p>
         </p:txBody>
       </p:sp>
@@ -6885,14 +7150,119 @@
           <a:bodyPr/>
           <a:lstStyle/>
           <a:p>
-            <a:endParaRPr lang="en-US" dirty="0" smtClean="0"/>
+            <a:r>
+              <a:rPr lang="en-US" dirty="0" smtClean="0"/>
+              <a:t>Design</a:t>
+            </a:r>
+          </a:p>
+          <a:p>
+            <a:pPr lvl="1"/>
+            <a:r>
+              <a:rPr lang="en-US" dirty="0" smtClean="0"/>
+              <a:t>Book: The Design of Everyday Things</a:t>
+            </a:r>
+          </a:p>
+          <a:p>
+            <a:pPr lvl="2"/>
+            <a:r>
+              <a:rPr lang="en-US" dirty="0" smtClean="0"/>
+              <a:t>Don Norman</a:t>
+            </a:r>
+          </a:p>
+          <a:p>
+            <a:pPr lvl="1"/>
+            <a:r>
+              <a:rPr lang="en-US" dirty="0" smtClean="0"/>
+              <a:t>Book: Don’t Make Me Think</a:t>
+            </a:r>
+          </a:p>
+          <a:p>
+            <a:pPr lvl="2"/>
+            <a:r>
+              <a:rPr lang="en-US" dirty="0" smtClean="0"/>
+              <a:t>Steve Krug</a:t>
+            </a:r>
+          </a:p>
+          <a:p>
+            <a:pPr lvl="1"/>
+            <a:r>
+              <a:rPr lang="en-US" dirty="0" smtClean="0"/>
+              <a:t>Class: Typography</a:t>
+            </a:r>
+          </a:p>
+          <a:p>
+            <a:pPr lvl="1"/>
+            <a:r>
+              <a:rPr lang="en-US" dirty="0" smtClean="0"/>
+              <a:t>Class: Advance User Interface </a:t>
+            </a:r>
+          </a:p>
+        </p:txBody>
+      </p:sp>
+      <p:sp>
+        <p:nvSpPr>
+          <p:cNvPr id="5122" name="AutoShape 2" descr="Image result for book don't make me think"/>
+          <p:cNvSpPr>
+            <a:spLocks noChangeAspect="1" noChangeArrowheads="1"/>
+          </p:cNvSpPr>
+          <p:nvPr/>
+        </p:nvSpPr>
+        <p:spPr bwMode="auto">
+          <a:xfrm>
+            <a:off x="155575" y="-144463"/>
+            <a:ext cx="304800" cy="304801"/>
+          </a:xfrm>
+          <a:prstGeom prst="rect">
+            <a:avLst/>
+          </a:prstGeom>
+          <a:noFill/>
+        </p:spPr>
+        <p:txBody>
+          <a:bodyPr vert="horz" wrap="square" lIns="91440" tIns="45720" rIns="91440" bIns="45720" numCol="1" anchor="t" anchorCtr="0" compatLnSpc="1">
+            <a:prstTxWarp prst="textNoShape">
+              <a:avLst/>
+            </a:prstTxWarp>
+          </a:bodyPr>
+          <a:lstStyle/>
+          <a:p>
+            <a:endParaRPr lang="en-US"/>
+          </a:p>
+        </p:txBody>
+      </p:sp>
+      <p:sp>
+        <p:nvSpPr>
+          <p:cNvPr id="5124" name="AutoShape 4" descr="Image result for book don't make me think"/>
+          <p:cNvSpPr>
+            <a:spLocks noChangeAspect="1" noChangeArrowheads="1"/>
+          </p:cNvSpPr>
+          <p:nvPr/>
+        </p:nvSpPr>
+        <p:spPr bwMode="auto">
+          <a:xfrm>
+            <a:off x="155575" y="-144463"/>
+            <a:ext cx="304800" cy="304801"/>
+          </a:xfrm>
+          <a:prstGeom prst="rect">
+            <a:avLst/>
+          </a:prstGeom>
+          <a:noFill/>
+        </p:spPr>
+        <p:txBody>
+          <a:bodyPr vert="horz" wrap="square" lIns="91440" tIns="45720" rIns="91440" bIns="45720" numCol="1" anchor="t" anchorCtr="0" compatLnSpc="1">
+            <a:prstTxWarp prst="textNoShape">
+              <a:avLst/>
+            </a:prstTxWarp>
+          </a:bodyPr>
+          <a:lstStyle/>
+          <a:p>
+            <a:endParaRPr lang="en-US"/>
           </a:p>
         </p:txBody>
       </p:sp>
     </p:spTree>
     <p:extLst>
       <p:ext uri="{BB962C8B-B14F-4D97-AF65-F5344CB8AC3E}">
-        <p14:creationId xmlns:p14="http://schemas.microsoft.com/office/powerpoint/2010/main" xmlns="" val="2736868352"/>
+        <p14:creationId xmlns:p14="http://schemas.microsoft.com/office/powerpoint/2010/main" val="3167485665"/>
       </p:ext>
     </p:extLst>
   </p:cSld>
@@ -6941,7 +7311,10 @@
           <a:bodyPr/>
           <a:lstStyle/>
           <a:p>
-            <a:endParaRPr lang="en-US"/>
+            <a:r>
+              <a:rPr lang="en-US" dirty="0"/>
+              <a:t>Best Practices</a:t>
+            </a:r>
           </a:p>
         </p:txBody>
       </p:sp>
@@ -6960,53 +7333,27 @@
           <a:bodyPr/>
           <a:lstStyle/>
           <a:p>
-            <a:r>
-              <a:rPr lang="en-US" dirty="0" smtClean="0"/>
-              <a:t>http://www.sphere.bc.ca/test/sruniverse.html</a:t>
-            </a:r>
-            <a:endParaRPr lang="en-US" dirty="0"/>
-          </a:p>
-        </p:txBody>
-      </p:sp>
-      <p:pic>
-        <p:nvPicPr>
-          <p:cNvPr id="26627" name="Picture 3"/>
-          <p:cNvPicPr>
-            <a:picLocks noChangeAspect="1" noChangeArrowheads="1"/>
-          </p:cNvPicPr>
-          <p:nvPr/>
-        </p:nvPicPr>
-        <p:blipFill>
-          <a:blip r:embed="rId2" cstate="print"/>
-          <a:srcRect/>
-          <a:stretch>
-            <a:fillRect/>
-          </a:stretch>
-        </p:blipFill>
-        <p:spPr bwMode="auto">
-          <a:xfrm>
-            <a:off x="1820007" y="1860015"/>
-            <a:ext cx="6901962" cy="4322055"/>
-          </a:xfrm>
-          <a:prstGeom prst="rect">
-            <a:avLst/>
-          </a:prstGeom>
-          <a:noFill/>
-          <a:ln w="38100">
-            <a:solidFill>
-              <a:schemeClr val="tx1"/>
-            </a:solidFill>
-            <a:miter lim="800000"/>
-            <a:headEnd/>
-            <a:tailEnd/>
-          </a:ln>
-        </p:spPr>
-      </p:pic>
+            <a:endParaRPr lang="en-US" dirty="0" smtClean="0"/>
+          </a:p>
+        </p:txBody>
+      </p:sp>
     </p:spTree>
+    <p:extLst>
+      <p:ext uri="{BB962C8B-B14F-4D97-AF65-F5344CB8AC3E}">
+        <p14:creationId xmlns:p14="http://schemas.microsoft.com/office/powerpoint/2010/main" val="2736868352"/>
+      </p:ext>
+    </p:extLst>
   </p:cSld>
   <p:clrMapOvr>
     <a:masterClrMapping/>
   </p:clrMapOvr>
+  <p:timing>
+    <p:tnLst>
+      <p:par>
+        <p:cTn id="1" dur="indefinite" restart="never" nodeType="tmRoot"/>
+      </p:par>
+    </p:tnLst>
+  </p:timing>
 </p:sld>
 </file>
 
@@ -7042,7 +7389,11 @@
           <a:bodyPr/>
           <a:lstStyle/>
           <a:p>
-            <a:endParaRPr lang="en-US"/>
+            <a:r>
+              <a:rPr lang="en-US" dirty="0" smtClean="0"/>
+              <a:t>Bad Website Design</a:t>
+            </a:r>
+            <a:endParaRPr lang="en-US" dirty="0"/>
           </a:p>
         </p:txBody>
       </p:sp>
@@ -7062,96 +7413,85 @@
           <a:lstStyle/>
           <a:p>
             <a:r>
-              <a:rPr lang="en-US" dirty="0" smtClean="0"/>
-              <a:t>https://www.dropbox.com</a:t>
-            </a:r>
-            <a:r>
-              <a:rPr lang="en-US" dirty="0" smtClean="0"/>
-              <a:t>/</a:t>
-            </a:r>
-            <a:br>
-              <a:rPr lang="en-US" dirty="0" smtClean="0"/>
-            </a:br>
-            <a:endParaRPr lang="en-US" dirty="0" smtClean="0"/>
-          </a:p>
-          <a:p>
-            <a:endParaRPr lang="en-US" dirty="0" smtClean="0"/>
-          </a:p>
-          <a:p>
-            <a:endParaRPr lang="en-US" dirty="0" smtClean="0"/>
-          </a:p>
-          <a:p>
-            <a:endParaRPr lang="en-US" dirty="0" smtClean="0"/>
-          </a:p>
-          <a:p>
-            <a:endParaRPr lang="en-US" dirty="0" smtClean="0"/>
-          </a:p>
-          <a:p>
-            <a:endParaRPr lang="en-US" dirty="0" smtClean="0"/>
-          </a:p>
-          <a:p>
-            <a:endParaRPr lang="en-US" dirty="0" smtClean="0"/>
-          </a:p>
-          <a:p>
-            <a:endParaRPr lang="en-US" dirty="0" smtClean="0"/>
-          </a:p>
-          <a:p>
-            <a:endParaRPr lang="en-US" dirty="0" smtClean="0"/>
-          </a:p>
-          <a:p>
-            <a:endParaRPr lang="en-US" dirty="0" smtClean="0"/>
-          </a:p>
-          <a:p>
-            <a:endParaRPr lang="en-US" dirty="0" smtClean="0"/>
-          </a:p>
-          <a:p>
-            <a:r>
-              <a:rPr lang="en-US" dirty="0" smtClean="0"/>
-              <a:t>https://4rsmokehouse.com/</a:t>
-            </a:r>
+              <a:rPr lang="en-US" dirty="0"/>
+              <a:t>http://www.sphere.bc.ca/test/sruniverse.html</a:t>
+            </a:r>
+          </a:p>
+          <a:p>
             <a:endParaRPr lang="en-US" dirty="0"/>
+          </a:p>
+        </p:txBody>
+      </p:sp>
+      <p:sp>
+        <p:nvSpPr>
+          <p:cNvPr id="4" name="Slide Number Placeholder 3"/>
+          <p:cNvSpPr>
+            <a:spLocks noGrp="1"/>
+          </p:cNvSpPr>
+          <p:nvPr>
+            <p:ph type="sldNum" sz="quarter" idx="12"/>
+          </p:nvPr>
+        </p:nvSpPr>
+        <p:spPr/>
+        <p:txBody>
+          <a:bodyPr/>
+          <a:lstStyle/>
+          <a:p>
+            <a:pPr>
+              <a:defRPr/>
+            </a:pPr>
+            <a:fld id="{3464530E-D695-45C9-AFB6-E411BBE0972A}" type="slidenum">
+              <a:rPr lang="en-US" smtClean="0"/>
+              <a:pPr>
+                <a:defRPr/>
+              </a:pPr>
+              <a:t>8</a:t>
+            </a:fld>
+            <a:endParaRPr lang="en-US"/>
           </a:p>
         </p:txBody>
       </p:sp>
       <p:pic>
         <p:nvPicPr>
-          <p:cNvPr id="27650" name="Picture 2"/>
+          <p:cNvPr id="5" name="Picture 4"/>
           <p:cNvPicPr>
-            <a:picLocks noChangeAspect="1" noChangeArrowheads="1"/>
+            <a:picLocks noChangeAspect="1"/>
           </p:cNvPicPr>
           <p:nvPr/>
         </p:nvPicPr>
         <p:blipFill>
-          <a:blip r:embed="rId2" cstate="print"/>
-          <a:srcRect/>
+          <a:blip r:embed="rId2"/>
           <a:stretch>
             <a:fillRect/>
           </a:stretch>
         </p:blipFill>
-        <p:spPr bwMode="auto">
+        <p:spPr>
           <a:xfrm>
-            <a:off x="1835768" y="1785669"/>
-            <a:ext cx="6661251" cy="4129884"/>
+            <a:off x="1120733" y="1870298"/>
+            <a:ext cx="6974428" cy="4395597"/>
           </a:xfrm>
           <a:prstGeom prst="rect">
             <a:avLst/>
           </a:prstGeom>
-          <a:noFill/>
-          <a:ln w="38100">
-            <a:solidFill>
-              <a:schemeClr val="tx1"/>
-            </a:solidFill>
-            <a:miter lim="800000"/>
-            <a:headEnd/>
-            <a:tailEnd/>
-          </a:ln>
         </p:spPr>
       </p:pic>
     </p:spTree>
+    <p:extLst>
+      <p:ext uri="{BB962C8B-B14F-4D97-AF65-F5344CB8AC3E}">
+        <p14:creationId xmlns:p14="http://schemas.microsoft.com/office/powerpoint/2010/main" val="1288462856"/>
+      </p:ext>
+    </p:extLst>
   </p:cSld>
   <p:clrMapOvr>
     <a:masterClrMapping/>
   </p:clrMapOvr>
+  <p:timing>
+    <p:tnLst>
+      <p:par>
+        <p:cTn id="1" dur="indefinite" restart="never" nodeType="tmRoot"/>
+      </p:par>
+    </p:tnLst>
+  </p:timing>
 </p:sld>
 </file>
 
@@ -7189,7 +7529,7 @@
           <a:p>
             <a:r>
               <a:rPr lang="en-US" dirty="0" smtClean="0"/>
-              <a:t>Basics (1 of 3)</a:t>
+              <a:t>Good Website Design</a:t>
             </a:r>
             <a:endParaRPr lang="en-US" dirty="0"/>
           </a:p>
@@ -7211,162 +7551,118 @@
           <a:lstStyle/>
           <a:p>
             <a:r>
-              <a:rPr lang="en-US" dirty="0" smtClean="0"/>
-              <a:t>Calling CSS</a:t>
-            </a:r>
-          </a:p>
-          <a:p>
-            <a:pPr lvl="1"/>
-            <a:r>
-              <a:rPr lang="en-US" dirty="0" smtClean="0"/>
-              <a:t>External File</a:t>
-            </a:r>
-          </a:p>
-          <a:p>
-            <a:pPr lvl="2"/>
-            <a:r>
-              <a:rPr lang="en-US" dirty="0" smtClean="0"/>
-              <a:t>&lt;head&gt;</a:t>
+              <a:rPr lang="en-US" dirty="0"/>
+              <a:t>https://www.dropbox.com/</a:t>
             </a:r>
             <a:br>
-              <a:rPr lang="en-US" dirty="0" smtClean="0"/>
+              <a:rPr lang="en-US" dirty="0"/>
             </a:br>
-            <a:r>
-              <a:rPr lang="en-US" dirty="0" smtClean="0"/>
-              <a:t>&lt;link </a:t>
-            </a:r>
-            <a:r>
-              <a:rPr lang="en-US" dirty="0" err="1" smtClean="0"/>
-              <a:t>rel</a:t>
-            </a:r>
-            <a:r>
-              <a:rPr lang="en-US" dirty="0" smtClean="0"/>
-              <a:t>="</a:t>
-            </a:r>
-            <a:r>
-              <a:rPr lang="en-US" dirty="0" err="1" smtClean="0"/>
-              <a:t>stylesheet</a:t>
-            </a:r>
-            <a:r>
-              <a:rPr lang="en-US" dirty="0" smtClean="0"/>
-              <a:t>" type="text/</a:t>
-            </a:r>
-            <a:r>
-              <a:rPr lang="en-US" dirty="0" err="1" smtClean="0"/>
-              <a:t>css</a:t>
-            </a:r>
-            <a:r>
-              <a:rPr lang="en-US" dirty="0" smtClean="0"/>
-              <a:t>" </a:t>
-            </a:r>
-            <a:r>
-              <a:rPr lang="en-US" dirty="0" err="1" smtClean="0"/>
-              <a:t>href</a:t>
-            </a:r>
-            <a:r>
-              <a:rPr lang="en-US" dirty="0" smtClean="0"/>
-              <a:t>=“style.css</a:t>
-            </a:r>
-            <a:r>
-              <a:rPr lang="en-US" dirty="0" smtClean="0"/>
-              <a:t>"&gt;</a:t>
-            </a:r>
-            <a:br>
-              <a:rPr lang="en-US" dirty="0" smtClean="0"/>
-            </a:br>
-            <a:r>
-              <a:rPr lang="en-US" dirty="0" smtClean="0"/>
-              <a:t>&lt;/head</a:t>
-            </a:r>
-            <a:r>
-              <a:rPr lang="en-US" dirty="0" smtClean="0"/>
-              <a:t>&gt;</a:t>
-            </a:r>
-          </a:p>
-          <a:p>
-            <a:pPr lvl="1"/>
-            <a:r>
-              <a:rPr lang="en-US" dirty="0" smtClean="0"/>
-              <a:t>Internal</a:t>
-            </a:r>
-          </a:p>
-          <a:p>
-            <a:pPr lvl="2"/>
-            <a:r>
-              <a:rPr lang="en-US" dirty="0" smtClean="0"/>
-              <a:t>&lt;head&gt;</a:t>
-            </a:r>
-            <a:br>
-              <a:rPr lang="en-US" dirty="0" smtClean="0"/>
-            </a:br>
-            <a:r>
-              <a:rPr lang="en-US" dirty="0" smtClean="0"/>
-              <a:t>&lt;style&gt;</a:t>
-            </a:r>
-            <a:br>
-              <a:rPr lang="en-US" dirty="0" smtClean="0"/>
-            </a:br>
-            <a:r>
-              <a:rPr lang="en-US" dirty="0" smtClean="0"/>
-              <a:t>	.</a:t>
-            </a:r>
-            <a:r>
-              <a:rPr lang="en-US" dirty="0" err="1" smtClean="0"/>
-              <a:t>classname</a:t>
-            </a:r>
-            <a:r>
-              <a:rPr lang="en-US" dirty="0" smtClean="0"/>
-              <a:t> { }</a:t>
-            </a:r>
-            <a:br>
-              <a:rPr lang="en-US" dirty="0" smtClean="0"/>
-            </a:br>
-            <a:r>
-              <a:rPr lang="en-US" dirty="0" smtClean="0"/>
-              <a:t>&lt;/style&gt;</a:t>
-            </a:r>
-            <a:br>
-              <a:rPr lang="en-US" dirty="0" smtClean="0"/>
-            </a:br>
-            <a:r>
-              <a:rPr lang="en-US" dirty="0" smtClean="0"/>
-              <a:t>&lt;/head&gt;</a:t>
-            </a:r>
-          </a:p>
-          <a:p>
-            <a:pPr lvl="1"/>
-            <a:r>
-              <a:rPr lang="en-US" dirty="0" smtClean="0"/>
-              <a:t>Inline</a:t>
-            </a:r>
-          </a:p>
-          <a:p>
-            <a:pPr lvl="2"/>
-            <a:r>
-              <a:rPr lang="en-US" dirty="0" smtClean="0"/>
-              <a:t>&lt;div style=“display: block;”&gt;&lt;/div&gt;</a:t>
-            </a:r>
-            <a:endParaRPr lang="en-US" dirty="0" smtClean="0"/>
-          </a:p>
-        </p:txBody>
-      </p:sp>
+            <a:endParaRPr lang="en-US" dirty="0"/>
+          </a:p>
+          <a:p>
+            <a:endParaRPr lang="en-US" dirty="0"/>
+          </a:p>
+          <a:p>
+            <a:endParaRPr lang="en-US" dirty="0"/>
+          </a:p>
+          <a:p>
+            <a:endParaRPr lang="en-US" dirty="0"/>
+          </a:p>
+          <a:p>
+            <a:endParaRPr lang="en-US" dirty="0"/>
+          </a:p>
+          <a:p>
+            <a:endParaRPr lang="en-US" dirty="0"/>
+          </a:p>
+          <a:p>
+            <a:endParaRPr lang="en-US" dirty="0"/>
+          </a:p>
+          <a:p>
+            <a:endParaRPr lang="en-US" dirty="0"/>
+          </a:p>
+          <a:p>
+            <a:endParaRPr lang="en-US" dirty="0"/>
+          </a:p>
+          <a:p>
+            <a:endParaRPr lang="en-US" dirty="0"/>
+          </a:p>
+          <a:p>
+            <a:endParaRPr lang="en-US" dirty="0"/>
+          </a:p>
+          <a:p>
+            <a:r>
+              <a:rPr lang="en-US" dirty="0"/>
+              <a:t>https://4rsmokehouse.com/</a:t>
+            </a:r>
+          </a:p>
+          <a:p>
+            <a:endParaRPr lang="en-US" dirty="0"/>
+          </a:p>
+        </p:txBody>
+      </p:sp>
+      <p:sp>
+        <p:nvSpPr>
+          <p:cNvPr id="4" name="Slide Number Placeholder 3"/>
+          <p:cNvSpPr>
+            <a:spLocks noGrp="1"/>
+          </p:cNvSpPr>
+          <p:nvPr>
+            <p:ph type="sldNum" sz="quarter" idx="12"/>
+          </p:nvPr>
+        </p:nvSpPr>
+        <p:spPr/>
+        <p:txBody>
+          <a:bodyPr/>
+          <a:lstStyle/>
+          <a:p>
+            <a:pPr>
+              <a:defRPr/>
+            </a:pPr>
+            <a:fld id="{3464530E-D695-45C9-AFB6-E411BBE0972A}" type="slidenum">
+              <a:rPr lang="en-US" smtClean="0"/>
+              <a:pPr>
+                <a:defRPr/>
+              </a:pPr>
+              <a:t>9</a:t>
+            </a:fld>
+            <a:endParaRPr lang="en-US"/>
+          </a:p>
+        </p:txBody>
+      </p:sp>
+      <p:pic>
+        <p:nvPicPr>
+          <p:cNvPr id="5" name="Picture 4"/>
+          <p:cNvPicPr>
+            <a:picLocks noChangeAspect="1"/>
+          </p:cNvPicPr>
+          <p:nvPr/>
+        </p:nvPicPr>
+        <p:blipFill>
+          <a:blip r:embed="rId2"/>
+          <a:stretch>
+            <a:fillRect/>
+          </a:stretch>
+        </p:blipFill>
+        <p:spPr>
+          <a:xfrm>
+            <a:off x="1357602" y="1837489"/>
+            <a:ext cx="6498372" cy="4051926"/>
+          </a:xfrm>
+          <a:prstGeom prst="rect">
+            <a:avLst/>
+          </a:prstGeom>
+        </p:spPr>
+      </p:pic>
     </p:spTree>
     <p:extLst>
       <p:ext uri="{BB962C8B-B14F-4D97-AF65-F5344CB8AC3E}">
-        <p14:creationId xmlns:p14="http://schemas.microsoft.com/office/powerpoint/2010/main" xmlns="" val="1182900409"/>
+        <p14:creationId xmlns:p14="http://schemas.microsoft.com/office/powerpoint/2010/main" val="1063879010"/>
       </p:ext>
     </p:extLst>
   </p:cSld>
   <p:clrMapOvr>
     <a:masterClrMapping/>
   </p:clrMapOvr>
-  <p:timing>
-    <p:tnLst>
-      <p:par>
-        <p:cTn id="1" dur="indefinite" restart="never" nodeType="tmRoot"/>
-      </p:par>
-    </p:tnLst>
-  </p:timing>
 </p:sld>
 </file>
 

--- a/Extended Campuses/EC CSS HTML Presentation.pptx
+++ b/Extended Campuses/EC CSS HTML Presentation.pptx
@@ -5756,10 +5756,20 @@
           <a:lstStyle/>
           <a:p>
             <a:r>
-              <a:rPr lang="en-US" dirty="0" smtClean="0"/>
-              <a:t>AKA, “Oh no! You can’t use Bootstrap!”</a:t>
-            </a:r>
-            <a:endParaRPr lang="en-US" dirty="0"/>
+              <a:rPr lang="en-US" dirty="0" smtClean="0">
+                <a:latin typeface="Calibri" panose="020F0502020204030204" pitchFamily="34" charset="0"/>
+              </a:rPr>
+              <a:t>AKA </a:t>
+            </a:r>
+            <a:r>
+              <a:rPr lang="en-US" dirty="0" smtClean="0">
+                <a:latin typeface="Calibri" panose="020F0502020204030204" pitchFamily="34" charset="0"/>
+              </a:rPr>
+              <a:t>“Oh no! You can’t use Bootstrap!”</a:t>
+            </a:r>
+            <a:endParaRPr lang="en-US" dirty="0">
+              <a:latin typeface="Calibri" panose="020F0502020204030204" pitchFamily="34" charset="0"/>
+            </a:endParaRPr>
           </a:p>
         </p:txBody>
       </p:sp>
@@ -6539,6 +6549,12 @@
             <a:pPr marL="0" indent="0" algn="ctr">
               <a:buNone/>
             </a:pPr>
+            <a:endParaRPr lang="en-US" sz="3200" i="1" dirty="0" smtClean="0"/>
+          </a:p>
+          <a:p>
+            <a:pPr marL="0" indent="0" algn="ctr">
+              <a:buNone/>
+            </a:pPr>
             <a:endParaRPr lang="en-US" sz="3200" i="1" dirty="0"/>
           </a:p>
           <a:p>
@@ -6554,7 +6570,7 @@
                   <a:srgbClr val="99CCCC"/>
                 </a:solidFill>
               </a:rPr>
-              <a:t>“Beauty is in the eye of the beholder”</a:t>
+              <a:t>“Beauty lies in the eye of the beholder”</a:t>
             </a:r>
             <a:endParaRPr lang="en-US" sz="3200" i="1" dirty="0">
               <a:solidFill>
@@ -7333,6 +7349,26 @@
           <a:bodyPr/>
           <a:lstStyle/>
           <a:p>
+            <a:r>
+              <a:rPr lang="en-US" dirty="0" smtClean="0"/>
+              <a:t>Simple is best</a:t>
+            </a:r>
+          </a:p>
+          <a:p>
+            <a:r>
+              <a:rPr lang="en-US" dirty="0" smtClean="0"/>
+              <a:t>Standards</a:t>
+            </a:r>
+          </a:p>
+          <a:p>
+            <a:pPr lvl="1"/>
+            <a:r>
+              <a:rPr lang="en-US" dirty="0" smtClean="0"/>
+              <a:t>XHTML</a:t>
+            </a:r>
+          </a:p>
+          <a:p>
+            <a:pPr lvl="1"/>
             <a:endParaRPr lang="en-US" dirty="0" smtClean="0"/>
           </a:p>
         </p:txBody>

--- a/Extended Campuses/EC CSS HTML Presentation.pptx
+++ b/Extended Campuses/EC CSS HTML Presentation.pptx
@@ -6375,14 +6375,26 @@
           <a:p>
             <a:r>
               <a:rPr lang="en-US" dirty="0" smtClean="0"/>
-              <a:t>Even More</a:t>
+              <a:t>Even More!</a:t>
             </a:r>
           </a:p>
           <a:p>
             <a:pPr lvl="1"/>
             <a:r>
-              <a:rPr lang="en-US" dirty="0"/>
-              <a:t>http://www.w3schools.com/cssref/css_selectors.asp</a:t>
+              <a:rPr lang="en-US" dirty="0">
+                <a:hlinkClick r:id="rId2"/>
+              </a:rPr>
+              <a:t>http://</a:t>
+            </a:r>
+            <a:r>
+              <a:rPr lang="en-US" dirty="0" smtClean="0">
+                <a:hlinkClick r:id="rId2"/>
+              </a:rPr>
+              <a:t>www.w3schools.com/cssref/css_selectors.asp</a:t>
+            </a:r>
+            <a:r>
+              <a:rPr lang="en-US" dirty="0" smtClean="0"/>
+              <a:t> </a:t>
             </a:r>
             <a:endParaRPr lang="en-US" dirty="0" smtClean="0"/>
           </a:p>
@@ -7351,25 +7363,66 @@
           <a:p>
             <a:r>
               <a:rPr lang="en-US" dirty="0" smtClean="0"/>
-              <a:t>Simple is best</a:t>
-            </a:r>
-          </a:p>
-          <a:p>
-            <a:r>
-              <a:rPr lang="en-US" dirty="0" smtClean="0"/>
-              <a:t>Standards</a:t>
+              <a:t>Simple is best - </a:t>
+            </a:r>
+            <a:r>
+              <a:rPr lang="en-US" dirty="0" smtClean="0"/>
+              <a:t>Do not overburden the user</a:t>
+            </a:r>
+            <a:endParaRPr lang="en-US" dirty="0" smtClean="0"/>
+          </a:p>
+          <a:p>
+            <a:r>
+              <a:rPr lang="en-US" dirty="0" smtClean="0"/>
+              <a:t>Standards - </a:t>
+            </a:r>
+            <a:r>
+              <a:rPr lang="en-US" dirty="0" smtClean="0"/>
+              <a:t>XHTML</a:t>
             </a:r>
           </a:p>
           <a:p>
             <a:pPr lvl="1"/>
             <a:r>
-              <a:rPr lang="en-US" dirty="0" smtClean="0"/>
-              <a:t>XHTML</a:t>
+              <a:rPr lang="en-US" dirty="0">
+                <a:hlinkClick r:id="rId2"/>
+              </a:rPr>
+              <a:t>http://</a:t>
+            </a:r>
+            <a:r>
+              <a:rPr lang="en-US" dirty="0" smtClean="0">
+                <a:hlinkClick r:id="rId2"/>
+              </a:rPr>
+              <a:t>www.w3schools.com/html/html_xhtml.asp</a:t>
+            </a:r>
+            <a:endParaRPr lang="en-US" dirty="0" smtClean="0"/>
+          </a:p>
+          <a:p>
+            <a:r>
+              <a:rPr lang="en-US" dirty="0" smtClean="0"/>
+              <a:t>Question yourself:</a:t>
             </a:r>
           </a:p>
           <a:p>
             <a:pPr lvl="1"/>
-            <a:endParaRPr lang="en-US" dirty="0" smtClean="0"/>
+            <a:r>
+              <a:rPr lang="en-US" dirty="0" smtClean="0"/>
+              <a:t>Who is your end users?</a:t>
+            </a:r>
+          </a:p>
+          <a:p>
+            <a:pPr lvl="1"/>
+            <a:r>
+              <a:rPr lang="en-US" dirty="0" smtClean="0"/>
+              <a:t>Is this readable?</a:t>
+            </a:r>
+          </a:p>
+          <a:p>
+            <a:pPr lvl="1"/>
+            <a:r>
+              <a:rPr lang="en-US" dirty="0" smtClean="0"/>
+              <a:t>Is this intuitive?</a:t>
+            </a:r>
           </a:p>
         </p:txBody>
       </p:sp>

--- a/Extended Campuses/EC CSS HTML Presentation.pptx
+++ b/Extended Campuses/EC CSS HTML Presentation.pptx
@@ -7287,6 +7287,64 @@
           </a:p>
         </p:txBody>
       </p:sp>
+      <p:pic>
+        <p:nvPicPr>
+          <p:cNvPr id="4" name="Picture 3"/>
+          <p:cNvPicPr>
+            <a:picLocks noChangeAspect="1"/>
+          </p:cNvPicPr>
+          <p:nvPr/>
+        </p:nvPicPr>
+        <p:blipFill>
+          <a:blip r:embed="rId2"/>
+          <a:stretch>
+            <a:fillRect/>
+          </a:stretch>
+        </p:blipFill>
+        <p:spPr>
+          <a:xfrm>
+            <a:off x="7432839" y="4320037"/>
+            <a:ext cx="1330160" cy="2039579"/>
+          </a:xfrm>
+          <a:prstGeom prst="rect">
+            <a:avLst/>
+          </a:prstGeom>
+          <a:ln w="38100">
+            <a:solidFill>
+              <a:schemeClr val="tx1"/>
+            </a:solidFill>
+          </a:ln>
+        </p:spPr>
+      </p:pic>
+      <p:pic>
+        <p:nvPicPr>
+          <p:cNvPr id="5" name="Picture 4"/>
+          <p:cNvPicPr>
+            <a:picLocks noChangeAspect="1"/>
+          </p:cNvPicPr>
+          <p:nvPr/>
+        </p:nvPicPr>
+        <p:blipFill>
+          <a:blip r:embed="rId3"/>
+          <a:stretch>
+            <a:fillRect/>
+          </a:stretch>
+        </p:blipFill>
+        <p:spPr>
+          <a:xfrm>
+            <a:off x="5369335" y="4395018"/>
+            <a:ext cx="1525452" cy="1964597"/>
+          </a:xfrm>
+          <a:prstGeom prst="rect">
+            <a:avLst/>
+          </a:prstGeom>
+          <a:ln w="38100">
+            <a:solidFill>
+              <a:schemeClr val="tx1"/>
+            </a:solidFill>
+          </a:ln>
+        </p:spPr>
+      </p:pic>
     </p:spTree>
     <p:extLst>
       <p:ext uri="{BB962C8B-B14F-4D97-AF65-F5344CB8AC3E}">
@@ -7480,7 +7538,7 @@
           <a:p>
             <a:r>
               <a:rPr lang="en-US" dirty="0" smtClean="0"/>
-              <a:t>Bad Website Design</a:t>
+              <a:t>“Bad” Website Design</a:t>
             </a:r>
             <a:endParaRPr lang="en-US" dirty="0"/>
           </a:p>
@@ -7618,7 +7676,7 @@
           <a:p>
             <a:r>
               <a:rPr lang="en-US" dirty="0" smtClean="0"/>
-              <a:t>Good Website Design</a:t>
+              <a:t>“Good” Website Design</a:t>
             </a:r>
             <a:endParaRPr lang="en-US" dirty="0"/>
           </a:p>

--- a/Extended Campuses/EC CSS HTML Presentation.pptx
+++ b/Extended Campuses/EC CSS HTML Presentation.pptx
@@ -6392,9 +6392,13 @@
               </a:rPr>
               <a:t>www.w3schools.com/cssref/css_selectors.asp</a:t>
             </a:r>
-            <a:r>
-              <a:rPr lang="en-US" dirty="0" smtClean="0"/>
-              <a:t> </a:t>
+            <a:endParaRPr lang="en-US" dirty="0" smtClean="0"/>
+          </a:p>
+          <a:p>
+            <a:pPr lvl="1"/>
+            <a:r>
+              <a:rPr lang="en-US" smtClean="0"/>
+              <a:t>Live Demo? </a:t>
             </a:r>
             <a:endParaRPr lang="en-US" dirty="0" smtClean="0"/>
           </a:p>

--- a/Extended Campuses/EC CSS HTML Presentation.pptx
+++ b/Extended Campuses/EC CSS HTML Presentation.pptx
@@ -6397,7 +6397,7 @@
           <a:p>
             <a:pPr lvl="1"/>
             <a:r>
-              <a:rPr lang="en-US" smtClean="0"/>
+              <a:rPr lang="en-US" dirty="0" smtClean="0"/>
               <a:t>Live Demo? </a:t>
             </a:r>
             <a:endParaRPr lang="en-US" dirty="0" smtClean="0"/>
@@ -7488,6 +7488,35 @@
           </a:p>
         </p:txBody>
       </p:sp>
+      <p:pic>
+        <p:nvPicPr>
+          <p:cNvPr id="4" name="Picture 3"/>
+          <p:cNvPicPr>
+            <a:picLocks noChangeAspect="1"/>
+          </p:cNvPicPr>
+          <p:nvPr/>
+        </p:nvPicPr>
+        <p:blipFill>
+          <a:blip r:embed="rId3"/>
+          <a:stretch>
+            <a:fillRect/>
+          </a:stretch>
+        </p:blipFill>
+        <p:spPr>
+          <a:xfrm>
+            <a:off x="6296024" y="4511766"/>
+            <a:ext cx="2466975" cy="1847850"/>
+          </a:xfrm>
+          <a:prstGeom prst="rect">
+            <a:avLst/>
+          </a:prstGeom>
+          <a:ln w="38100">
+            <a:solidFill>
+              <a:schemeClr val="tx1"/>
+            </a:solidFill>
+          </a:ln>
+        </p:spPr>
+      </p:pic>
     </p:spTree>
     <p:extLst>
       <p:ext uri="{BB962C8B-B14F-4D97-AF65-F5344CB8AC3E}">

--- a/Extended Campuses/EC CSS HTML Presentation.pptx
+++ b/Extended Campuses/EC CSS HTML Presentation.pptx
@@ -6668,6 +6668,13 @@
   <p:clrMapOvr>
     <a:masterClrMapping/>
   </p:clrMapOvr>
+  <p:timing>
+    <p:tnLst>
+      <p:par>
+        <p:cTn id="1" dur="indefinite" restart="never" nodeType="tmRoot"/>
+      </p:par>
+    </p:tnLst>
+  </p:timing>
 </p:sld>
 </file>
 
@@ -7593,9 +7600,22 @@
           <a:lstStyle/>
           <a:p>
             <a:r>
-              <a:rPr lang="en-US" dirty="0"/>
-              <a:t>http://www.sphere.bc.ca/test/sruniverse.html</a:t>
-            </a:r>
+              <a:rPr lang="en-US" dirty="0">
+                <a:hlinkClick r:id="rId2"/>
+              </a:rPr>
+              <a:t>http://</a:t>
+            </a:r>
+            <a:r>
+              <a:rPr lang="en-US" dirty="0" smtClean="0">
+                <a:hlinkClick r:id="rId2"/>
+              </a:rPr>
+              <a:t>www.sphere.bc.ca/test/sruniverse.html</a:t>
+            </a:r>
+            <a:r>
+              <a:rPr lang="en-US" dirty="0" smtClean="0"/>
+              <a:t> </a:t>
+            </a:r>
+            <a:endParaRPr lang="en-US" dirty="0"/>
           </a:p>
           <a:p>
             <a:endParaRPr lang="en-US" dirty="0"/>
@@ -7640,7 +7660,7 @@
           <p:nvPr/>
         </p:nvPicPr>
         <p:blipFill>
-          <a:blip r:embed="rId2"/>
+          <a:blip r:embed="rId3"/>
           <a:stretch>
             <a:fillRect/>
           </a:stretch>
@@ -7731,8 +7751,24 @@
           <a:lstStyle/>
           <a:p>
             <a:r>
+              <a:rPr lang="en-US" dirty="0">
+                <a:hlinkClick r:id="rId2"/>
+              </a:rPr>
+              <a:t>https://www.dropbox.com</a:t>
+            </a:r>
+            <a:r>
+              <a:rPr lang="en-US" dirty="0" smtClean="0">
+                <a:hlinkClick r:id="rId2"/>
+              </a:rPr>
+              <a:t>/</a:t>
+            </a:r>
+            <a:r>
+              <a:rPr lang="en-US" dirty="0" smtClean="0"/>
+              <a:t> </a:t>
+            </a:r>
+            <a:r>
               <a:rPr lang="en-US" dirty="0"/>
-              <a:t>https://www.dropbox.com/</a:t>
+              <a:t/>
             </a:r>
             <a:br>
               <a:rPr lang="en-US" dirty="0"/>
@@ -7771,9 +7807,22 @@
           </a:p>
           <a:p>
             <a:r>
-              <a:rPr lang="en-US" dirty="0"/>
-              <a:t>https://4rsmokehouse.com/</a:t>
-            </a:r>
+              <a:rPr lang="en-US" dirty="0">
+                <a:hlinkClick r:id="rId3"/>
+              </a:rPr>
+              <a:t>https://4rsmokehouse.com</a:t>
+            </a:r>
+            <a:r>
+              <a:rPr lang="en-US" dirty="0" smtClean="0">
+                <a:hlinkClick r:id="rId3"/>
+              </a:rPr>
+              <a:t>/</a:t>
+            </a:r>
+            <a:r>
+              <a:rPr lang="en-US" dirty="0" smtClean="0"/>
+              <a:t> </a:t>
+            </a:r>
+            <a:endParaRPr lang="en-US" dirty="0"/>
           </a:p>
           <a:p>
             <a:endParaRPr lang="en-US" dirty="0"/>
@@ -7818,7 +7867,7 @@
           <p:nvPr/>
         </p:nvPicPr>
         <p:blipFill>
-          <a:blip r:embed="rId2"/>
+          <a:blip r:embed="rId4"/>
           <a:stretch>
             <a:fillRect/>
           </a:stretch>
@@ -7843,6 +7892,13 @@
   <p:clrMapOvr>
     <a:masterClrMapping/>
   </p:clrMapOvr>
+  <p:timing>
+    <p:tnLst>
+      <p:par>
+        <p:cTn id="1" dur="indefinite" restart="never" nodeType="tmRoot"/>
+      </p:par>
+    </p:tnLst>
+  </p:timing>
 </p:sld>
 </file>
 
